--- a/python/numpy/Numpy (1).pptx
+++ b/python/numpy/Numpy (1).pptx
@@ -66,8 +66,9 @@
     <p:sldId id="307" r:id="rId59"/>
     <p:sldId id="321" r:id="rId60"/>
     <p:sldId id="322" r:id="rId61"/>
-    <p:sldId id="323" r:id="rId62"/>
-    <p:sldId id="308" r:id="rId63"/>
+    <p:sldId id="325" r:id="rId62"/>
+    <p:sldId id="323" r:id="rId63"/>
+    <p:sldId id="308" r:id="rId64"/>
   </p:sldIdLst>
   <p:sldSz cx="9144000" cy="5143500"/>
   <p:notesSz cx="6858000" cy="9144000"/>
@@ -10713,41 +10714,6 @@
       </p:grpSpPr>
       <p:sp>
         <p:nvSpPr>
-          <p:cNvPr id="106" name="Google Shape;106;p22"/>
-          <p:cNvSpPr txBox="1"/>
-          <p:nvPr>
-            <p:ph type="title"/>
-          </p:nvPr>
-        </p:nvSpPr>
-        <p:spPr>
-          <a:xfrm>
-            <a:off x="311700" y="445025"/>
-            <a:ext cx="8520600" cy="572700"/>
-          </a:xfrm>
-          <a:prstGeom prst="rect">
-            <a:avLst/>
-          </a:prstGeom>
-        </p:spPr>
-        <p:txBody>
-          <a:bodyPr spcFirstLastPara="1" wrap="square" lIns="91425" tIns="91425" rIns="91425" bIns="91425" anchor="t" anchorCtr="0">
-            <a:normAutofit fontScale="90000"/>
-          </a:bodyPr>
-          <a:lstStyle/>
-          <a:p>
-            <a:pPr marL="0" lvl="0" indent="0" algn="l" rtl="0">
-              <a:spcBef>
-                <a:spcPts val="0"/>
-              </a:spcBef>
-              <a:spcAft>
-                <a:spcPts val="0"/>
-              </a:spcAft>
-              <a:buNone/>
-            </a:pPr>
-          </a:p>
-        </p:txBody>
-      </p:sp>
-      <p:sp>
-        <p:nvSpPr>
           <p:cNvPr id="107" name="Google Shape;107;p22"/>
           <p:cNvSpPr txBox="1"/>
           <p:nvPr>
@@ -10756,7 +10722,7 @@
         </p:nvSpPr>
         <p:spPr>
           <a:xfrm>
-            <a:off x="311700" y="1152475"/>
+            <a:off x="311700" y="187910"/>
             <a:ext cx="8520600" cy="3778500"/>
           </a:xfrm>
           <a:prstGeom prst="rect">
@@ -10765,7 +10731,7 @@
         </p:spPr>
         <p:txBody>
           <a:bodyPr spcFirstLastPara="1" wrap="square" lIns="91425" tIns="91425" rIns="91425" bIns="91425" anchor="t" anchorCtr="0">
-            <a:normAutofit fontScale="47500" lnSpcReduction="10000"/>
+            <a:noAutofit/>
           </a:bodyPr>
           <a:lstStyle/>
           <a:p>
@@ -10819,7 +10785,7 @@
               <a:buNone/>
             </a:pPr>
             <a:r>
-              <a:rPr lang="en-GB" sz="1150">
+              <a:rPr lang="en-GB" sz="1200">
                 <a:solidFill>
                   <a:schemeClr val="dk1"/>
                 </a:solidFill>
@@ -10833,7 +10799,7 @@
               </a:rPr>
               <a:t>An array that has 2-D arrays (matrices) as its elements is called 3-D array.</a:t>
             </a:r>
-            <a:endParaRPr sz="1150">
+            <a:endParaRPr sz="1200">
               <a:solidFill>
                 <a:schemeClr val="dk1"/>
               </a:solidFill>
@@ -10862,7 +10828,7 @@
               <a:buNone/>
             </a:pPr>
             <a:r>
-              <a:rPr lang="en-GB" sz="1150">
+              <a:rPr lang="en-GB" sz="1200">
                 <a:solidFill>
                   <a:schemeClr val="dk1"/>
                 </a:solidFill>
@@ -10876,7 +10842,7 @@
               </a:rPr>
               <a:t>These are often used to represent a 3rd order tensor.</a:t>
             </a:r>
-            <a:endParaRPr sz="1150">
+            <a:endParaRPr sz="1200">
               <a:solidFill>
                 <a:schemeClr val="dk1"/>
               </a:solidFill>
@@ -10905,7 +10871,7 @@
               <a:buNone/>
             </a:pPr>
             <a:r>
-              <a:rPr lang="en-GB">
+              <a:rPr lang="en-GB" sz="2000">
                 <a:solidFill>
                   <a:schemeClr val="dk1"/>
                 </a:solidFill>
@@ -10915,7 +10881,7 @@
               </a:rPr>
               <a:t>Example</a:t>
             </a:r>
-            <a:endParaRPr>
+            <a:endParaRPr sz="2000">
               <a:solidFill>
                 <a:schemeClr val="dk1"/>
               </a:solidFill>
@@ -10940,7 +10906,7 @@
               <a:buNone/>
             </a:pPr>
             <a:r>
-              <a:rPr lang="en-GB" sz="1150">
+              <a:rPr lang="en-GB" sz="1200">
                 <a:solidFill>
                   <a:schemeClr val="dk1"/>
                 </a:solidFill>
@@ -10954,7 +10920,7 @@
               </a:rPr>
               <a:t>Create a 3-D array with two 2-D arrays, both containing two arrays with the values 1,2,3 and 4,5,6:</a:t>
             </a:r>
-            <a:endParaRPr sz="1150">
+            <a:endParaRPr sz="1200">
               <a:solidFill>
                 <a:schemeClr val="dk1"/>
               </a:solidFill>
@@ -10983,7 +10949,7 @@
               <a:buNone/>
             </a:pPr>
             <a:r>
-              <a:rPr lang="en-GB" sz="1150">
+              <a:rPr lang="en-GB" sz="1200">
                 <a:solidFill>
                   <a:srgbClr val="0000CD"/>
                 </a:solidFill>
@@ -10998,7 +10964,7 @@
               <a:t>import</a:t>
             </a:r>
             <a:r>
-              <a:rPr lang="en-GB" sz="1150">
+              <a:rPr lang="en-GB" sz="1200">
                 <a:solidFill>
                   <a:schemeClr val="dk1"/>
                 </a:solidFill>
@@ -11013,7 +10979,7 @@
               <a:t> numpy </a:t>
             </a:r>
             <a:r>
-              <a:rPr lang="en-GB" sz="1150">
+              <a:rPr lang="en-GB" sz="1200">
                 <a:solidFill>
                   <a:srgbClr val="0000CD"/>
                 </a:solidFill>
@@ -11028,7 +10994,7 @@
               <a:t>as</a:t>
             </a:r>
             <a:r>
-              <a:rPr lang="en-GB" sz="1150">
+              <a:rPr lang="en-GB" sz="1200">
                 <a:solidFill>
                   <a:schemeClr val="dk1"/>
                 </a:solidFill>
@@ -11042,7 +11008,7 @@
               </a:rPr>
               <a:t> np</a:t>
             </a:r>
-            <a:endParaRPr sz="1150">
+            <a:endParaRPr sz="1200">
               <a:solidFill>
                 <a:schemeClr val="dk1"/>
               </a:solidFill>
@@ -11071,7 +11037,7 @@
               <a:buNone/>
             </a:pPr>
             <a:r>
-              <a:rPr lang="en-GB" sz="1150">
+              <a:rPr lang="en-GB" sz="1200">
                 <a:solidFill>
                   <a:schemeClr val="dk1"/>
                 </a:solidFill>
@@ -11086,7 +11052,7 @@
               <a:t>arr = np.array([[[</a:t>
             </a:r>
             <a:r>
-              <a:rPr lang="en-GB" sz="1150">
+              <a:rPr lang="en-GB" sz="1200">
                 <a:solidFill>
                   <a:srgbClr val="FF0000"/>
                 </a:solidFill>
@@ -11101,7 +11067,7 @@
               <a:t>1</a:t>
             </a:r>
             <a:r>
-              <a:rPr lang="en-GB" sz="1150">
+              <a:rPr lang="en-GB" sz="1200">
                 <a:solidFill>
                   <a:schemeClr val="dk1"/>
                 </a:solidFill>
@@ -11116,7 +11082,7 @@
               <a:t>, </a:t>
             </a:r>
             <a:r>
-              <a:rPr lang="en-GB" sz="1150">
+              <a:rPr lang="en-GB" sz="1200">
                 <a:solidFill>
                   <a:srgbClr val="FF0000"/>
                 </a:solidFill>
@@ -11131,7 +11097,7 @@
               <a:t>2</a:t>
             </a:r>
             <a:r>
-              <a:rPr lang="en-GB" sz="1150">
+              <a:rPr lang="en-GB" sz="1200">
                 <a:solidFill>
                   <a:schemeClr val="dk1"/>
                 </a:solidFill>
@@ -11146,7 +11112,7 @@
               <a:t>, </a:t>
             </a:r>
             <a:r>
-              <a:rPr lang="en-GB" sz="1150">
+              <a:rPr lang="en-GB" sz="1200">
                 <a:solidFill>
                   <a:srgbClr val="FF0000"/>
                 </a:solidFill>
@@ -11161,7 +11127,7 @@
               <a:t>3</a:t>
             </a:r>
             <a:r>
-              <a:rPr lang="en-GB" sz="1150">
+              <a:rPr lang="en-GB" sz="1200">
                 <a:solidFill>
                   <a:schemeClr val="dk1"/>
                 </a:solidFill>
@@ -11176,7 +11142,7 @@
               <a:t>], [</a:t>
             </a:r>
             <a:r>
-              <a:rPr lang="en-GB" sz="1150">
+              <a:rPr lang="en-GB" sz="1200">
                 <a:solidFill>
                   <a:srgbClr val="FF0000"/>
                 </a:solidFill>
@@ -11191,7 +11157,7 @@
               <a:t>4</a:t>
             </a:r>
             <a:r>
-              <a:rPr lang="en-GB" sz="1150">
+              <a:rPr lang="en-GB" sz="1200">
                 <a:solidFill>
                   <a:schemeClr val="dk1"/>
                 </a:solidFill>
@@ -11206,7 +11172,7 @@
               <a:t>, </a:t>
             </a:r>
             <a:r>
-              <a:rPr lang="en-GB" sz="1150">
+              <a:rPr lang="en-GB" sz="1200">
                 <a:solidFill>
                   <a:srgbClr val="FF0000"/>
                 </a:solidFill>
@@ -11221,7 +11187,7 @@
               <a:t>5</a:t>
             </a:r>
             <a:r>
-              <a:rPr lang="en-GB" sz="1150">
+              <a:rPr lang="en-GB" sz="1200">
                 <a:solidFill>
                   <a:schemeClr val="dk1"/>
                 </a:solidFill>
@@ -11236,7 +11202,7 @@
               <a:t>, </a:t>
             </a:r>
             <a:r>
-              <a:rPr lang="en-GB" sz="1150">
+              <a:rPr lang="en-GB" sz="1200">
                 <a:solidFill>
                   <a:srgbClr val="FF0000"/>
                 </a:solidFill>
@@ -11251,7 +11217,7 @@
               <a:t>6</a:t>
             </a:r>
             <a:r>
-              <a:rPr lang="en-GB" sz="1150">
+              <a:rPr lang="en-GB" sz="1200">
                 <a:solidFill>
                   <a:schemeClr val="dk1"/>
                 </a:solidFill>
@@ -11266,7 +11232,7 @@
               <a:t>]], [[</a:t>
             </a:r>
             <a:r>
-              <a:rPr lang="en-GB" sz="1150">
+              <a:rPr lang="en-GB" sz="1200">
                 <a:solidFill>
                   <a:srgbClr val="FF0000"/>
                 </a:solidFill>
@@ -11281,7 +11247,7 @@
               <a:t>1</a:t>
             </a:r>
             <a:r>
-              <a:rPr lang="en-GB" sz="1150">
+              <a:rPr lang="en-GB" sz="1200">
                 <a:solidFill>
                   <a:schemeClr val="dk1"/>
                 </a:solidFill>
@@ -11296,7 +11262,7 @@
               <a:t>, </a:t>
             </a:r>
             <a:r>
-              <a:rPr lang="en-GB" sz="1150">
+              <a:rPr lang="en-GB" sz="1200">
                 <a:solidFill>
                   <a:srgbClr val="FF0000"/>
                 </a:solidFill>
@@ -11311,7 +11277,7 @@
               <a:t>2</a:t>
             </a:r>
             <a:r>
-              <a:rPr lang="en-GB" sz="1150">
+              <a:rPr lang="en-GB" sz="1200">
                 <a:solidFill>
                   <a:schemeClr val="dk1"/>
                 </a:solidFill>
@@ -11326,7 +11292,7 @@
               <a:t>, </a:t>
             </a:r>
             <a:r>
-              <a:rPr lang="en-GB" sz="1150">
+              <a:rPr lang="en-GB" sz="1200">
                 <a:solidFill>
                   <a:srgbClr val="FF0000"/>
                 </a:solidFill>
@@ -11341,7 +11307,7 @@
               <a:t>3</a:t>
             </a:r>
             <a:r>
-              <a:rPr lang="en-GB" sz="1150">
+              <a:rPr lang="en-GB" sz="1200">
                 <a:solidFill>
                   <a:schemeClr val="dk1"/>
                 </a:solidFill>
@@ -11356,7 +11322,7 @@
               <a:t>], [</a:t>
             </a:r>
             <a:r>
-              <a:rPr lang="en-GB" sz="1150">
+              <a:rPr lang="en-GB" sz="1200">
                 <a:solidFill>
                   <a:srgbClr val="FF0000"/>
                 </a:solidFill>
@@ -11371,7 +11337,7 @@
               <a:t>4</a:t>
             </a:r>
             <a:r>
-              <a:rPr lang="en-GB" sz="1150">
+              <a:rPr lang="en-GB" sz="1200">
                 <a:solidFill>
                   <a:schemeClr val="dk1"/>
                 </a:solidFill>
@@ -11386,7 +11352,7 @@
               <a:t>, </a:t>
             </a:r>
             <a:r>
-              <a:rPr lang="en-GB" sz="1150">
+              <a:rPr lang="en-GB" sz="1200">
                 <a:solidFill>
                   <a:srgbClr val="FF0000"/>
                 </a:solidFill>
@@ -11401,7 +11367,7 @@
               <a:t>5</a:t>
             </a:r>
             <a:r>
-              <a:rPr lang="en-GB" sz="1150">
+              <a:rPr lang="en-GB" sz="1200">
                 <a:solidFill>
                   <a:schemeClr val="dk1"/>
                 </a:solidFill>
@@ -11416,7 +11382,7 @@
               <a:t>, </a:t>
             </a:r>
             <a:r>
-              <a:rPr lang="en-GB" sz="1150">
+              <a:rPr lang="en-GB" sz="1200">
                 <a:solidFill>
                   <a:srgbClr val="FF0000"/>
                 </a:solidFill>
@@ -11431,36 +11397,21 @@
               <a:t>6</a:t>
             </a:r>
             <a:r>
-              <a:rPr lang="en-GB" sz="1150">
-                <a:solidFill>
-                  <a:schemeClr val="dk1"/>
-                </a:solidFill>
-                <a:highlight>
-                  <a:srgbClr val="FFFFFF"/>
-                </a:highlight>
-                <a:latin typeface="Courier New" panose="02070309020205020404"/>
-                <a:ea typeface="Courier New" panose="02070309020205020404"/>
-                <a:cs typeface="Courier New" panose="02070309020205020404"/>
-                <a:sym typeface="Courier New" panose="02070309020205020404"/>
-              </a:rPr>
-              <a:t>]]]</a:t>
-            </a:r>
-            <a:r>
-              <a:rPr lang="en-GB" sz="1150">
-                <a:solidFill>
-                  <a:schemeClr val="dk1"/>
-                </a:solidFill>
-                <a:highlight>
-                  <a:srgbClr val="FFFFFF"/>
-                </a:highlight>
-                <a:latin typeface="Courier New" panose="02070309020205020404"/>
-                <a:ea typeface="Courier New" panose="02070309020205020404"/>
-                <a:cs typeface="Courier New" panose="02070309020205020404"/>
-                <a:sym typeface="Courier New" panose="02070309020205020404"/>
-              </a:rPr>
-              <a:t>)</a:t>
-            </a:r>
-            <a:endParaRPr sz="1150">
+              <a:rPr lang="en-GB" sz="1200">
+                <a:solidFill>
+                  <a:schemeClr val="dk1"/>
+                </a:solidFill>
+                <a:highlight>
+                  <a:srgbClr val="FFFFFF"/>
+                </a:highlight>
+                <a:latin typeface="Courier New" panose="02070309020205020404"/>
+                <a:ea typeface="Courier New" panose="02070309020205020404"/>
+                <a:cs typeface="Courier New" panose="02070309020205020404"/>
+                <a:sym typeface="Courier New" panose="02070309020205020404"/>
+              </a:rPr>
+              <a:t>]]])</a:t>
+            </a:r>
+            <a:endParaRPr sz="1200">
               <a:solidFill>
                 <a:schemeClr val="dk1"/>
               </a:solidFill>
@@ -11489,7 +11440,7 @@
               <a:buNone/>
             </a:pPr>
             <a:r>
-              <a:rPr lang="en-GB" sz="1150">
+              <a:rPr lang="en-GB" sz="1200">
                 <a:solidFill>
                   <a:srgbClr val="0000CD"/>
                 </a:solidFill>
@@ -11504,7 +11455,7 @@
               <a:t>print</a:t>
             </a:r>
             <a:r>
-              <a:rPr lang="en-GB" sz="1150">
+              <a:rPr lang="en-GB" sz="1200">
                 <a:solidFill>
                   <a:schemeClr val="dk1"/>
                 </a:solidFill>
@@ -11518,7 +11469,7 @@
               </a:rPr>
               <a:t>(arr)</a:t>
             </a:r>
-            <a:endParaRPr sz="1150">
+            <a:endParaRPr sz="1200">
               <a:solidFill>
                 <a:schemeClr val="dk1"/>
               </a:solidFill>
@@ -11541,6 +11492,18 @@
               </a:spcAft>
               <a:buNone/>
             </a:pPr>
+            <a:endParaRPr sz="1200">
+              <a:solidFill>
+                <a:schemeClr val="dk1"/>
+              </a:solidFill>
+              <a:highlight>
+                <a:srgbClr val="FFFFFF"/>
+              </a:highlight>
+              <a:latin typeface="Courier New" panose="02070309020205020404"/>
+              <a:ea typeface="Courier New" panose="02070309020205020404"/>
+              <a:cs typeface="Courier New" panose="02070309020205020404"/>
+              <a:sym typeface="Courier New" panose="02070309020205020404"/>
+            </a:endParaRPr>
           </a:p>
         </p:txBody>
       </p:sp>
@@ -33261,238 +33224,375 @@
             <p:ph type="body" idx="1"/>
           </p:nvPr>
         </p:nvSpPr>
-        <p:spPr/>
+        <p:spPr>
+          <a:xfrm>
+            <a:off x="264160" y="219710"/>
+            <a:ext cx="3917950" cy="4387215"/>
+          </a:xfrm>
+        </p:spPr>
         <p:txBody>
           <a:bodyPr>
-            <a:normAutofit fontScale="70000"/>
+            <a:noAutofit/>
           </a:bodyPr>
           <a:p>
-            <a:r>
-              <a:rPr lang="en-US"/>
+            <a:pPr marL="114300" indent="0">
+              <a:buNone/>
+            </a:pPr>
+            <a:r>
+              <a:rPr lang="en-US" b="1">
+                <a:solidFill>
+                  <a:srgbClr val="FF0000"/>
+                </a:solidFill>
+              </a:rPr>
               <a:t>np.transpose</a:t>
             </a:r>
+            <a:endParaRPr lang="en-US" b="1">
+              <a:solidFill>
+                <a:srgbClr val="FF0000"/>
+              </a:solidFill>
+            </a:endParaRPr>
+          </a:p>
+          <a:p>
+            <a:pPr marL="114300" indent="0">
+              <a:buNone/>
+            </a:pPr>
+            <a:r>
+              <a:rPr lang="en-US" sz="1600"/>
+              <a:t> </a:t>
+            </a:r>
+            <a:r>
+              <a:rPr lang="en-US" sz="1600">
+                <a:solidFill>
+                  <a:schemeClr val="tx1"/>
+                </a:solidFill>
+              </a:rPr>
+              <a:t> import numpy as np</a:t>
+            </a:r>
+            <a:endParaRPr lang="en-US" sz="1600">
+              <a:solidFill>
+                <a:schemeClr val="tx1"/>
+              </a:solidFill>
+            </a:endParaRPr>
+          </a:p>
+          <a:p>
+            <a:pPr marL="114300" indent="0">
+              <a:buNone/>
+            </a:pPr>
+            <a:r>
+              <a:rPr lang="en-US" sz="1600">
+                <a:solidFill>
+                  <a:schemeClr val="tx1"/>
+                </a:solidFill>
+              </a:rPr>
+              <a:t>    </a:t>
+            </a:r>
+            <a:endParaRPr lang="en-US" sz="1600">
+              <a:solidFill>
+                <a:schemeClr val="tx1"/>
+              </a:solidFill>
+            </a:endParaRPr>
+          </a:p>
+          <a:p>
+            <a:pPr marL="114300" indent="0">
+              <a:buNone/>
+            </a:pPr>
+            <a:r>
+              <a:rPr lang="en-US" sz="1600">
+                <a:solidFill>
+                  <a:schemeClr val="tx1"/>
+                </a:solidFill>
+              </a:rPr>
+              <a:t>    # Example of a system of linear equations: Ax = b</a:t>
+            </a:r>
+            <a:endParaRPr lang="en-US" sz="1600">
+              <a:solidFill>
+                <a:schemeClr val="tx1"/>
+              </a:solidFill>
+            </a:endParaRPr>
+          </a:p>
+          <a:p>
+            <a:pPr marL="114300" indent="0">
+              <a:buNone/>
+            </a:pPr>
+            <a:r>
+              <a:rPr lang="en-US" sz="1600">
+                <a:solidFill>
+                  <a:schemeClr val="tx1"/>
+                </a:solidFill>
+              </a:rPr>
+              <a:t>    A = np.array([[3, 2], [1, 2]])</a:t>
+            </a:r>
+            <a:endParaRPr lang="en-US" sz="1600">
+              <a:solidFill>
+                <a:schemeClr val="tx1"/>
+              </a:solidFill>
+            </a:endParaRPr>
+          </a:p>
+          <a:p>
+            <a:pPr marL="114300" indent="0">
+              <a:buNone/>
+            </a:pPr>
+            <a:r>
+              <a:rPr lang="en-US" sz="1600">
+                <a:solidFill>
+                  <a:schemeClr val="tx1"/>
+                </a:solidFill>
+              </a:rPr>
+              <a:t>    b = np.array([8, 7])</a:t>
+            </a:r>
+            <a:endParaRPr lang="en-US" sz="1600">
+              <a:solidFill>
+                <a:schemeClr val="tx1"/>
+              </a:solidFill>
+            </a:endParaRPr>
+          </a:p>
+          <a:p>
+            <a:pPr marL="114300" indent="0">
+              <a:buNone/>
+            </a:pPr>
+            <a:r>
+              <a:rPr lang="en-US" sz="1600">
+                <a:solidFill>
+                  <a:schemeClr val="tx1"/>
+                </a:solidFill>
+              </a:rPr>
+              <a:t>    </a:t>
+            </a:r>
+            <a:endParaRPr lang="en-US" sz="1600">
+              <a:solidFill>
+                <a:schemeClr val="tx1"/>
+              </a:solidFill>
+            </a:endParaRPr>
+          </a:p>
+          <a:p>
+            <a:pPr marL="114300" indent="0">
+              <a:buNone/>
+            </a:pPr>
+            <a:r>
+              <a:rPr lang="en-US" sz="1600">
+                <a:solidFill>
+                  <a:schemeClr val="tx1"/>
+                </a:solidFill>
+              </a:rPr>
+              <a:t>    # Solve for x</a:t>
+            </a:r>
+            <a:endParaRPr lang="en-US" sz="1600">
+              <a:solidFill>
+                <a:schemeClr val="tx1"/>
+              </a:solidFill>
+            </a:endParaRPr>
+          </a:p>
+          <a:p>
+            <a:pPr marL="114300" indent="0">
+              <a:buNone/>
+            </a:pPr>
+            <a:r>
+              <a:rPr lang="en-US" sz="1600">
+                <a:solidFill>
+                  <a:schemeClr val="tx1"/>
+                </a:solidFill>
+              </a:rPr>
+              <a:t>    x = np.linalg.solve(A, b)</a:t>
+            </a:r>
+            <a:endParaRPr lang="en-US" sz="1600">
+              <a:solidFill>
+                <a:schemeClr val="tx1"/>
+              </a:solidFill>
+            </a:endParaRPr>
+          </a:p>
+          <a:p>
+            <a:pPr marL="114300" indent="0">
+              <a:buNone/>
+            </a:pPr>
+            <a:r>
+              <a:rPr lang="en-US" sz="1600">
+                <a:solidFill>
+                  <a:schemeClr val="tx1"/>
+                </a:solidFill>
+              </a:rPr>
+              <a:t>    print("Solution:", x)</a:t>
+            </a:r>
+            <a:endParaRPr lang="en-US" sz="1600">
+              <a:solidFill>
+                <a:schemeClr val="tx1"/>
+              </a:solidFill>
+            </a:endParaRPr>
+          </a:p>
+          <a:p>
+            <a:pPr marL="114300" indent="0">
+              <a:buNone/>
+            </a:pPr>
+            <a:endParaRPr lang="en-US" sz="1600">
+              <a:solidFill>
+                <a:schemeClr val="tx1"/>
+              </a:solidFill>
+            </a:endParaRPr>
+          </a:p>
+          <a:p>
+            <a:pPr marL="114300" indent="0">
+              <a:buNone/>
+            </a:pPr>
+            <a:endParaRPr lang="en-US" sz="1600">
+              <a:solidFill>
+                <a:schemeClr val="tx1"/>
+              </a:solidFill>
+            </a:endParaRPr>
+          </a:p>
+        </p:txBody>
+      </p:sp>
+      <p:sp>
+        <p:nvSpPr>
+          <p:cNvPr id="2" name="Text Box 1"/>
+          <p:cNvSpPr txBox="1"/>
+          <p:nvPr/>
+        </p:nvSpPr>
+        <p:spPr>
+          <a:xfrm>
+            <a:off x="4262120" y="546100"/>
+            <a:ext cx="4572000" cy="3107690"/>
+          </a:xfrm>
+          <a:prstGeom prst="rect">
+            <a:avLst/>
+          </a:prstGeom>
+          <a:noFill/>
+        </p:spPr>
+        <p:txBody>
+          <a:bodyPr wrap="square" rtlCol="0" anchor="t">
+            <a:spAutoFit/>
+          </a:bodyPr>
+          <a:p>
+            <a:pPr marL="114300" indent="0">
+              <a:buNone/>
+            </a:pPr>
             <a:endParaRPr lang="en-US"/>
           </a:p>
           <a:p>
-            <a:r>
-              <a:rPr lang="en-US" sz="1000"/>
-              <a:t>  import numpy as np</a:t>
-            </a:r>
-            <a:endParaRPr lang="en-US" sz="1000"/>
-          </a:p>
-          <a:p>
             <a:pPr marL="114300" indent="0">
               <a:buNone/>
             </a:pPr>
             <a:r>
-              <a:rPr lang="en-US" sz="1000"/>
-              <a:t>    </a:t>
-            </a:r>
-            <a:endParaRPr lang="en-US" sz="1000"/>
+              <a:rPr lang="en-US" b="1">
+                <a:sym typeface="+mn-ea"/>
+              </a:rPr>
+              <a:t># Features (X): matrix with 3 rows (samples) and 2 columns (features)</a:t>
+            </a:r>
+            <a:endParaRPr lang="en-US" b="1"/>
           </a:p>
           <a:p>
             <a:pPr marL="114300" indent="0">
               <a:buNone/>
             </a:pPr>
             <a:r>
-              <a:rPr lang="en-US" sz="1000"/>
-              <a:t>    # Example of a system of linear equations: Ax = b</a:t>
-            </a:r>
-            <a:endParaRPr lang="en-US" sz="1000"/>
+              <a:rPr lang="en-US">
+                <a:sym typeface="+mn-ea"/>
+              </a:rPr>
+              <a:t>X = np.array([[1, 1500],</a:t>
+            </a:r>
+            <a:endParaRPr lang="en-US"/>
           </a:p>
           <a:p>
             <a:pPr marL="114300" indent="0">
               <a:buNone/>
             </a:pPr>
             <a:r>
-              <a:rPr lang="en-US" sz="1000"/>
-              <a:t>    A = np.array([[3, 2], [1, 2]])</a:t>
-            </a:r>
-            <a:endParaRPr lang="en-US" sz="1000"/>
+              <a:rPr lang="en-US">
+                <a:sym typeface="+mn-ea"/>
+              </a:rPr>
+              <a:t>              [1, 1200],</a:t>
+            </a:r>
+            <a:endParaRPr lang="en-US"/>
           </a:p>
           <a:p>
             <a:pPr marL="114300" indent="0">
               <a:buNone/>
             </a:pPr>
             <a:r>
-              <a:rPr lang="en-US" sz="1000"/>
-              <a:t>    b = np.array([8, 7])</a:t>
-            </a:r>
-            <a:endParaRPr lang="en-US" sz="1000"/>
+              <a:rPr lang="en-US">
+                <a:sym typeface="+mn-ea"/>
+              </a:rPr>
+              <a:t>              [1, 1800]])</a:t>
+            </a:r>
+            <a:endParaRPr lang="en-US"/>
           </a:p>
           <a:p>
             <a:pPr marL="114300" indent="0">
               <a:buNone/>
             </a:pPr>
-            <a:r>
-              <a:rPr lang="en-US" sz="1000"/>
-              <a:t>    </a:t>
-            </a:r>
-            <a:endParaRPr lang="en-US" sz="1000"/>
+            <a:endParaRPr lang="en-US"/>
           </a:p>
           <a:p>
             <a:pPr marL="114300" indent="0">
               <a:buNone/>
             </a:pPr>
             <a:r>
-              <a:rPr lang="en-US" sz="1000"/>
-              <a:t>    # Solve for x</a:t>
-            </a:r>
-            <a:endParaRPr lang="en-US" sz="1000"/>
+              <a:rPr lang="en-US">
+                <a:sym typeface="+mn-ea"/>
+              </a:rPr>
+              <a:t># Coefficients (β): vector</a:t>
+            </a:r>
+            <a:endParaRPr lang="en-US"/>
           </a:p>
           <a:p>
             <a:pPr marL="114300" indent="0">
               <a:buNone/>
             </a:pPr>
             <a:r>
-              <a:rPr lang="en-US" sz="1000"/>
-              <a:t>    x = np.linalg.solve(A, b)</a:t>
-            </a:r>
-            <a:endParaRPr lang="en-US" sz="1000"/>
+              <a:rPr lang="en-US">
+                <a:sym typeface="+mn-ea"/>
+              </a:rPr>
+              <a:t>β = np.array([50000, 200])</a:t>
+            </a:r>
+            <a:endParaRPr lang="en-US"/>
           </a:p>
           <a:p>
             <a:pPr marL="114300" indent="0">
               <a:buNone/>
             </a:pPr>
-            <a:r>
-              <a:rPr lang="en-US" sz="1000"/>
-              <a:t>    print("Solution:", x)</a:t>
-            </a:r>
-            <a:endParaRPr lang="en-US" sz="1000"/>
+            <a:endParaRPr lang="en-US"/>
           </a:p>
           <a:p>
             <a:pPr marL="114300" indent="0">
               <a:buNone/>
             </a:pPr>
             <a:r>
-              <a:rPr lang="en-US" sz="1000"/>
-              <a:t>========================================</a:t>
-            </a:r>
-            <a:endParaRPr lang="en-US" sz="1000"/>
+              <a:rPr lang="en-US">
+                <a:sym typeface="+mn-ea"/>
+              </a:rPr>
+              <a:t># Predicted Prices (Y): matrix multiplication</a:t>
+            </a:r>
+            <a:endParaRPr lang="en-US"/>
           </a:p>
           <a:p>
             <a:pPr marL="114300" indent="0">
               <a:buNone/>
             </a:pPr>
             <a:r>
-              <a:rPr lang="en-US" sz="1000"/>
-              <a:t>import numpy as np</a:t>
-            </a:r>
-            <a:endParaRPr lang="en-US" sz="1000"/>
+              <a:rPr lang="en-US">
+                <a:sym typeface="+mn-ea"/>
+              </a:rPr>
+              <a:t>Y = np.dot(X, β)</a:t>
+            </a:r>
+            <a:endParaRPr lang="en-US"/>
           </a:p>
           <a:p>
             <a:pPr marL="114300" indent="0">
               <a:buNone/>
             </a:pPr>
-            <a:endParaRPr lang="en-US" sz="1000"/>
+            <a:endParaRPr lang="en-US"/>
           </a:p>
           <a:p>
             <a:pPr marL="114300" indent="0">
               <a:buNone/>
             </a:pPr>
             <a:r>
-              <a:rPr lang="en-US" sz="1000"/>
-              <a:t># Features (X): matrix with 3 rows (samples) and 2 columns (features)</a:t>
-            </a:r>
-            <a:endParaRPr lang="en-US" sz="1000"/>
-          </a:p>
-          <a:p>
-            <a:pPr marL="114300" indent="0">
-              <a:buNone/>
-            </a:pPr>
-            <a:r>
-              <a:rPr lang="en-US" sz="1000"/>
-              <a:t>X = np.array([[1, 1500],</a:t>
-            </a:r>
-            <a:endParaRPr lang="en-US" sz="1000"/>
-          </a:p>
-          <a:p>
-            <a:pPr marL="114300" indent="0">
-              <a:buNone/>
-            </a:pPr>
-            <a:r>
-              <a:rPr lang="en-US" sz="1000"/>
-              <a:t>              [1, 1200],</a:t>
-            </a:r>
-            <a:endParaRPr lang="en-US" sz="1000"/>
-          </a:p>
-          <a:p>
-            <a:pPr marL="114300" indent="0">
-              <a:buNone/>
-            </a:pPr>
-            <a:r>
-              <a:rPr lang="en-US" sz="1000"/>
-              <a:t>              [1, 1800]])</a:t>
-            </a:r>
-            <a:endParaRPr lang="en-US" sz="1000"/>
-          </a:p>
-          <a:p>
-            <a:pPr marL="114300" indent="0">
-              <a:buNone/>
-            </a:pPr>
-            <a:endParaRPr lang="en-US" sz="1000"/>
-          </a:p>
-          <a:p>
-            <a:pPr marL="114300" indent="0">
-              <a:buNone/>
-            </a:pPr>
-            <a:r>
-              <a:rPr lang="en-US" sz="1000"/>
-              <a:t># Coefficients (β): vector</a:t>
-            </a:r>
-            <a:endParaRPr lang="en-US" sz="1000"/>
-          </a:p>
-          <a:p>
-            <a:pPr marL="114300" indent="0">
-              <a:buNone/>
-            </a:pPr>
-            <a:r>
-              <a:rPr lang="en-US" sz="1000"/>
-              <a:t>β = np.array([50000, 200])</a:t>
-            </a:r>
-            <a:endParaRPr lang="en-US" sz="1000"/>
-          </a:p>
-          <a:p>
-            <a:pPr marL="114300" indent="0">
-              <a:buNone/>
-            </a:pPr>
-            <a:endParaRPr lang="en-US" sz="1000"/>
-          </a:p>
-          <a:p>
-            <a:pPr marL="114300" indent="0">
-              <a:buNone/>
-            </a:pPr>
-            <a:r>
-              <a:rPr lang="en-US" sz="1000"/>
-              <a:t># Predicted Prices (Y): matrix multiplication</a:t>
-            </a:r>
-            <a:endParaRPr lang="en-US" sz="1000"/>
-          </a:p>
-          <a:p>
-            <a:pPr marL="114300" indent="0">
-              <a:buNone/>
-            </a:pPr>
-            <a:r>
-              <a:rPr lang="en-US" sz="1000"/>
-              <a:t>Y = np.dot(X, β)</a:t>
-            </a:r>
-            <a:endParaRPr lang="en-US" sz="1000"/>
-          </a:p>
-          <a:p>
-            <a:pPr marL="114300" indent="0">
-              <a:buNone/>
-            </a:pPr>
-            <a:endParaRPr lang="en-US" sz="1000"/>
-          </a:p>
-          <a:p>
-            <a:pPr marL="114300" indent="0">
-              <a:buNone/>
-            </a:pPr>
-            <a:r>
-              <a:rPr lang="en-US" sz="1000"/>
+              <a:rPr lang="en-US">
+                <a:sym typeface="+mn-ea"/>
+              </a:rPr>
               <a:t>print("Predicted Prices:", Y)</a:t>
             </a:r>
-            <a:endParaRPr lang="en-US" sz="1000"/>
+            <a:endParaRPr lang="en-US">
+              <a:sym typeface="+mn-ea"/>
+            </a:endParaRPr>
           </a:p>
         </p:txBody>
       </p:sp>
@@ -33516,224 +33616,359 @@
       <p:grpSpPr/>
       <p:sp>
         <p:nvSpPr>
-          <p:cNvPr id="2" name="Title 1"/>
-          <p:cNvSpPr/>
-          <p:nvPr>
-            <p:ph type="title"/>
-          </p:nvPr>
-        </p:nvSpPr>
-        <p:spPr/>
-        <p:txBody>
-          <a:bodyPr/>
-          <a:p>
-            <a:endParaRPr lang="en-US"/>
-          </a:p>
-        </p:txBody>
-      </p:sp>
-      <p:sp>
-        <p:nvSpPr>
           <p:cNvPr id="3" name="Text Placeholder 2"/>
           <p:cNvSpPr/>
           <p:nvPr>
             <p:ph type="body" idx="1"/>
           </p:nvPr>
         </p:nvSpPr>
-        <p:spPr/>
+        <p:spPr>
+          <a:xfrm>
+            <a:off x="421640" y="337185"/>
+            <a:ext cx="3134995" cy="3416300"/>
+          </a:xfrm>
+        </p:spPr>
         <p:txBody>
           <a:bodyPr>
-            <a:normAutofit fontScale="45000"/>
+            <a:noAutofit/>
           </a:bodyPr>
           <a:p>
             <a:pPr marL="114300" indent="0">
               <a:buNone/>
             </a:pPr>
             <a:r>
-              <a:rPr lang="en-US"/>
+              <a:rPr lang="en-US" sz="1400" b="1">
+                <a:solidFill>
+                  <a:srgbClr val="C00000"/>
+                </a:solidFill>
+              </a:rPr>
+              <a:t>Solve Linear Equeations</a:t>
+            </a:r>
+            <a:endParaRPr lang="en-US" sz="1400">
+              <a:solidFill>
+                <a:schemeClr val="tx1"/>
+              </a:solidFill>
+            </a:endParaRPr>
+          </a:p>
+          <a:p>
+            <a:pPr marL="114300" indent="0">
+              <a:buNone/>
+            </a:pPr>
+            <a:r>
+              <a:rPr lang="en-US" sz="1400">
+                <a:solidFill>
+                  <a:schemeClr val="tx1"/>
+                </a:solidFill>
+              </a:rPr>
               <a:t>import numpy as np</a:t>
             </a:r>
-            <a:endParaRPr lang="en-US"/>
+            <a:endParaRPr lang="en-US" sz="1400">
+              <a:solidFill>
+                <a:schemeClr val="tx1"/>
+              </a:solidFill>
+            </a:endParaRPr>
           </a:p>
           <a:p>
             <a:pPr marL="114300" indent="0">
               <a:buNone/>
             </a:pPr>
-            <a:endParaRPr lang="en-US"/>
+            <a:endParaRPr lang="en-US" sz="1400">
+              <a:solidFill>
+                <a:schemeClr val="tx1"/>
+              </a:solidFill>
+            </a:endParaRPr>
           </a:p>
           <a:p>
             <a:pPr marL="114300" indent="0">
               <a:buNone/>
             </a:pPr>
             <a:r>
-              <a:rPr lang="en-US"/>
+              <a:rPr lang="en-US" sz="1400">
+                <a:solidFill>
+                  <a:schemeClr val="tx1"/>
+                </a:solidFill>
+              </a:rPr>
               <a:t># Coefficient matrix A</a:t>
             </a:r>
-            <a:endParaRPr lang="en-US"/>
+            <a:endParaRPr lang="en-US" sz="1400">
+              <a:solidFill>
+                <a:schemeClr val="tx1"/>
+              </a:solidFill>
+            </a:endParaRPr>
           </a:p>
           <a:p>
             <a:pPr marL="114300" indent="0">
               <a:buNone/>
             </a:pPr>
             <a:r>
-              <a:rPr lang="en-US"/>
+              <a:rPr lang="en-US" sz="1400">
+                <a:solidFill>
+                  <a:schemeClr val="tx1"/>
+                </a:solidFill>
+              </a:rPr>
               <a:t>A = np.array([[2, 3, 1],</a:t>
             </a:r>
-            <a:endParaRPr lang="en-US"/>
+            <a:endParaRPr lang="en-US" sz="1400">
+              <a:solidFill>
+                <a:schemeClr val="tx1"/>
+              </a:solidFill>
+            </a:endParaRPr>
           </a:p>
           <a:p>
             <a:pPr marL="114300" indent="0">
               <a:buNone/>
             </a:pPr>
             <a:r>
-              <a:rPr lang="en-US"/>
+              <a:rPr lang="en-US" sz="1400">
+                <a:solidFill>
+                  <a:schemeClr val="tx1"/>
+                </a:solidFill>
+              </a:rPr>
               <a:t>              [4, 1, 2],</a:t>
             </a:r>
-            <a:endParaRPr lang="en-US"/>
+            <a:endParaRPr lang="en-US" sz="1400">
+              <a:solidFill>
+                <a:schemeClr val="tx1"/>
+              </a:solidFill>
+            </a:endParaRPr>
           </a:p>
           <a:p>
             <a:pPr marL="114300" indent="0">
               <a:buNone/>
             </a:pPr>
             <a:r>
-              <a:rPr lang="en-US"/>
+              <a:rPr lang="en-US" sz="1400">
+                <a:solidFill>
+                  <a:schemeClr val="tx1"/>
+                </a:solidFill>
+              </a:rPr>
               <a:t>              [3, 2, 3]])</a:t>
             </a:r>
-            <a:endParaRPr lang="en-US"/>
+            <a:endParaRPr lang="en-US" sz="1400">
+              <a:solidFill>
+                <a:schemeClr val="tx1"/>
+              </a:solidFill>
+            </a:endParaRPr>
           </a:p>
           <a:p>
             <a:pPr marL="114300" indent="0">
               <a:buNone/>
             </a:pPr>
-            <a:endParaRPr lang="en-US"/>
+            <a:endParaRPr lang="en-US" sz="1400">
+              <a:solidFill>
+                <a:schemeClr val="tx1"/>
+              </a:solidFill>
+            </a:endParaRPr>
           </a:p>
           <a:p>
             <a:pPr marL="114300" indent="0">
               <a:buNone/>
             </a:pPr>
             <a:r>
-              <a:rPr lang="en-US"/>
+              <a:rPr lang="en-US" sz="1400">
+                <a:solidFill>
+                  <a:schemeClr val="tx1"/>
+                </a:solidFill>
+              </a:rPr>
               <a:t># Right-hand side vector b</a:t>
             </a:r>
-            <a:endParaRPr lang="en-US"/>
+            <a:endParaRPr lang="en-US" sz="1400">
+              <a:solidFill>
+                <a:schemeClr val="tx1"/>
+              </a:solidFill>
+            </a:endParaRPr>
           </a:p>
           <a:p>
             <a:pPr marL="114300" indent="0">
               <a:buNone/>
             </a:pPr>
             <a:r>
-              <a:rPr lang="en-US"/>
+              <a:rPr lang="en-US" sz="1400">
+                <a:solidFill>
+                  <a:schemeClr val="tx1"/>
+                </a:solidFill>
+              </a:rPr>
               <a:t>b = np.array([1, 2, 3])</a:t>
             </a:r>
-            <a:endParaRPr lang="en-US"/>
+            <a:endParaRPr lang="en-US" sz="1400">
+              <a:solidFill>
+                <a:schemeClr val="tx1"/>
+              </a:solidFill>
+            </a:endParaRPr>
           </a:p>
           <a:p>
             <a:pPr marL="114300" indent="0">
               <a:buNone/>
             </a:pPr>
-            <a:endParaRPr lang="en-US"/>
+            <a:endParaRPr lang="en-US" sz="1400">
+              <a:solidFill>
+                <a:schemeClr val="tx1"/>
+              </a:solidFill>
+            </a:endParaRPr>
           </a:p>
           <a:p>
             <a:pPr marL="114300" indent="0">
               <a:buNone/>
             </a:pPr>
             <a:r>
-              <a:rPr lang="en-US"/>
+              <a:rPr lang="en-US" sz="1400">
+                <a:solidFill>
+                  <a:schemeClr val="tx1"/>
+                </a:solidFill>
+              </a:rPr>
               <a:t># Solve the system of equations</a:t>
             </a:r>
-            <a:endParaRPr lang="en-US"/>
+            <a:endParaRPr lang="en-US" sz="1400">
+              <a:solidFill>
+                <a:schemeClr val="tx1"/>
+              </a:solidFill>
+            </a:endParaRPr>
           </a:p>
           <a:p>
             <a:pPr marL="114300" indent="0">
               <a:buNone/>
             </a:pPr>
             <a:r>
-              <a:rPr lang="en-US"/>
+              <a:rPr lang="en-US" sz="1400">
+                <a:solidFill>
+                  <a:schemeClr val="tx1"/>
+                </a:solidFill>
+              </a:rPr>
               <a:t>solution = np.linalg.solve(A, b)</a:t>
             </a:r>
-            <a:endParaRPr lang="en-US"/>
+            <a:endParaRPr lang="en-US" sz="1400">
+              <a:solidFill>
+                <a:schemeClr val="tx1"/>
+              </a:solidFill>
+            </a:endParaRPr>
           </a:p>
           <a:p>
             <a:pPr marL="114300" indent="0">
               <a:buNone/>
             </a:pPr>
-            <a:endParaRPr lang="en-US"/>
-          </a:p>
+            <a:endParaRPr lang="en-US" sz="1400">
+              <a:solidFill>
+                <a:schemeClr val="tx1"/>
+              </a:solidFill>
+            </a:endParaRPr>
+          </a:p>
+        </p:txBody>
+      </p:sp>
+      <p:sp>
+        <p:nvSpPr>
+          <p:cNvPr id="4" name="Text Box 3"/>
+          <p:cNvSpPr txBox="1"/>
+          <p:nvPr/>
+        </p:nvSpPr>
+        <p:spPr>
+          <a:xfrm>
+            <a:off x="4104640" y="492760"/>
+            <a:ext cx="4572000" cy="2245360"/>
+          </a:xfrm>
+          <a:prstGeom prst="rect">
+            <a:avLst/>
+          </a:prstGeom>
+          <a:noFill/>
+        </p:spPr>
+        <p:txBody>
+          <a:bodyPr wrap="square" rtlCol="0" anchor="t">
+            <a:spAutoFit/>
+          </a:bodyPr>
           <a:p>
             <a:pPr marL="114300" indent="0">
               <a:buNone/>
             </a:pPr>
-            <a:r>
-              <a:rPr lang="en-US"/>
+            <a:endParaRPr lang="en-US" sz="1400"/>
+          </a:p>
+          <a:p>
+            <a:pPr marL="114300" indent="0">
+              <a:buNone/>
+            </a:pPr>
+            <a:r>
+              <a:rPr lang="en-US">
+                <a:sym typeface="+mn-ea"/>
+              </a:rPr>
               <a:t># Extract the values of x, y, z</a:t>
             </a:r>
-            <a:endParaRPr lang="en-US"/>
+            <a:endParaRPr lang="en-US" sz="1400"/>
           </a:p>
           <a:p>
             <a:pPr marL="114300" indent="0">
               <a:buNone/>
             </a:pPr>
             <a:r>
-              <a:rPr lang="en-US"/>
+              <a:rPr lang="en-US">
+                <a:sym typeface="+mn-ea"/>
+              </a:rPr>
               <a:t>x, y, z = solution</a:t>
             </a:r>
-            <a:endParaRPr lang="en-US"/>
+            <a:endParaRPr lang="en-US" sz="1400"/>
           </a:p>
           <a:p>
             <a:pPr marL="114300" indent="0">
               <a:buNone/>
             </a:pPr>
-            <a:endParaRPr lang="en-US"/>
+            <a:endParaRPr lang="en-US" sz="1400"/>
           </a:p>
           <a:p>
             <a:pPr marL="114300" indent="0">
               <a:buNone/>
             </a:pPr>
             <a:r>
-              <a:rPr lang="en-US"/>
+              <a:rPr lang="en-US">
+                <a:sym typeface="+mn-ea"/>
+              </a:rPr>
               <a:t>print(f"Solution: x = {x}, y = {y}, z = {z}")</a:t>
             </a:r>
-            <a:endParaRPr lang="en-US"/>
+            <a:endParaRPr lang="en-US" sz="1400"/>
           </a:p>
           <a:p>
             <a:pPr marL="114300" indent="0">
               <a:buNone/>
             </a:pPr>
-            <a:endParaRPr lang="en-US"/>
+            <a:endParaRPr lang="en-US" sz="1400"/>
           </a:p>
           <a:p>
             <a:pPr marL="114300" indent="0">
               <a:buNone/>
             </a:pPr>
             <a:r>
-              <a:rPr lang="en-US"/>
+              <a:rPr lang="en-US">
+                <a:sym typeface="+mn-ea"/>
+              </a:rPr>
               <a:t>2x+3y+z=1</a:t>
             </a:r>
-            <a:endParaRPr lang="en-US"/>
+            <a:endParaRPr lang="en-US" sz="1400"/>
           </a:p>
           <a:p>
             <a:pPr marL="114300" indent="0">
               <a:buNone/>
             </a:pPr>
             <a:r>
-              <a:rPr lang="en-US"/>
+              <a:rPr lang="en-US">
+                <a:sym typeface="+mn-ea"/>
+              </a:rPr>
               <a:t>4x+y+2z=2</a:t>
             </a:r>
-            <a:endParaRPr lang="en-US"/>
+            <a:endParaRPr lang="en-US" sz="1400"/>
           </a:p>
           <a:p>
             <a:pPr marL="114300" indent="0">
               <a:buNone/>
             </a:pPr>
             <a:r>
-              <a:rPr lang="en-US"/>
+              <a:rPr lang="en-US">
+                <a:sym typeface="+mn-ea"/>
+              </a:rPr>
               <a:t>3x+2y+3z=3</a:t>
             </a:r>
-            <a:endParaRPr lang="en-US"/>
+            <a:endParaRPr lang="en-US" sz="1400"/>
           </a:p>
           <a:p>
             <a:pPr marL="114300" indent="0">
               <a:buNone/>
             </a:pPr>
-            <a:endParaRPr lang="en-US"/>
+            <a:endParaRPr lang="en-US" sz="1400"/>
           </a:p>
         </p:txBody>
       </p:sp>
@@ -34500,10 +34735,18 @@
               <a:buNone/>
             </a:pPr>
             <a:r>
-              <a:rPr lang="en-GB"/>
+              <a:rPr lang="en-GB">
+                <a:solidFill>
+                  <a:srgbClr val="C00000"/>
+                </a:solidFill>
+              </a:rPr>
               <a:t>Sorting and Searching</a:t>
             </a:r>
-            <a:endParaRPr lang="en-GB"/>
+            <a:endParaRPr lang="en-GB">
+              <a:solidFill>
+                <a:srgbClr val="C00000"/>
+              </a:solidFill>
+            </a:endParaRPr>
           </a:p>
         </p:txBody>
       </p:sp>
@@ -34602,6 +34845,126 @@
               </a:spcAft>
               <a:buNone/>
             </a:pPr>
+          </a:p>
+        </p:txBody>
+      </p:sp>
+      <p:sp>
+        <p:nvSpPr>
+          <p:cNvPr id="1" name="Text Box 0"/>
+          <p:cNvSpPr txBox="1"/>
+          <p:nvPr/>
+        </p:nvSpPr>
+        <p:spPr>
+          <a:xfrm>
+            <a:off x="247650" y="2736215"/>
+            <a:ext cx="4572000" cy="2306955"/>
+          </a:xfrm>
+          <a:prstGeom prst="rect">
+            <a:avLst/>
+          </a:prstGeom>
+          <a:noFill/>
+        </p:spPr>
+        <p:txBody>
+          <a:bodyPr wrap="square" rtlCol="0" anchor="t">
+            <a:spAutoFit/>
+          </a:bodyPr>
+          <a:p>
+            <a:pPr marL="114300" indent="0">
+              <a:buNone/>
+            </a:pPr>
+            <a:r>
+              <a:rPr lang="en-US" sz="1600">
+                <a:sym typeface="+mn-ea"/>
+              </a:rPr>
+              <a:t>import numpy as np</a:t>
+            </a:r>
+            <a:endParaRPr lang="en-US" sz="1600"/>
+          </a:p>
+          <a:p>
+            <a:pPr marL="114300" indent="0">
+              <a:buNone/>
+            </a:pPr>
+            <a:endParaRPr lang="en-US" sz="1600"/>
+          </a:p>
+          <a:p>
+            <a:pPr marL="114300" indent="0">
+              <a:buNone/>
+            </a:pPr>
+            <a:r>
+              <a:rPr lang="en-US" sz="1600">
+                <a:sym typeface="+mn-ea"/>
+              </a:rPr>
+              <a:t># Create an array</a:t>
+            </a:r>
+            <a:endParaRPr lang="en-US" sz="1600"/>
+          </a:p>
+          <a:p>
+            <a:pPr marL="114300" indent="0">
+              <a:buNone/>
+            </a:pPr>
+            <a:r>
+              <a:rPr lang="en-US" sz="1600">
+                <a:sym typeface="+mn-ea"/>
+              </a:rPr>
+              <a:t>arr = np.array([50, 10, 40, 20, 30])</a:t>
+            </a:r>
+            <a:endParaRPr lang="en-US" sz="1600"/>
+          </a:p>
+          <a:p>
+            <a:pPr marL="114300" indent="0">
+              <a:buNone/>
+            </a:pPr>
+            <a:endParaRPr lang="en-US" sz="1600"/>
+          </a:p>
+          <a:p>
+            <a:pPr marL="114300" indent="0">
+              <a:buNone/>
+            </a:pPr>
+            <a:r>
+              <a:rPr lang="en-US" sz="1600">
+                <a:sym typeface="+mn-ea"/>
+              </a:rPr>
+              <a:t># 1. np.sort(): Sort an array in ascending order</a:t>
+            </a:r>
+            <a:endParaRPr lang="en-US" sz="1600"/>
+          </a:p>
+          <a:p>
+            <a:pPr marL="114300" indent="0">
+              <a:buNone/>
+            </a:pPr>
+            <a:r>
+              <a:rPr lang="en-US" sz="1600">
+                <a:sym typeface="+mn-ea"/>
+              </a:rPr>
+              <a:t>sorted_arr = np.sort(arr)</a:t>
+            </a:r>
+            <a:endParaRPr lang="en-US" sz="1600"/>
+          </a:p>
+          <a:p>
+            <a:pPr marL="114300" indent="0">
+              <a:buNone/>
+            </a:pPr>
+            <a:r>
+              <a:rPr lang="en-US" sz="1600">
+                <a:sym typeface="+mn-ea"/>
+              </a:rPr>
+              <a:t>print("Sorted array:", sorted_arr)</a:t>
+            </a:r>
+            <a:endParaRPr lang="en-US" sz="1600"/>
+          </a:p>
+          <a:p>
+            <a:pPr marL="114300" indent="0">
+              <a:buNone/>
+            </a:pPr>
+            <a:r>
+              <a:rPr lang="en-US" sz="1600">
+                <a:sym typeface="+mn-ea"/>
+              </a:rPr>
+              <a:t># Output: [10 20 30 40 50]</a:t>
+            </a:r>
+            <a:endParaRPr lang="en-US" sz="1600">
+              <a:sym typeface="+mn-ea"/>
+            </a:endParaRPr>
           </a:p>
         </p:txBody>
       </p:sp>
@@ -34631,214 +34994,161 @@
             <p:ph type="body" idx="1"/>
           </p:nvPr>
         </p:nvSpPr>
-        <p:spPr/>
+        <p:spPr>
+          <a:xfrm>
+            <a:off x="241300" y="195580"/>
+            <a:ext cx="8520430" cy="4811395"/>
+          </a:xfrm>
+        </p:spPr>
         <p:txBody>
           <a:bodyPr>
-            <a:normAutofit fontScale="40000"/>
+            <a:noAutofit/>
           </a:bodyPr>
           <a:p>
             <a:pPr marL="114300" indent="0">
               <a:buNone/>
             </a:pPr>
-            <a:r>
-              <a:rPr lang="en-US"/>
-              <a:t>import numpy as np</a:t>
-            </a:r>
-            <a:endParaRPr lang="en-US"/>
+            <a:endParaRPr lang="en-US" sz="1600"/>
           </a:p>
           <a:p>
             <a:pPr marL="114300" indent="0">
               <a:buNone/>
             </a:pPr>
-            <a:endParaRPr lang="en-US"/>
+            <a:r>
+              <a:rPr lang="en-US" sz="1600">
+                <a:solidFill>
+                  <a:srgbClr val="C00000"/>
+                </a:solidFill>
+              </a:rPr>
+              <a:t># 2. np.argsort(): Return the indices that would sort an array</a:t>
+            </a:r>
+            <a:endParaRPr lang="en-US" sz="1600">
+              <a:solidFill>
+                <a:srgbClr val="C00000"/>
+              </a:solidFill>
+            </a:endParaRPr>
           </a:p>
           <a:p>
             <a:pPr marL="114300" indent="0">
               <a:buNone/>
             </a:pPr>
             <a:r>
-              <a:rPr lang="en-US"/>
-              <a:t># Create an array</a:t>
-            </a:r>
-            <a:endParaRPr lang="en-US"/>
+              <a:rPr lang="en-US" sz="1600"/>
+              <a:t>sorted_indices = np.argsort(arr)</a:t>
+            </a:r>
+            <a:endParaRPr lang="en-US" sz="1600"/>
           </a:p>
           <a:p>
             <a:pPr marL="114300" indent="0">
               <a:buNone/>
             </a:pPr>
             <a:r>
-              <a:rPr lang="en-US"/>
-              <a:t>arr = np.array([50, 10, 40, 20, 30])</a:t>
-            </a:r>
-            <a:endParaRPr lang="en-US"/>
+              <a:rPr lang="en-US" sz="1600"/>
+              <a:t>print("Indices that would sort the array:", sorted_indices)</a:t>
+            </a:r>
+            <a:endParaRPr lang="en-US" sz="1600"/>
           </a:p>
           <a:p>
             <a:pPr marL="114300" indent="0">
               <a:buNone/>
             </a:pPr>
-            <a:endParaRPr lang="en-US"/>
+            <a:r>
+              <a:rPr lang="en-US" sz="1600"/>
+              <a:t># Output: [1 3 4 2 0]</a:t>
+            </a:r>
+            <a:endParaRPr lang="en-US" sz="1600"/>
           </a:p>
           <a:p>
             <a:pPr marL="114300" indent="0">
               <a:buNone/>
             </a:pPr>
             <a:r>
-              <a:rPr lang="en-US"/>
-              <a:t># 1. np.sort(): Sort an array in ascending order</a:t>
-            </a:r>
-            <a:endParaRPr lang="en-US"/>
+              <a:rPr lang="en-US" sz="1600"/>
+              <a:t># Explanation: The element at index 1 (value 10) is the smallest, so it's placed first.</a:t>
+            </a:r>
+            <a:endParaRPr lang="en-US" sz="1600"/>
           </a:p>
           <a:p>
             <a:pPr marL="114300" indent="0">
               <a:buNone/>
             </a:pPr>
-            <a:r>
-              <a:rPr lang="en-US"/>
-              <a:t>sorted_arr = np.sort(arr)</a:t>
-            </a:r>
-            <a:endParaRPr lang="en-US"/>
+            <a:endParaRPr lang="en-US" sz="1600"/>
           </a:p>
           <a:p>
             <a:pPr marL="114300" indent="0">
               <a:buNone/>
             </a:pPr>
             <a:r>
-              <a:rPr lang="en-US"/>
-              <a:t>print("Sorted array:", sorted_arr)</a:t>
-            </a:r>
-            <a:endParaRPr lang="en-US"/>
+              <a:rPr lang="en-US" sz="1600">
+                <a:solidFill>
+                  <a:srgbClr val="C00000"/>
+                </a:solidFill>
+              </a:rPr>
+              <a:t># 3. np.searchsorted(): Find indices where elements should be inserted to maintain order</a:t>
+            </a:r>
+            <a:endParaRPr lang="en-US" sz="1600">
+              <a:solidFill>
+                <a:srgbClr val="C00000"/>
+              </a:solidFill>
+            </a:endParaRPr>
           </a:p>
           <a:p>
             <a:pPr marL="114300" indent="0">
               <a:buNone/>
             </a:pPr>
             <a:r>
-              <a:rPr lang="en-US"/>
-              <a:t># Output: [10 20 30 40 50]</a:t>
-            </a:r>
-            <a:endParaRPr lang="en-US"/>
+              <a:rPr lang="en-US" sz="1600">
+                <a:solidFill>
+                  <a:srgbClr val="C00000"/>
+                </a:solidFill>
+              </a:rPr>
+              <a:t># Searching for positions to insert 25 and 35 to maintain the sorted order</a:t>
+            </a:r>
+            <a:endParaRPr lang="en-US" sz="1600">
+              <a:solidFill>
+                <a:srgbClr val="C00000"/>
+              </a:solidFill>
+            </a:endParaRPr>
           </a:p>
           <a:p>
             <a:pPr marL="114300" indent="0">
               <a:buNone/>
             </a:pPr>
-            <a:endParaRPr lang="en-US"/>
+            <a:r>
+              <a:rPr lang="en-US" sz="1600"/>
+              <a:t>insert_positions = np.searchsorted(sorted_arr, [25, 35])</a:t>
+            </a:r>
+            <a:endParaRPr lang="en-US" sz="1600"/>
           </a:p>
           <a:p>
             <a:pPr marL="114300" indent="0">
               <a:buNone/>
             </a:pPr>
             <a:r>
-              <a:rPr lang="en-US"/>
-              <a:t># 2. np.argsort(): Return the indices that would sort an array</a:t>
-            </a:r>
-            <a:endParaRPr lang="en-US"/>
+              <a:rPr lang="en-US" sz="1600"/>
+              <a:t>print("Insert positions for 25 and 35:", insert_positions)</a:t>
+            </a:r>
+            <a:endParaRPr lang="en-US" sz="1600"/>
           </a:p>
           <a:p>
             <a:pPr marL="114300" indent="0">
               <a:buNone/>
             </a:pPr>
             <a:r>
-              <a:rPr lang="en-US"/>
-              <a:t>sorted_indices = np.argsort(arr)</a:t>
-            </a:r>
-            <a:endParaRPr lang="en-US"/>
+              <a:rPr lang="en-US" sz="1600"/>
+              <a:t># Output: [2 3]</a:t>
+            </a:r>
+            <a:endParaRPr lang="en-US" sz="1600"/>
           </a:p>
           <a:p>
             <a:pPr marL="114300" indent="0">
               <a:buNone/>
             </a:pPr>
             <a:r>
-              <a:rPr lang="en-US"/>
-              <a:t>print("Indices that would sort the array:", sorted_indices)</a:t>
-            </a:r>
-            <a:endParaRPr lang="en-US"/>
-          </a:p>
-          <a:p>
-            <a:pPr marL="114300" indent="0">
-              <a:buNone/>
-            </a:pPr>
-            <a:r>
-              <a:rPr lang="en-US"/>
-              <a:t># Output: [1 3 4 2 0]</a:t>
-            </a:r>
-            <a:endParaRPr lang="en-US"/>
-          </a:p>
-          <a:p>
-            <a:pPr marL="114300" indent="0">
-              <a:buNone/>
-            </a:pPr>
-            <a:r>
-              <a:rPr lang="en-US"/>
-              <a:t># Explanation: The element at index 1 (value 10) is the smallest, so it's placed first.</a:t>
-            </a:r>
-            <a:endParaRPr lang="en-US"/>
-          </a:p>
-          <a:p>
-            <a:pPr marL="114300" indent="0">
-              <a:buNone/>
-            </a:pPr>
-            <a:endParaRPr lang="en-US"/>
-          </a:p>
-          <a:p>
-            <a:pPr marL="114300" indent="0">
-              <a:buNone/>
-            </a:pPr>
-            <a:r>
-              <a:rPr lang="en-US"/>
-              <a:t># 3. np.searchsorted(): Find indices where elements should be inserted to maintain order</a:t>
-            </a:r>
-            <a:endParaRPr lang="en-US"/>
-          </a:p>
-          <a:p>
-            <a:pPr marL="114300" indent="0">
-              <a:buNone/>
-            </a:pPr>
-            <a:r>
-              <a:rPr lang="en-US"/>
-              <a:t># Searching for positions to insert 25 and 35 to maintain the sorted order</a:t>
-            </a:r>
-            <a:endParaRPr lang="en-US"/>
-          </a:p>
-          <a:p>
-            <a:pPr marL="114300" indent="0">
-              <a:buNone/>
-            </a:pPr>
-            <a:r>
-              <a:rPr lang="en-US"/>
-              <a:t>insert_positions = np.searchsorted(sorted_arr, [25, 35])</a:t>
-            </a:r>
-            <a:endParaRPr lang="en-US"/>
-          </a:p>
-          <a:p>
-            <a:pPr marL="114300" indent="0">
-              <a:buNone/>
-            </a:pPr>
-            <a:r>
-              <a:rPr lang="en-US"/>
-              <a:t>print("Insert positions for 25 and 35:", insert_positions)</a:t>
-            </a:r>
-            <a:endParaRPr lang="en-US"/>
-          </a:p>
-          <a:p>
-            <a:pPr marL="114300" indent="0">
-              <a:buNone/>
-            </a:pPr>
-            <a:r>
-              <a:rPr lang="en-US"/>
-              <a:t># Output: [2 3]</a:t>
-            </a:r>
-            <a:endParaRPr lang="en-US"/>
-          </a:p>
-          <a:p>
-            <a:pPr marL="114300" indent="0">
-              <a:buNone/>
-            </a:pPr>
-            <a:r>
-              <a:rPr lang="en-US"/>
+              <a:rPr lang="en-US" sz="1600"/>
               <a:t># Explanation: 25 should be inserted at index 2 and 35 at index 3 to maintain order.</a:t>
             </a:r>
-            <a:endParaRPr lang="en-US"/>
+            <a:endParaRPr lang="en-US" sz="1600"/>
           </a:p>
         </p:txBody>
       </p:sp>
@@ -34917,7 +35227,7 @@
         </p:nvSpPr>
         <p:spPr>
           <a:xfrm>
-            <a:off x="311700" y="1152475"/>
+            <a:off x="382185" y="863550"/>
             <a:ext cx="8520600" cy="3416400"/>
           </a:xfrm>
           <a:prstGeom prst="rect">
@@ -35002,6 +35312,216 @@
               </a:spcAft>
               <a:buNone/>
             </a:pPr>
+          </a:p>
+        </p:txBody>
+      </p:sp>
+      <p:sp>
+        <p:nvSpPr>
+          <p:cNvPr id="1" name="Text Box 0"/>
+          <p:cNvSpPr txBox="1"/>
+          <p:nvPr/>
+        </p:nvSpPr>
+        <p:spPr>
+          <a:xfrm>
+            <a:off x="678180" y="2388870"/>
+            <a:ext cx="5897245" cy="2707005"/>
+          </a:xfrm>
+          <a:prstGeom prst="rect">
+            <a:avLst/>
+          </a:prstGeom>
+          <a:noFill/>
+        </p:spPr>
+        <p:txBody>
+          <a:bodyPr wrap="square" rtlCol="0" anchor="t">
+            <a:spAutoFit/>
+          </a:bodyPr>
+          <a:p>
+            <a:pPr marL="114300" indent="0">
+              <a:buNone/>
+            </a:pPr>
+            <a:r>
+              <a:rPr lang="en-US" sz="1000">
+                <a:sym typeface="+mn-ea"/>
+              </a:rPr>
+              <a:t>import numpy as np</a:t>
+            </a:r>
+            <a:endParaRPr lang="en-US" sz="1000"/>
+          </a:p>
+          <a:p>
+            <a:pPr marL="114300" indent="0">
+              <a:buNone/>
+            </a:pPr>
+            <a:endParaRPr lang="en-US" sz="1000"/>
+          </a:p>
+          <a:p>
+            <a:pPr marL="114300" indent="0">
+              <a:buNone/>
+            </a:pPr>
+            <a:r>
+              <a:rPr lang="en-US" sz="1000">
+                <a:sym typeface="+mn-ea"/>
+              </a:rPr>
+              <a:t># Create two arrays</a:t>
+            </a:r>
+            <a:endParaRPr lang="en-US" sz="1000"/>
+          </a:p>
+          <a:p>
+            <a:pPr marL="114300" indent="0">
+              <a:buNone/>
+            </a:pPr>
+            <a:r>
+              <a:rPr lang="en-US" sz="1000">
+                <a:sym typeface="+mn-ea"/>
+              </a:rPr>
+              <a:t>arr1 = np.array([1, 2, 3, 4, 5])</a:t>
+            </a:r>
+            <a:endParaRPr lang="en-US" sz="1000"/>
+          </a:p>
+          <a:p>
+            <a:pPr marL="114300" indent="0">
+              <a:buNone/>
+            </a:pPr>
+            <a:r>
+              <a:rPr lang="en-US" sz="1000">
+                <a:sym typeface="+mn-ea"/>
+              </a:rPr>
+              <a:t>arr2 = np.array([1, 3, 2, 4, 5])</a:t>
+            </a:r>
+            <a:endParaRPr lang="en-US" sz="1000"/>
+          </a:p>
+          <a:p>
+            <a:pPr marL="114300" indent="0">
+              <a:buNone/>
+            </a:pPr>
+            <a:endParaRPr lang="en-US" sz="1000"/>
+          </a:p>
+          <a:p>
+            <a:pPr marL="114300" indent="0">
+              <a:buNone/>
+            </a:pPr>
+            <a:r>
+              <a:rPr lang="en-US" sz="1000">
+                <a:sym typeface="+mn-ea"/>
+              </a:rPr>
+              <a:t># 1. np.equal(): Compare if two arrays have the same elements</a:t>
+            </a:r>
+            <a:endParaRPr lang="en-US" sz="1000"/>
+          </a:p>
+          <a:p>
+            <a:pPr marL="114300" indent="0">
+              <a:buNone/>
+            </a:pPr>
+            <a:r>
+              <a:rPr lang="en-US" sz="1000">
+                <a:sym typeface="+mn-ea"/>
+              </a:rPr>
+              <a:t>equal_result = np.equal(arr1, arr2)</a:t>
+            </a:r>
+            <a:endParaRPr lang="en-US" sz="1000"/>
+          </a:p>
+          <a:p>
+            <a:pPr marL="114300" indent="0">
+              <a:buNone/>
+            </a:pPr>
+            <a:r>
+              <a:rPr lang="en-US" sz="1000">
+                <a:sym typeface="+mn-ea"/>
+              </a:rPr>
+              <a:t>print("Equal comparison:", equal_result)</a:t>
+            </a:r>
+            <a:endParaRPr lang="en-US" sz="1000"/>
+          </a:p>
+          <a:p>
+            <a:pPr marL="114300" indent="0">
+              <a:buNone/>
+            </a:pPr>
+            <a:r>
+              <a:rPr lang="en-US" sz="1000">
+                <a:sym typeface="+mn-ea"/>
+              </a:rPr>
+              <a:t># Output: [ True False False  True  True ]</a:t>
+            </a:r>
+            <a:endParaRPr lang="en-US" sz="1000"/>
+          </a:p>
+          <a:p>
+            <a:pPr marL="114300" indent="0">
+              <a:buNone/>
+            </a:pPr>
+            <a:r>
+              <a:rPr lang="en-US" sz="1000">
+                <a:sym typeface="+mn-ea"/>
+              </a:rPr>
+              <a:t># Explanation: Elements at positions 0, 3, and 4 are equal between the two arrays.</a:t>
+            </a:r>
+            <a:endParaRPr lang="en-US" sz="1000"/>
+          </a:p>
+          <a:p>
+            <a:pPr marL="114300" indent="0">
+              <a:buNone/>
+            </a:pPr>
+            <a:endParaRPr lang="en-US" sz="1000"/>
+          </a:p>
+          <a:p>
+            <a:pPr marL="114300" indent="0">
+              <a:buNone/>
+            </a:pPr>
+            <a:r>
+              <a:rPr lang="en-US" sz="1000">
+                <a:sym typeface="+mn-ea"/>
+              </a:rPr>
+              <a:t># 2. np.not_equal(): Compare if two arrays have different elements</a:t>
+            </a:r>
+            <a:endParaRPr lang="en-US" sz="1000"/>
+          </a:p>
+          <a:p>
+            <a:pPr marL="114300" indent="0">
+              <a:buNone/>
+            </a:pPr>
+            <a:r>
+              <a:rPr lang="en-US" sz="1000">
+                <a:sym typeface="+mn-ea"/>
+              </a:rPr>
+              <a:t>not_equal_result = np.not_equal(arr1, arr2)</a:t>
+            </a:r>
+            <a:endParaRPr lang="en-US" sz="1000"/>
+          </a:p>
+          <a:p>
+            <a:pPr marL="114300" indent="0">
+              <a:buNone/>
+            </a:pPr>
+            <a:r>
+              <a:rPr lang="en-US" sz="1000">
+                <a:sym typeface="+mn-ea"/>
+              </a:rPr>
+              <a:t>print("Not equal comparison:", not_equal_result)</a:t>
+            </a:r>
+            <a:endParaRPr lang="en-US" sz="1000"/>
+          </a:p>
+          <a:p>
+            <a:pPr marL="114300" indent="0">
+              <a:buNone/>
+            </a:pPr>
+            <a:r>
+              <a:rPr lang="en-US" sz="1000">
+                <a:sym typeface="+mn-ea"/>
+              </a:rPr>
+              <a:t># Output: [False  True  True False False]</a:t>
+            </a:r>
+            <a:endParaRPr lang="en-US" sz="1000"/>
+          </a:p>
+          <a:p>
+            <a:pPr marL="114300" indent="0">
+              <a:buNone/>
+            </a:pPr>
+            <a:r>
+              <a:rPr lang="en-US" sz="1000">
+                <a:sym typeface="+mn-ea"/>
+              </a:rPr>
+              <a:t># Explanation: Elements at positions 1 and 2 are not equal between the two arrays.</a:t>
+            </a:r>
+            <a:endParaRPr lang="en-US" sz="1000">
+              <a:sym typeface="+mn-ea"/>
+            </a:endParaRPr>
           </a:p>
         </p:txBody>
       </p:sp>
@@ -35025,22 +35545,6 @@
       <p:grpSpPr/>
       <p:sp>
         <p:nvSpPr>
-          <p:cNvPr id="2" name="Title 1"/>
-          <p:cNvSpPr/>
-          <p:nvPr>
-            <p:ph type="title"/>
-          </p:nvPr>
-        </p:nvSpPr>
-        <p:spPr/>
-        <p:txBody>
-          <a:bodyPr/>
-          <a:p>
-            <a:endParaRPr lang="en-US"/>
-          </a:p>
-        </p:txBody>
-      </p:sp>
-      <p:sp>
-        <p:nvSpPr>
           <p:cNvPr id="3" name="Text Placeholder 2"/>
           <p:cNvSpPr/>
           <p:nvPr>
@@ -35049,339 +35553,181 @@
         </p:nvSpPr>
         <p:spPr>
           <a:xfrm>
-            <a:off x="311785" y="1152525"/>
+            <a:off x="241300" y="203835"/>
             <a:ext cx="8520430" cy="3819525"/>
           </a:xfrm>
         </p:spPr>
         <p:txBody>
           <a:bodyPr>
-            <a:normAutofit fontScale="25000"/>
+            <a:noAutofit/>
           </a:bodyPr>
           <a:p>
             <a:pPr marL="114300" indent="0">
               <a:buNone/>
             </a:pPr>
-            <a:r>
-              <a:rPr lang="en-US" sz="2400"/>
-              <a:t>import numpy as np</a:t>
-            </a:r>
-            <a:endParaRPr lang="en-US" sz="2400"/>
+            <a:endParaRPr lang="en-US" sz="1400"/>
           </a:p>
           <a:p>
             <a:pPr marL="114300" indent="0">
               <a:buNone/>
             </a:pPr>
-            <a:endParaRPr lang="en-US" sz="2400"/>
+            <a:r>
+              <a:rPr lang="en-US" sz="1400"/>
+              <a:t># 3. np.logical_and(): Perform element-wise logical AND operation</a:t>
+            </a:r>
+            <a:endParaRPr lang="en-US" sz="1400"/>
           </a:p>
           <a:p>
             <a:pPr marL="114300" indent="0">
               <a:buNone/>
             </a:pPr>
             <a:r>
-              <a:rPr lang="en-US" sz="2400"/>
-              <a:t># Create two arrays</a:t>
-            </a:r>
-            <a:endParaRPr lang="en-US" sz="2400"/>
+              <a:rPr lang="en-US" sz="1400"/>
+              <a:t>logical_and_result = np.logical_and(arr1 &gt; 2, arr2 &gt; 2)</a:t>
+            </a:r>
+            <a:endParaRPr lang="en-US" sz="1400"/>
           </a:p>
           <a:p>
             <a:pPr marL="114300" indent="0">
               <a:buNone/>
             </a:pPr>
             <a:r>
-              <a:rPr lang="en-US" sz="2400"/>
-              <a:t>arr1 = np.array([1, 2, 3, 4, 5])</a:t>
-            </a:r>
-            <a:endParaRPr lang="en-US" sz="2400"/>
+              <a:rPr lang="en-US" sz="1400"/>
+              <a:t>print("Logical AND result:", logical_and_result)</a:t>
+            </a:r>
+            <a:endParaRPr lang="en-US" sz="1400"/>
           </a:p>
           <a:p>
             <a:pPr marL="114300" indent="0">
               <a:buNone/>
             </a:pPr>
             <a:r>
-              <a:rPr lang="en-US" sz="2400"/>
-              <a:t>arr2 = np.array([1, 3, 2, 4, 5])</a:t>
-            </a:r>
-            <a:endParaRPr lang="en-US" sz="2400"/>
+              <a:rPr lang="en-US" sz="1400"/>
+              <a:t># Output: [False False  True  True  True]</a:t>
+            </a:r>
+            <a:endParaRPr lang="en-US" sz="1400"/>
           </a:p>
           <a:p>
             <a:pPr marL="114300" indent="0">
               <a:buNone/>
             </a:pPr>
-            <a:endParaRPr lang="en-US" sz="2400"/>
+            <a:r>
+              <a:rPr lang="en-US" sz="1400"/>
+              <a:t># Explanation: Both arr1 and arr2 must have elements greater than 2 for the result to be True.</a:t>
+            </a:r>
+            <a:endParaRPr lang="en-US" sz="1400"/>
           </a:p>
           <a:p>
             <a:pPr marL="114300" indent="0">
               <a:buNone/>
             </a:pPr>
-            <a:r>
-              <a:rPr lang="en-US" sz="2400"/>
-              <a:t># 1. np.equal(): Compare if two arrays have the same elements</a:t>
-            </a:r>
-            <a:endParaRPr lang="en-US" sz="2400"/>
+            <a:endParaRPr lang="en-US" sz="1400"/>
           </a:p>
           <a:p>
             <a:pPr marL="114300" indent="0">
               <a:buNone/>
             </a:pPr>
             <a:r>
-              <a:rPr lang="en-US" sz="2400"/>
-              <a:t>equal_result = np.equal(arr1, arr2)</a:t>
-            </a:r>
-            <a:endParaRPr lang="en-US" sz="2400"/>
+              <a:rPr lang="en-US" sz="1400"/>
+              <a:t># 4. np.logical_or(): Perform element-wise logical OR operation</a:t>
+            </a:r>
+            <a:endParaRPr lang="en-US" sz="1400"/>
           </a:p>
           <a:p>
             <a:pPr marL="114300" indent="0">
               <a:buNone/>
             </a:pPr>
             <a:r>
-              <a:rPr lang="en-US" sz="2400"/>
-              <a:t>print("Equal comparison:", equal_result)</a:t>
-            </a:r>
-            <a:endParaRPr lang="en-US" sz="2400"/>
+              <a:rPr lang="en-US" sz="1400"/>
+              <a:t>logical_or_result = np.logical_or(arr1 &gt; 2, arr2 &gt; 2)</a:t>
+            </a:r>
+            <a:endParaRPr lang="en-US" sz="1400"/>
           </a:p>
           <a:p>
             <a:pPr marL="114300" indent="0">
               <a:buNone/>
             </a:pPr>
             <a:r>
-              <a:rPr lang="en-US" sz="2400"/>
-              <a:t># Output: [ True False False  True  True ]</a:t>
-            </a:r>
-            <a:endParaRPr lang="en-US" sz="2400"/>
+              <a:rPr lang="en-US" sz="1400"/>
+              <a:t>print("Logical OR result:", logical_or_result)</a:t>
+            </a:r>
+            <a:endParaRPr lang="en-US" sz="1400"/>
           </a:p>
           <a:p>
             <a:pPr marL="114300" indent="0">
               <a:buNone/>
             </a:pPr>
             <a:r>
-              <a:rPr lang="en-US" sz="2400"/>
-              <a:t># Explanation: Elements at positions 0, 3, and 4 are equal between the two arrays.</a:t>
-            </a:r>
-            <a:endParaRPr lang="en-US" sz="2400"/>
+              <a:rPr lang="en-US" sz="1400"/>
+              <a:t># Output: [False  True  True  True  True]</a:t>
+            </a:r>
+            <a:endParaRPr lang="en-US" sz="1400"/>
           </a:p>
           <a:p>
             <a:pPr marL="114300" indent="0">
               <a:buNone/>
             </a:pPr>
-            <a:endParaRPr lang="en-US" sz="2400"/>
+            <a:r>
+              <a:rPr lang="en-US" sz="1400"/>
+              <a:t># Explanation: If either arr1 or arr2 have elements greater than 2, the result is True.</a:t>
+            </a:r>
+            <a:endParaRPr lang="en-US" sz="1400"/>
           </a:p>
           <a:p>
             <a:pPr marL="114300" indent="0">
               <a:buNone/>
             </a:pPr>
-            <a:r>
-              <a:rPr lang="en-US" sz="2400"/>
-              <a:t># 2. np.not_equal(): Compare if two arrays have different elements</a:t>
-            </a:r>
-            <a:endParaRPr lang="en-US" sz="2400"/>
+            <a:endParaRPr lang="en-US" sz="1400"/>
           </a:p>
           <a:p>
             <a:pPr marL="114300" indent="0">
               <a:buNone/>
             </a:pPr>
             <a:r>
-              <a:rPr lang="en-US" sz="2400"/>
-              <a:t>not_equal_result = np.not_equal(arr1, arr2)</a:t>
-            </a:r>
-            <a:endParaRPr lang="en-US" sz="2400"/>
+              <a:rPr lang="en-US" sz="1400"/>
+              <a:t># 5. np.logical_not(): Perform element-wise logical NOT operation</a:t>
+            </a:r>
+            <a:endParaRPr lang="en-US" sz="1400"/>
           </a:p>
           <a:p>
             <a:pPr marL="114300" indent="0">
               <a:buNone/>
             </a:pPr>
             <a:r>
-              <a:rPr lang="en-US" sz="2400"/>
-              <a:t>print("Not equal comparison:", not_equal_result)</a:t>
-            </a:r>
-            <a:endParaRPr lang="en-US" sz="2400"/>
+              <a:rPr lang="en-US" sz="1400"/>
+              <a:t>logical_not_result = np.logical_not(arr1 &gt; 3)</a:t>
+            </a:r>
+            <a:endParaRPr lang="en-US" sz="1400"/>
           </a:p>
           <a:p>
             <a:pPr marL="114300" indent="0">
               <a:buNone/>
             </a:pPr>
             <a:r>
-              <a:rPr lang="en-US" sz="2400"/>
-              <a:t># Output: [False  True  True False False]</a:t>
-            </a:r>
-            <a:endParaRPr lang="en-US" sz="2400"/>
+              <a:rPr lang="en-US" sz="1400"/>
+              <a:t>print("Logical NOT result:", logical_not_result)</a:t>
+            </a:r>
+            <a:endParaRPr lang="en-US" sz="1400"/>
           </a:p>
           <a:p>
             <a:pPr marL="114300" indent="0">
               <a:buNone/>
             </a:pPr>
             <a:r>
-              <a:rPr lang="en-US" sz="2400"/>
-              <a:t># Explanation: Elements at positions 1 and 2 are not equal between the two arrays.</a:t>
-            </a:r>
-            <a:endParaRPr lang="en-US" sz="2400"/>
+              <a:rPr lang="en-US" sz="1400"/>
+              <a:t># Output: [ True  True  True False False]</a:t>
+            </a:r>
+            <a:endParaRPr lang="en-US" sz="1400"/>
           </a:p>
           <a:p>
             <a:pPr marL="114300" indent="0">
               <a:buNone/>
             </a:pPr>
-            <a:endParaRPr lang="en-US" sz="2400"/>
-          </a:p>
-          <a:p>
-            <a:pPr marL="114300" indent="0">
-              <a:buNone/>
-            </a:pPr>
-            <a:r>
-              <a:rPr lang="en-US" sz="2400"/>
-              <a:t># 3. np.logical_and(): Perform element-wise logical AND operation</a:t>
-            </a:r>
-            <a:endParaRPr lang="en-US" sz="2400"/>
-          </a:p>
-          <a:p>
-            <a:pPr marL="114300" indent="0">
-              <a:buNone/>
-            </a:pPr>
-            <a:r>
-              <a:rPr lang="en-US" sz="2400"/>
-              <a:t>logical_and_result = np.logical_and(arr1 &gt; 2, arr2 &gt; 2)</a:t>
-            </a:r>
-            <a:endParaRPr lang="en-US" sz="2400"/>
-          </a:p>
-          <a:p>
-            <a:pPr marL="114300" indent="0">
-              <a:buNone/>
-            </a:pPr>
-            <a:r>
-              <a:rPr lang="en-US" sz="2400"/>
-              <a:t>print("Logical AND result:", logical_and_result)</a:t>
-            </a:r>
-            <a:endParaRPr lang="en-US" sz="2400"/>
-          </a:p>
-          <a:p>
-            <a:pPr marL="114300" indent="0">
-              <a:buNone/>
-            </a:pPr>
-            <a:r>
-              <a:rPr lang="en-US" sz="2400"/>
-              <a:t># Output: [False False  True  True  True]</a:t>
-            </a:r>
-            <a:endParaRPr lang="en-US" sz="2400"/>
-          </a:p>
-          <a:p>
-            <a:pPr marL="114300" indent="0">
-              <a:buNone/>
-            </a:pPr>
-            <a:r>
-              <a:rPr lang="en-US" sz="2400"/>
-              <a:t># Explanation: Both arr1 and arr2 must have elements greater than 2 for the result to be True.</a:t>
-            </a:r>
-            <a:endParaRPr lang="en-US" sz="2400"/>
-          </a:p>
-          <a:p>
-            <a:pPr marL="114300" indent="0">
-              <a:buNone/>
-            </a:pPr>
-            <a:endParaRPr lang="en-US" sz="2400"/>
-          </a:p>
-          <a:p>
-            <a:pPr marL="114300" indent="0">
-              <a:buNone/>
-            </a:pPr>
-            <a:r>
-              <a:rPr lang="en-US" sz="2400"/>
-              <a:t># 4. np.logical_or(): Perform element-wise logical OR operation</a:t>
-            </a:r>
-            <a:endParaRPr lang="en-US" sz="2400"/>
-          </a:p>
-          <a:p>
-            <a:pPr marL="114300" indent="0">
-              <a:buNone/>
-            </a:pPr>
-            <a:r>
-              <a:rPr lang="en-US" sz="2400"/>
-              <a:t>logical_or_result = np.logical_or(arr1 &gt; 2, arr2 &gt; 2)</a:t>
-            </a:r>
-            <a:endParaRPr lang="en-US" sz="2400"/>
-          </a:p>
-          <a:p>
-            <a:pPr marL="114300" indent="0">
-              <a:buNone/>
-            </a:pPr>
-            <a:r>
-              <a:rPr lang="en-US" sz="2400"/>
-              <a:t>print("Logical OR result:", logical_or_result)</a:t>
-            </a:r>
-            <a:endParaRPr lang="en-US" sz="2400"/>
-          </a:p>
-          <a:p>
-            <a:pPr marL="114300" indent="0">
-              <a:buNone/>
-            </a:pPr>
-            <a:r>
-              <a:rPr lang="en-US" sz="2400"/>
-              <a:t># Output: [False  True  True  True  True]</a:t>
-            </a:r>
-            <a:endParaRPr lang="en-US" sz="2400"/>
-          </a:p>
-          <a:p>
-            <a:pPr marL="114300" indent="0">
-              <a:buNone/>
-            </a:pPr>
-            <a:r>
-              <a:rPr lang="en-US" sz="2400"/>
-              <a:t># Explanation: If either arr1 or arr2 have elements greater than 2, the result is True.</a:t>
-            </a:r>
-            <a:endParaRPr lang="en-US" sz="2400"/>
-          </a:p>
-          <a:p>
-            <a:pPr marL="114300" indent="0">
-              <a:buNone/>
-            </a:pPr>
-            <a:endParaRPr lang="en-US" sz="2400"/>
-          </a:p>
-          <a:p>
-            <a:pPr marL="114300" indent="0">
-              <a:buNone/>
-            </a:pPr>
-            <a:r>
-              <a:rPr lang="en-US" sz="2400"/>
-              <a:t># 5. np.logical_not(): Perform element-wise logical NOT operation</a:t>
-            </a:r>
-            <a:endParaRPr lang="en-US" sz="2400"/>
-          </a:p>
-          <a:p>
-            <a:pPr marL="114300" indent="0">
-              <a:buNone/>
-            </a:pPr>
-            <a:r>
-              <a:rPr lang="en-US" sz="2400"/>
-              <a:t>logical_not_result = np.logical_not(arr1 &gt; 3)</a:t>
-            </a:r>
-            <a:endParaRPr lang="en-US" sz="2400"/>
-          </a:p>
-          <a:p>
-            <a:pPr marL="114300" indent="0">
-              <a:buNone/>
-            </a:pPr>
-            <a:r>
-              <a:rPr lang="en-US" sz="2400"/>
-              <a:t>print("Logical NOT result:", logical_not_result)</a:t>
-            </a:r>
-            <a:endParaRPr lang="en-US" sz="2400"/>
-          </a:p>
-          <a:p>
-            <a:pPr marL="114300" indent="0">
-              <a:buNone/>
-            </a:pPr>
-            <a:r>
-              <a:rPr lang="en-US" sz="2400"/>
-              <a:t># Output: [ True  True  True False False]</a:t>
-            </a:r>
-            <a:endParaRPr lang="en-US" sz="2400"/>
-          </a:p>
-          <a:p>
-            <a:pPr marL="114300" indent="0">
-              <a:buNone/>
-            </a:pPr>
-            <a:r>
-              <a:rPr lang="en-US"/>
+            <a:r>
+              <a:rPr lang="en-US" sz="1200"/>
               <a:t># Explanation: Elements where arr1 &gt; 3 are False, and others are True.</a:t>
             </a:r>
-            <a:endParaRPr lang="en-US"/>
+            <a:endParaRPr lang="en-US" sz="1200"/>
           </a:p>
         </p:txBody>
       </p:sp>
@@ -35820,7 +36166,7 @@
         </p:nvSpPr>
         <p:spPr>
           <a:xfrm>
-            <a:off x="311700" y="1152475"/>
+            <a:off x="112310" y="1017855"/>
             <a:ext cx="8520600" cy="3416400"/>
           </a:xfrm>
           <a:prstGeom prst="rect">
@@ -36094,6 +36440,57 @@
           </a:p>
         </p:txBody>
       </p:sp>
+      <p:sp>
+        <p:nvSpPr>
+          <p:cNvPr id="1" name="Text Box 0"/>
+          <p:cNvSpPr txBox="1"/>
+          <p:nvPr/>
+        </p:nvSpPr>
+        <p:spPr>
+          <a:xfrm>
+            <a:off x="4260215" y="4505960"/>
+            <a:ext cx="4572000" cy="521970"/>
+          </a:xfrm>
+          <a:prstGeom prst="rect">
+            <a:avLst/>
+          </a:prstGeom>
+          <a:noFill/>
+        </p:spPr>
+        <p:txBody>
+          <a:bodyPr wrap="square" rtlCol="0" anchor="t">
+            <a:spAutoFit/>
+          </a:bodyPr>
+          <a:p>
+            <a:r>
+              <a:rPr lang="en-US"/>
+              <a:t>https://jakevdp.github.io/PythonDataScienceHandbook/02.05-computation-on-arrays-broadcasting.html </a:t>
+            </a:r>
+            <a:endParaRPr lang="en-US"/>
+          </a:p>
+        </p:txBody>
+      </p:sp>
+      <p:pic>
+        <p:nvPicPr>
+          <p:cNvPr id="3" name="Picture 2"/>
+          <p:cNvPicPr/>
+          <p:nvPr/>
+        </p:nvPicPr>
+        <p:blipFill>
+          <a:blip r:embed="rId1"/>
+          <a:stretch>
+            <a:fillRect/>
+          </a:stretch>
+        </p:blipFill>
+        <p:spPr>
+          <a:xfrm>
+            <a:off x="5038090" y="1668780"/>
+            <a:ext cx="3910330" cy="2526665"/>
+          </a:xfrm>
+          <a:prstGeom prst="rect">
+            <a:avLst/>
+          </a:prstGeom>
+        </p:spPr>
+      </p:pic>
     </p:spTree>
   </p:cSld>
   <p:clrMapOvr>
@@ -36216,6 +36613,43 @@
           </a:p>
         </p:txBody>
       </p:sp>
+      <p:sp>
+        <p:nvSpPr>
+          <p:cNvPr id="5" name="Text Box 4"/>
+          <p:cNvSpPr txBox="1"/>
+          <p:nvPr/>
+        </p:nvSpPr>
+        <p:spPr>
+          <a:xfrm>
+            <a:off x="1118235" y="4568825"/>
+            <a:ext cx="6186805" cy="306705"/>
+          </a:xfrm>
+          <a:prstGeom prst="rect">
+            <a:avLst/>
+          </a:prstGeom>
+          <a:noFill/>
+        </p:spPr>
+        <p:txBody>
+          <a:bodyPr wrap="square" rtlCol="0" anchor="t">
+            <a:spAutoFit/>
+          </a:bodyPr>
+          <a:p>
+            <a:r>
+              <a:rPr lang="en-US">
+                <a:solidFill>
+                  <a:schemeClr val="accent1"/>
+                </a:solidFill>
+              </a:rPr>
+              <a:t>https://pengfeinie.github.io/convolution-operation-on-images/</a:t>
+            </a:r>
+            <a:endParaRPr lang="en-US">
+              <a:solidFill>
+                <a:schemeClr val="accent1"/>
+              </a:solidFill>
+            </a:endParaRPr>
+          </a:p>
+        </p:txBody>
+      </p:sp>
     </p:spTree>
   </p:cSld>
   <p:clrMapOvr>
@@ -36242,190 +36676,195 @@
             <p:ph type="body" idx="1"/>
           </p:nvPr>
         </p:nvSpPr>
-        <p:spPr/>
+        <p:spPr>
+          <a:xfrm>
+            <a:off x="311700" y="250775"/>
+            <a:ext cx="8520600" cy="3416400"/>
+          </a:xfrm>
+        </p:spPr>
         <p:txBody>
           <a:bodyPr>
-            <a:normAutofit lnSpcReduction="10000"/>
+            <a:noAutofit/>
           </a:bodyPr>
           <a:p>
             <a:pPr marL="114300" indent="0">
               <a:buNone/>
             </a:pPr>
             <a:r>
-              <a:rPr lang="en-US" sz="1000" b="1"/>
+              <a:rPr lang="en-US" sz="1300" b="1"/>
               <a:t>Linear Regression</a:t>
             </a:r>
-            <a:endParaRPr lang="en-US" sz="1000" b="1"/>
+            <a:endParaRPr lang="en-US" sz="1300" b="1"/>
           </a:p>
           <a:p>
             <a:pPr marL="114300" indent="0">
               <a:buNone/>
             </a:pPr>
-            <a:endParaRPr lang="en-US" sz="1000"/>
+            <a:endParaRPr lang="en-US" sz="1300"/>
           </a:p>
           <a:p>
             <a:pPr marL="114300" indent="0">
               <a:buNone/>
             </a:pPr>
             <a:r>
-              <a:rPr lang="en-US" sz="1000"/>
+              <a:rPr lang="en-US" sz="1300"/>
               <a:t>Uses matrices to model relationships:</a:t>
             </a:r>
-            <a:endParaRPr lang="en-US" sz="1000"/>
+            <a:endParaRPr lang="en-US" sz="1300"/>
           </a:p>
           <a:p>
             <a:pPr marL="114300" indent="0">
               <a:buNone/>
             </a:pPr>
             <a:r>
-              <a:rPr lang="en-US" sz="1000"/>
+              <a:rPr lang="en-US" sz="1300"/>
               <a:t>X: Feature matrix.</a:t>
             </a:r>
-            <a:endParaRPr lang="en-US" sz="1000"/>
+            <a:endParaRPr lang="en-US" sz="1300"/>
           </a:p>
           <a:p>
             <a:pPr marL="114300" indent="0">
               <a:buNone/>
             </a:pPr>
             <a:r>
-              <a:rPr lang="en-US" sz="1000"/>
+              <a:rPr lang="en-US" sz="1300"/>
               <a:t>β: Coefficient vector.</a:t>
             </a:r>
-            <a:endParaRPr lang="en-US" sz="1000"/>
+            <a:endParaRPr lang="en-US" sz="1300"/>
           </a:p>
           <a:p>
             <a:pPr marL="114300" indent="0">
               <a:buNone/>
             </a:pPr>
             <a:r>
-              <a:rPr lang="en-US" sz="1000"/>
+              <a:rPr lang="en-US" sz="1300"/>
               <a:t>Y: Predicted values.</a:t>
             </a:r>
-            <a:endParaRPr lang="en-US" sz="1000"/>
+            <a:endParaRPr lang="en-US" sz="1300"/>
           </a:p>
           <a:p>
             <a:pPr marL="114300" indent="0">
               <a:buNone/>
             </a:pPr>
             <a:r>
-              <a:rPr lang="en-US" sz="1000"/>
+              <a:rPr lang="en-US" sz="1300"/>
               <a:t>Formula: Y=X×β.</a:t>
             </a:r>
-            <a:endParaRPr lang="en-US" sz="1000"/>
+            <a:endParaRPr lang="en-US" sz="1300"/>
           </a:p>
           <a:p>
             <a:pPr marL="114300" indent="0">
               <a:buNone/>
             </a:pPr>
-            <a:endParaRPr lang="en-US" sz="1000"/>
+            <a:endParaRPr lang="en-US" sz="1300"/>
           </a:p>
           <a:p>
             <a:pPr marL="114300" indent="0">
               <a:buNone/>
             </a:pPr>
             <a:r>
-              <a:rPr lang="en-US" sz="1000" b="1"/>
+              <a:rPr lang="en-US" sz="1300" b="1"/>
               <a:t>Principal Component Analysis (PCA)</a:t>
             </a:r>
-            <a:endParaRPr lang="en-US" sz="1000" b="1"/>
+            <a:endParaRPr lang="en-US" sz="1300" b="1"/>
           </a:p>
           <a:p>
             <a:pPr marL="114300" indent="0">
               <a:buNone/>
             </a:pPr>
-            <a:endParaRPr lang="en-US" sz="1000"/>
+            <a:endParaRPr lang="en-US" sz="1300"/>
           </a:p>
           <a:p>
             <a:pPr marL="114300" indent="0">
               <a:buNone/>
             </a:pPr>
             <a:r>
-              <a:rPr lang="en-US" sz="1000"/>
+              <a:rPr lang="en-US" sz="1300"/>
               <a:t>Dimensionality reduction using:</a:t>
             </a:r>
-            <a:endParaRPr lang="en-US" sz="1000"/>
+            <a:endParaRPr lang="en-US" sz="1300"/>
           </a:p>
           <a:p>
             <a:pPr marL="114300" indent="0">
               <a:buNone/>
             </a:pPr>
             <a:r>
-              <a:rPr lang="en-US" sz="1000"/>
+              <a:rPr lang="en-US" sz="1300"/>
               <a:t>Covariance Matrix: Captures variance/covariance.</a:t>
             </a:r>
-            <a:endParaRPr lang="en-US" sz="1000"/>
+            <a:endParaRPr lang="en-US" sz="1300"/>
           </a:p>
           <a:p>
             <a:pPr marL="114300" indent="0">
               <a:buNone/>
             </a:pPr>
             <a:r>
-              <a:rPr lang="en-US" sz="1000"/>
+              <a:rPr lang="en-US" sz="1300"/>
               <a:t>Eigenvectors/Eigenvalues: Identify principal components</a:t>
             </a:r>
-            <a:endParaRPr lang="en-US" sz="1000"/>
+            <a:endParaRPr lang="en-US" sz="1300"/>
           </a:p>
           <a:p>
             <a:pPr marL="114300" indent="0">
               <a:buNone/>
             </a:pPr>
-            <a:endParaRPr lang="en-US" sz="1000"/>
+            <a:endParaRPr lang="en-US" sz="1300"/>
           </a:p>
           <a:p>
             <a:pPr marL="114300" indent="0">
               <a:buNone/>
             </a:pPr>
             <a:r>
-              <a:rPr lang="en-US" sz="1000" b="1"/>
+              <a:rPr lang="en-US" sz="1300" b="1"/>
               <a:t>Neural Networks</a:t>
             </a:r>
-            <a:endParaRPr lang="en-US" sz="1000" b="1"/>
+            <a:endParaRPr lang="en-US" sz="1300" b="1"/>
           </a:p>
           <a:p>
             <a:pPr marL="114300" indent="0">
               <a:buNone/>
             </a:pPr>
-            <a:endParaRPr lang="en-US" sz="1000"/>
+            <a:endParaRPr lang="en-US" sz="1300"/>
           </a:p>
           <a:p>
             <a:pPr marL="114300" indent="0">
               <a:buNone/>
             </a:pPr>
             <a:r>
-              <a:rPr lang="en-US" sz="1000"/>
+              <a:rPr lang="en-US" sz="1300"/>
               <a:t>Matrix operations are key in neural networks:</a:t>
             </a:r>
-            <a:endParaRPr lang="en-US" sz="1000"/>
+            <a:endParaRPr lang="en-US" sz="1300"/>
           </a:p>
           <a:p>
             <a:pPr marL="114300" indent="0">
               <a:buNone/>
             </a:pPr>
             <a:r>
-              <a:rPr lang="en-US" sz="1000"/>
+              <a:rPr lang="en-US" sz="1300"/>
               <a:t>Input: Data as a matrix.</a:t>
             </a:r>
-            <a:endParaRPr lang="en-US" sz="1000"/>
+            <a:endParaRPr lang="en-US" sz="1300"/>
           </a:p>
           <a:p>
             <a:pPr marL="114300" indent="0">
               <a:buNone/>
             </a:pPr>
             <a:r>
-              <a:rPr lang="en-US" sz="1000"/>
+              <a:rPr lang="en-US" sz="1300"/>
               <a:t>Weights: Matrices for connections.</a:t>
             </a:r>
-            <a:endParaRPr lang="en-US" sz="1000"/>
+            <a:endParaRPr lang="en-US" sz="1300"/>
           </a:p>
           <a:p>
             <a:pPr marL="114300" indent="0">
               <a:buNone/>
             </a:pPr>
             <a:r>
-              <a:rPr lang="en-US" sz="1000"/>
+              <a:rPr lang="en-US" sz="1300"/>
               <a:t>Output: Matrix multiplications/activations.</a:t>
             </a:r>
-            <a:endParaRPr lang="en-US" sz="1000"/>
+            <a:endParaRPr lang="en-US" sz="1300"/>
           </a:p>
         </p:txBody>
       </p:sp>
@@ -36447,38 +36886,6 @@
         <p:nvPr/>
       </p:nvGrpSpPr>
       <p:grpSpPr/>
-      <p:sp>
-        <p:nvSpPr>
-          <p:cNvPr id="2" name="Title 1"/>
-          <p:cNvSpPr/>
-          <p:nvPr>
-            <p:ph type="title"/>
-          </p:nvPr>
-        </p:nvSpPr>
-        <p:spPr/>
-        <p:txBody>
-          <a:bodyPr/>
-          <a:p>
-            <a:endParaRPr lang="en-US"/>
-          </a:p>
-        </p:txBody>
-      </p:sp>
-      <p:sp>
-        <p:nvSpPr>
-          <p:cNvPr id="3" name="Text Placeholder 2"/>
-          <p:cNvSpPr/>
-          <p:nvPr>
-            <p:ph type="body" idx="1"/>
-          </p:nvPr>
-        </p:nvSpPr>
-        <p:spPr/>
-        <p:txBody>
-          <a:bodyPr/>
-          <a:p>
-            <a:endParaRPr lang="en-US"/>
-          </a:p>
-        </p:txBody>
-      </p:sp>
       <p:pic>
         <p:nvPicPr>
           <p:cNvPr id="4" name="Picture 3"/>
@@ -36493,8 +36900,8 @@
         </p:blipFill>
         <p:spPr>
           <a:xfrm>
-            <a:off x="0" y="65405"/>
-            <a:ext cx="6635750" cy="4133215"/>
+            <a:off x="332740" y="934085"/>
+            <a:ext cx="4319270" cy="3067050"/>
           </a:xfrm>
           <a:prstGeom prst="rect">
             <a:avLst/>
@@ -36509,27 +36916,179 @@
         </p:nvSpPr>
         <p:spPr>
           <a:xfrm>
-            <a:off x="246380" y="4198620"/>
-            <a:ext cx="8342630" cy="306705"/>
+            <a:off x="259715" y="155575"/>
+            <a:ext cx="7275195" cy="706755"/>
           </a:xfrm>
           <a:prstGeom prst="rect">
             <a:avLst/>
           </a:prstGeom>
-          <a:noFill/>
         </p:spPr>
         <p:txBody>
-          <a:bodyPr wrap="square" rtlCol="0" anchor="t">
+          <a:bodyPr wrap="square">
             <a:spAutoFit/>
           </a:bodyPr>
           <a:p>
-            <a:r>
-              <a:rPr lang="en-US"/>
-              <a:t>https://python-course.eu/machine-learning/neural-networks-structure-weights-and-matrices.php </a:t>
-            </a:r>
-            <a:endParaRPr lang="en-US"/>
+            <a:pPr marL="0" indent="0">
+              <a:lnSpc>
+                <a:spcPts val="1200"/>
+              </a:lnSpc>
+              <a:spcBef>
+                <a:spcPct val="0"/>
+              </a:spcBef>
+              <a:spcAft>
+                <a:spcPct val="0"/>
+              </a:spcAft>
+            </a:pPr>
+            <a:r>
+              <a:rPr lang="en-US" altLang="zh-CN" sz="2400" b="0" i="0">
+                <a:solidFill>
+                  <a:srgbClr val="1F1F1F"/>
+                </a:solidFill>
+                <a:effectLst/>
+                <a:latin typeface="+mj-lt"/>
+                <a:ea typeface="Google Sans"/>
+                <a:cs typeface="+mj-lt"/>
+              </a:rPr>
+              <a:t>Artificial Neural Network - Basic Concepts</a:t>
+            </a:r>
+            <a:endParaRPr lang="en-US" altLang="zh-CN" sz="2400" b="0" i="0">
+              <a:solidFill>
+                <a:srgbClr val="1F1F1F"/>
+              </a:solidFill>
+              <a:effectLst/>
+              <a:latin typeface="+mj-lt"/>
+              <a:ea typeface="Google Sans"/>
+              <a:cs typeface="+mj-lt"/>
+            </a:endParaRPr>
+          </a:p>
+          <a:p>
+            <a:pPr marL="0" indent="0">
+              <a:lnSpc>
+                <a:spcPts val="1200"/>
+              </a:lnSpc>
+              <a:spcBef>
+                <a:spcPct val="0"/>
+              </a:spcBef>
+              <a:spcAft>
+                <a:spcPct val="0"/>
+              </a:spcAft>
+            </a:pPr>
+            <a:endParaRPr lang="en-US" altLang="zh-CN" sz="1600" b="0" i="0">
+              <a:solidFill>
+                <a:srgbClr val="75757A"/>
+              </a:solidFill>
+              <a:effectLst/>
+              <a:latin typeface="+mj-lt"/>
+              <a:ea typeface="Arial" panose="020B0604020202020204"/>
+              <a:cs typeface="+mj-lt"/>
+              <a:hlinkClick r:id="rId2"/>
+            </a:endParaRPr>
+          </a:p>
+          <a:p>
+            <a:pPr marL="0" indent="0">
+              <a:lnSpc>
+                <a:spcPts val="1200"/>
+              </a:lnSpc>
+              <a:spcBef>
+                <a:spcPct val="0"/>
+              </a:spcBef>
+              <a:spcAft>
+                <a:spcPct val="0"/>
+              </a:spcAft>
+            </a:pPr>
+            <a:endParaRPr lang="en-US" altLang="zh-CN" sz="1600" b="0" i="0">
+              <a:solidFill>
+                <a:srgbClr val="75757A"/>
+              </a:solidFill>
+              <a:effectLst/>
+              <a:latin typeface="+mj-lt"/>
+              <a:ea typeface="Arial" panose="020B0604020202020204"/>
+              <a:cs typeface="+mj-lt"/>
+              <a:hlinkClick r:id="rId2"/>
+            </a:endParaRPr>
+          </a:p>
+          <a:p>
+            <a:pPr marL="0" indent="0">
+              <a:lnSpc>
+                <a:spcPts val="1200"/>
+              </a:lnSpc>
+              <a:spcBef>
+                <a:spcPct val="0"/>
+              </a:spcBef>
+              <a:spcAft>
+                <a:spcPct val="0"/>
+              </a:spcAft>
+            </a:pPr>
+            <a:r>
+              <a:rPr lang="en-US" altLang="zh-CN" sz="1600" b="0" i="0">
+                <a:solidFill>
+                  <a:srgbClr val="75757A"/>
+                </a:solidFill>
+                <a:effectLst/>
+                <a:latin typeface="+mj-lt"/>
+                <a:ea typeface="Arial" panose="020B0604020202020204"/>
+                <a:cs typeface="+mj-lt"/>
+                <a:hlinkClick r:id="rId2"/>
+              </a:rPr>
+              <a:t>Y= MX+ C  concept use with activation functions</a:t>
+            </a:r>
+            <a:endParaRPr lang="en-US" altLang="zh-CN" sz="1600" b="0" i="0">
+              <a:solidFill>
+                <a:srgbClr val="75757A"/>
+              </a:solidFill>
+              <a:effectLst/>
+              <a:latin typeface="+mj-lt"/>
+              <a:ea typeface="Arial" panose="020B0604020202020204"/>
+              <a:cs typeface="+mj-lt"/>
+              <a:hlinkClick r:id="rId2"/>
+            </a:endParaRPr>
           </a:p>
         </p:txBody>
       </p:sp>
+      <p:pic>
+        <p:nvPicPr>
+          <p:cNvPr id="6" name="Picture 5"/>
+          <p:cNvPicPr/>
+          <p:nvPr/>
+        </p:nvPicPr>
+        <p:blipFill>
+          <a:blip r:embed="rId3"/>
+          <a:stretch>
+            <a:fillRect/>
+          </a:stretch>
+        </p:blipFill>
+        <p:spPr>
+          <a:xfrm>
+            <a:off x="5293995" y="611505"/>
+            <a:ext cx="3100705" cy="2063115"/>
+          </a:xfrm>
+          <a:prstGeom prst="rect">
+            <a:avLst/>
+          </a:prstGeom>
+        </p:spPr>
+      </p:pic>
+      <p:pic>
+        <p:nvPicPr>
+          <p:cNvPr id="7" name="Picture 6"/>
+          <p:cNvPicPr/>
+          <p:nvPr/>
+        </p:nvPicPr>
+        <p:blipFill>
+          <a:blip r:embed="rId4"/>
+          <a:stretch>
+            <a:fillRect/>
+          </a:stretch>
+        </p:blipFill>
+        <p:spPr>
+          <a:xfrm>
+            <a:off x="5787390" y="2731770"/>
+            <a:ext cx="2505075" cy="2235835"/>
+          </a:xfrm>
+          <a:prstGeom prst="rect">
+            <a:avLst/>
+          </a:prstGeom>
+        </p:spPr>
+      </p:pic>
     </p:spTree>
   </p:cSld>
   <p:clrMapOvr>
@@ -37443,6 +38002,107 @@
 </file>
 
 <file path=ppt/slides/slide60.xml><?xml version="1.0" encoding="utf-8"?>
+<p:sld xmlns:a="http://schemas.openxmlformats.org/drawingml/2006/main" xmlns:r="http://schemas.openxmlformats.org/officeDocument/2006/relationships" xmlns:p="http://schemas.openxmlformats.org/presentationml/2006/main">
+  <p:cSld>
+    <p:spTree>
+      <p:nvGrpSpPr>
+        <p:cNvPr id="1" name=""/>
+        <p:cNvGrpSpPr/>
+        <p:nvPr/>
+      </p:nvGrpSpPr>
+      <p:grpSpPr/>
+      <p:sp>
+        <p:nvSpPr>
+          <p:cNvPr id="2" name="Title 1"/>
+          <p:cNvSpPr/>
+          <p:nvPr>
+            <p:ph type="title"/>
+          </p:nvPr>
+        </p:nvSpPr>
+        <p:spPr/>
+        <p:txBody>
+          <a:bodyPr/>
+          <a:p>
+            <a:endParaRPr lang="en-US"/>
+          </a:p>
+        </p:txBody>
+      </p:sp>
+      <p:sp>
+        <p:nvSpPr>
+          <p:cNvPr id="3" name="Text Placeholder 2"/>
+          <p:cNvSpPr/>
+          <p:nvPr>
+            <p:ph type="body" idx="1"/>
+          </p:nvPr>
+        </p:nvSpPr>
+        <p:spPr/>
+        <p:txBody>
+          <a:bodyPr/>
+          <a:p>
+            <a:endParaRPr lang="en-US"/>
+          </a:p>
+        </p:txBody>
+      </p:sp>
+      <p:pic>
+        <p:nvPicPr>
+          <p:cNvPr id="4" name="Picture 3"/>
+          <p:cNvPicPr/>
+          <p:nvPr/>
+        </p:nvPicPr>
+        <p:blipFill>
+          <a:blip r:embed="rId1"/>
+          <a:stretch>
+            <a:fillRect/>
+          </a:stretch>
+        </p:blipFill>
+        <p:spPr>
+          <a:xfrm>
+            <a:off x="0" y="65405"/>
+            <a:ext cx="6635750" cy="4133215"/>
+          </a:xfrm>
+          <a:prstGeom prst="rect">
+            <a:avLst/>
+          </a:prstGeom>
+        </p:spPr>
+      </p:pic>
+      <p:sp>
+        <p:nvSpPr>
+          <p:cNvPr id="5" name="Text Box 4"/>
+          <p:cNvSpPr txBox="1"/>
+          <p:nvPr/>
+        </p:nvSpPr>
+        <p:spPr>
+          <a:xfrm>
+            <a:off x="246380" y="4198620"/>
+            <a:ext cx="8342630" cy="306705"/>
+          </a:xfrm>
+          <a:prstGeom prst="rect">
+            <a:avLst/>
+          </a:prstGeom>
+          <a:noFill/>
+        </p:spPr>
+        <p:txBody>
+          <a:bodyPr wrap="square" rtlCol="0" anchor="t">
+            <a:spAutoFit/>
+          </a:bodyPr>
+          <a:p>
+            <a:r>
+              <a:rPr lang="en-US"/>
+              <a:t>https://python-course.eu/machine-learning/neural-networks-structure-weights-and-matrices.php </a:t>
+            </a:r>
+            <a:endParaRPr lang="en-US"/>
+          </a:p>
+        </p:txBody>
+      </p:sp>
+    </p:spTree>
+  </p:cSld>
+  <p:clrMapOvr>
+    <a:masterClrMapping/>
+  </p:clrMapOvr>
+</p:sld>
+</file>
+
+<file path=ppt/slides/slide61.xml><?xml version="1.0" encoding="utf-8"?>
 <p:sld xmlns:a="http://schemas.openxmlformats.org/drawingml/2006/main" xmlns:r="http://schemas.openxmlformats.org/officeDocument/2006/relationships" xmlns:p="http://schemas.openxmlformats.org/presentationml/2006/main">
   <p:cSld>
     <p:bg>

--- a/python/numpy/Numpy (1).pptx
+++ b/python/numpy/Numpy (1).pptx
@@ -66,9 +66,11 @@
     <p:sldId id="307" r:id="rId59"/>
     <p:sldId id="321" r:id="rId60"/>
     <p:sldId id="322" r:id="rId61"/>
-    <p:sldId id="325" r:id="rId62"/>
-    <p:sldId id="323" r:id="rId63"/>
-    <p:sldId id="308" r:id="rId64"/>
+    <p:sldId id="328" r:id="rId62"/>
+    <p:sldId id="332" r:id="rId63"/>
+    <p:sldId id="325" r:id="rId64"/>
+    <p:sldId id="323" r:id="rId65"/>
+    <p:sldId id="308" r:id="rId66"/>
   </p:sldIdLst>
   <p:sldSz cx="9144000" cy="5143500"/>
   <p:notesSz cx="6858000" cy="9144000"/>
@@ -10722,7 +10724,7 @@
         </p:nvSpPr>
         <p:spPr>
           <a:xfrm>
-            <a:off x="311700" y="187910"/>
+            <a:off x="311700" y="196165"/>
             <a:ext cx="8520600" cy="3778500"/>
           </a:xfrm>
           <a:prstGeom prst="rect">
@@ -19218,6 +19220,28 @@
           </a:p>
         </p:txBody>
       </p:sp>
+      <p:pic>
+        <p:nvPicPr>
+          <p:cNvPr id="2" name="Picture 1"/>
+          <p:cNvPicPr/>
+          <p:nvPr/>
+        </p:nvPicPr>
+        <p:blipFill>
+          <a:blip r:embed="rId1"/>
+          <a:stretch>
+            <a:fillRect/>
+          </a:stretch>
+        </p:blipFill>
+        <p:spPr>
+          <a:xfrm>
+            <a:off x="4051935" y="1977390"/>
+            <a:ext cx="5092065" cy="1757045"/>
+          </a:xfrm>
+          <a:prstGeom prst="rect">
+            <a:avLst/>
+          </a:prstGeom>
+        </p:spPr>
+      </p:pic>
     </p:spTree>
   </p:cSld>
   <p:clrMapOvr>
@@ -20724,7 +20748,7 @@
         </p:nvSpPr>
         <p:spPr>
           <a:xfrm>
-            <a:off x="311700" y="244600"/>
+            <a:off x="421555" y="244600"/>
             <a:ext cx="8520600" cy="4324200"/>
           </a:xfrm>
           <a:prstGeom prst="rect">
@@ -21567,8 +21591,8 @@
         </p:nvSpPr>
         <p:spPr>
           <a:xfrm>
-            <a:off x="311700" y="1152475"/>
-            <a:ext cx="8520600" cy="3416400"/>
+            <a:off x="311785" y="1017905"/>
+            <a:ext cx="8520430" cy="3024505"/>
           </a:xfrm>
           <a:prstGeom prst="rect">
             <a:avLst/>
@@ -21770,6 +21794,282 @@
               </a:rPr>
               <a:t> np</a:t>
             </a:r>
+            <a:endParaRPr sz="1100">
+              <a:solidFill>
+                <a:schemeClr val="dk1"/>
+              </a:solidFill>
+            </a:endParaRPr>
+          </a:p>
+          <a:p>
+            <a:pPr marL="0" lvl="0" indent="0" algn="l" rtl="0">
+              <a:spcBef>
+                <a:spcPts val="1200"/>
+              </a:spcBef>
+              <a:spcAft>
+                <a:spcPts val="0"/>
+              </a:spcAft>
+              <a:buClr>
+                <a:schemeClr val="dk1"/>
+              </a:buClr>
+              <a:buSzPts val="1100"/>
+              <a:buFont typeface="Arial" panose="020B0604020202020204"/>
+              <a:buNone/>
+            </a:pPr>
+            <a:r>
+              <a:rPr lang="en-GB" sz="1150">
+                <a:solidFill>
+                  <a:schemeClr val="dk1"/>
+                </a:solidFill>
+                <a:highlight>
+                  <a:srgbClr val="FFFFFF"/>
+                </a:highlight>
+                <a:latin typeface="Courier New" panose="02070309020205020404"/>
+                <a:ea typeface="Courier New" panose="02070309020205020404"/>
+                <a:cs typeface="Courier New" panose="02070309020205020404"/>
+                <a:sym typeface="Courier New" panose="02070309020205020404"/>
+              </a:rPr>
+              <a:t>arr = np.array([[</a:t>
+            </a:r>
+            <a:r>
+              <a:rPr lang="en-GB" sz="1150">
+                <a:solidFill>
+                  <a:srgbClr val="FF0000"/>
+                </a:solidFill>
+                <a:highlight>
+                  <a:srgbClr val="FFFFFF"/>
+                </a:highlight>
+                <a:latin typeface="Courier New" panose="02070309020205020404"/>
+                <a:ea typeface="Courier New" panose="02070309020205020404"/>
+                <a:cs typeface="Courier New" panose="02070309020205020404"/>
+                <a:sym typeface="Courier New" panose="02070309020205020404"/>
+              </a:rPr>
+              <a:t>1</a:t>
+            </a:r>
+            <a:r>
+              <a:rPr lang="en-GB" sz="1150">
+                <a:solidFill>
+                  <a:schemeClr val="dk1"/>
+                </a:solidFill>
+                <a:highlight>
+                  <a:srgbClr val="FFFFFF"/>
+                </a:highlight>
+                <a:latin typeface="Courier New" panose="02070309020205020404"/>
+                <a:ea typeface="Courier New" panose="02070309020205020404"/>
+                <a:cs typeface="Courier New" panose="02070309020205020404"/>
+                <a:sym typeface="Courier New" panose="02070309020205020404"/>
+              </a:rPr>
+              <a:t>, </a:t>
+            </a:r>
+            <a:r>
+              <a:rPr lang="en-GB" sz="1150">
+                <a:solidFill>
+                  <a:srgbClr val="FF0000"/>
+                </a:solidFill>
+                <a:highlight>
+                  <a:srgbClr val="FFFFFF"/>
+                </a:highlight>
+                <a:latin typeface="Courier New" panose="02070309020205020404"/>
+                <a:ea typeface="Courier New" panose="02070309020205020404"/>
+                <a:cs typeface="Courier New" panose="02070309020205020404"/>
+                <a:sym typeface="Courier New" panose="02070309020205020404"/>
+              </a:rPr>
+              <a:t>2</a:t>
+            </a:r>
+            <a:r>
+              <a:rPr lang="en-GB" sz="1150">
+                <a:solidFill>
+                  <a:schemeClr val="dk1"/>
+                </a:solidFill>
+                <a:highlight>
+                  <a:srgbClr val="FFFFFF"/>
+                </a:highlight>
+                <a:latin typeface="Courier New" panose="02070309020205020404"/>
+                <a:ea typeface="Courier New" panose="02070309020205020404"/>
+                <a:cs typeface="Courier New" panose="02070309020205020404"/>
+                <a:sym typeface="Courier New" panose="02070309020205020404"/>
+              </a:rPr>
+              <a:t>, </a:t>
+            </a:r>
+            <a:r>
+              <a:rPr lang="en-GB" sz="1150">
+                <a:solidFill>
+                  <a:srgbClr val="FF0000"/>
+                </a:solidFill>
+                <a:highlight>
+                  <a:srgbClr val="FFFFFF"/>
+                </a:highlight>
+                <a:latin typeface="Courier New" panose="02070309020205020404"/>
+                <a:ea typeface="Courier New" panose="02070309020205020404"/>
+                <a:cs typeface="Courier New" panose="02070309020205020404"/>
+                <a:sym typeface="Courier New" panose="02070309020205020404"/>
+              </a:rPr>
+              <a:t>3</a:t>
+            </a:r>
+            <a:r>
+              <a:rPr lang="en-GB" sz="1150">
+                <a:solidFill>
+                  <a:schemeClr val="dk1"/>
+                </a:solidFill>
+                <a:highlight>
+                  <a:srgbClr val="FFFFFF"/>
+                </a:highlight>
+                <a:latin typeface="Courier New" panose="02070309020205020404"/>
+                <a:ea typeface="Courier New" panose="02070309020205020404"/>
+                <a:cs typeface="Courier New" panose="02070309020205020404"/>
+                <a:sym typeface="Courier New" panose="02070309020205020404"/>
+              </a:rPr>
+              <a:t>, </a:t>
+            </a:r>
+            <a:r>
+              <a:rPr lang="en-GB" sz="1150">
+                <a:solidFill>
+                  <a:srgbClr val="FF0000"/>
+                </a:solidFill>
+                <a:highlight>
+                  <a:srgbClr val="FFFFFF"/>
+                </a:highlight>
+                <a:latin typeface="Courier New" panose="02070309020205020404"/>
+                <a:ea typeface="Courier New" panose="02070309020205020404"/>
+                <a:cs typeface="Courier New" panose="02070309020205020404"/>
+                <a:sym typeface="Courier New" panose="02070309020205020404"/>
+              </a:rPr>
+              <a:t>4</a:t>
+            </a:r>
+            <a:r>
+              <a:rPr lang="en-GB" sz="1150">
+                <a:solidFill>
+                  <a:schemeClr val="dk1"/>
+                </a:solidFill>
+                <a:highlight>
+                  <a:srgbClr val="FFFFFF"/>
+                </a:highlight>
+                <a:latin typeface="Courier New" panose="02070309020205020404"/>
+                <a:ea typeface="Courier New" panose="02070309020205020404"/>
+                <a:cs typeface="Courier New" panose="02070309020205020404"/>
+                <a:sym typeface="Courier New" panose="02070309020205020404"/>
+              </a:rPr>
+              <a:t>], [</a:t>
+            </a:r>
+            <a:r>
+              <a:rPr lang="en-GB" sz="1150">
+                <a:solidFill>
+                  <a:srgbClr val="FF0000"/>
+                </a:solidFill>
+                <a:highlight>
+                  <a:srgbClr val="FFFFFF"/>
+                </a:highlight>
+                <a:latin typeface="Courier New" panose="02070309020205020404"/>
+                <a:ea typeface="Courier New" panose="02070309020205020404"/>
+                <a:cs typeface="Courier New" panose="02070309020205020404"/>
+                <a:sym typeface="Courier New" panose="02070309020205020404"/>
+              </a:rPr>
+              <a:t>5</a:t>
+            </a:r>
+            <a:r>
+              <a:rPr lang="en-GB" sz="1150">
+                <a:solidFill>
+                  <a:schemeClr val="dk1"/>
+                </a:solidFill>
+                <a:highlight>
+                  <a:srgbClr val="FFFFFF"/>
+                </a:highlight>
+                <a:latin typeface="Courier New" panose="02070309020205020404"/>
+                <a:ea typeface="Courier New" panose="02070309020205020404"/>
+                <a:cs typeface="Courier New" panose="02070309020205020404"/>
+                <a:sym typeface="Courier New" panose="02070309020205020404"/>
+              </a:rPr>
+              <a:t>, </a:t>
+            </a:r>
+            <a:r>
+              <a:rPr lang="en-GB" sz="1150">
+                <a:solidFill>
+                  <a:srgbClr val="FF0000"/>
+                </a:solidFill>
+                <a:highlight>
+                  <a:srgbClr val="FFFFFF"/>
+                </a:highlight>
+                <a:latin typeface="Courier New" panose="02070309020205020404"/>
+                <a:ea typeface="Courier New" panose="02070309020205020404"/>
+                <a:cs typeface="Courier New" panose="02070309020205020404"/>
+                <a:sym typeface="Courier New" panose="02070309020205020404"/>
+              </a:rPr>
+              <a:t>6</a:t>
+            </a:r>
+            <a:r>
+              <a:rPr lang="en-GB" sz="1150">
+                <a:solidFill>
+                  <a:schemeClr val="dk1"/>
+                </a:solidFill>
+                <a:highlight>
+                  <a:srgbClr val="FFFFFF"/>
+                </a:highlight>
+                <a:latin typeface="Courier New" panose="02070309020205020404"/>
+                <a:ea typeface="Courier New" panose="02070309020205020404"/>
+                <a:cs typeface="Courier New" panose="02070309020205020404"/>
+                <a:sym typeface="Courier New" panose="02070309020205020404"/>
+              </a:rPr>
+              <a:t>, </a:t>
+            </a:r>
+            <a:r>
+              <a:rPr lang="en-GB" sz="1150">
+                <a:solidFill>
+                  <a:srgbClr val="FF0000"/>
+                </a:solidFill>
+                <a:highlight>
+                  <a:srgbClr val="FFFFFF"/>
+                </a:highlight>
+                <a:latin typeface="Courier New" panose="02070309020205020404"/>
+                <a:ea typeface="Courier New" panose="02070309020205020404"/>
+                <a:cs typeface="Courier New" panose="02070309020205020404"/>
+                <a:sym typeface="Courier New" panose="02070309020205020404"/>
+              </a:rPr>
+              <a:t>7</a:t>
+            </a:r>
+            <a:r>
+              <a:rPr lang="en-GB" sz="1150">
+                <a:solidFill>
+                  <a:schemeClr val="dk1"/>
+                </a:solidFill>
+                <a:highlight>
+                  <a:srgbClr val="FFFFFF"/>
+                </a:highlight>
+                <a:latin typeface="Courier New" panose="02070309020205020404"/>
+                <a:ea typeface="Courier New" panose="02070309020205020404"/>
+                <a:cs typeface="Courier New" panose="02070309020205020404"/>
+                <a:sym typeface="Courier New" panose="02070309020205020404"/>
+              </a:rPr>
+              <a:t>, </a:t>
+            </a:r>
+            <a:r>
+              <a:rPr lang="en-GB" sz="1150">
+                <a:solidFill>
+                  <a:srgbClr val="FF0000"/>
+                </a:solidFill>
+                <a:highlight>
+                  <a:srgbClr val="FFFFFF"/>
+                </a:highlight>
+                <a:latin typeface="Courier New" panose="02070309020205020404"/>
+                <a:ea typeface="Courier New" panose="02070309020205020404"/>
+                <a:cs typeface="Courier New" panose="02070309020205020404"/>
+                <a:sym typeface="Courier New" panose="02070309020205020404"/>
+              </a:rPr>
+              <a:t>8</a:t>
+            </a:r>
+            <a:r>
+              <a:rPr lang="en-GB" sz="1150">
+                <a:solidFill>
+                  <a:schemeClr val="dk1"/>
+                </a:solidFill>
+                <a:highlight>
+                  <a:srgbClr val="FFFFFF"/>
+                </a:highlight>
+                <a:latin typeface="Courier New" panose="02070309020205020404"/>
+                <a:ea typeface="Courier New" panose="02070309020205020404"/>
+                <a:cs typeface="Courier New" panose="02070309020205020404"/>
+                <a:sym typeface="Courier New" panose="02070309020205020404"/>
+              </a:rPr>
+              <a:t>]])</a:t>
+            </a:r>
             <a:endParaRPr sz="1150">
               <a:solidFill>
                 <a:schemeClr val="dk1"/>
@@ -21781,331 +22081,6 @@
               <a:ea typeface="Courier New" panose="02070309020205020404"/>
               <a:cs typeface="Courier New" panose="02070309020205020404"/>
               <a:sym typeface="Courier New" panose="02070309020205020404"/>
-            </a:endParaRPr>
-          </a:p>
-          <a:p>
-            <a:pPr marL="0" lvl="0" indent="0" algn="l" rtl="0">
-              <a:spcBef>
-                <a:spcPts val="1200"/>
-              </a:spcBef>
-              <a:spcAft>
-                <a:spcPts val="0"/>
-              </a:spcAft>
-              <a:buClr>
-                <a:schemeClr val="dk1"/>
-              </a:buClr>
-              <a:buSzPts val="1100"/>
-              <a:buFont typeface="Arial" panose="020B0604020202020204"/>
-              <a:buNone/>
-            </a:pPr>
-            <a:endParaRPr sz="1100">
-              <a:solidFill>
-                <a:schemeClr val="dk1"/>
-              </a:solidFill>
-            </a:endParaRPr>
-          </a:p>
-          <a:p>
-            <a:pPr marL="0" lvl="0" indent="0" algn="l" rtl="0">
-              <a:spcBef>
-                <a:spcPts val="1200"/>
-              </a:spcBef>
-              <a:spcAft>
-                <a:spcPts val="0"/>
-              </a:spcAft>
-              <a:buClr>
-                <a:schemeClr val="dk1"/>
-              </a:buClr>
-              <a:buSzPts val="1100"/>
-              <a:buFont typeface="Arial" panose="020B0604020202020204"/>
-              <a:buNone/>
-            </a:pPr>
-            <a:r>
-              <a:rPr lang="en-GB" sz="1150">
-                <a:solidFill>
-                  <a:schemeClr val="dk1"/>
-                </a:solidFill>
-                <a:highlight>
-                  <a:srgbClr val="FFFFFF"/>
-                </a:highlight>
-                <a:latin typeface="Courier New" panose="02070309020205020404"/>
-                <a:ea typeface="Courier New" panose="02070309020205020404"/>
-                <a:cs typeface="Courier New" panose="02070309020205020404"/>
-                <a:sym typeface="Courier New" panose="02070309020205020404"/>
-              </a:rPr>
-              <a:t>arr = np.array([[</a:t>
-            </a:r>
-            <a:r>
-              <a:rPr lang="en-GB" sz="1150">
-                <a:solidFill>
-                  <a:srgbClr val="FF0000"/>
-                </a:solidFill>
-                <a:highlight>
-                  <a:srgbClr val="FFFFFF"/>
-                </a:highlight>
-                <a:latin typeface="Courier New" panose="02070309020205020404"/>
-                <a:ea typeface="Courier New" panose="02070309020205020404"/>
-                <a:cs typeface="Courier New" panose="02070309020205020404"/>
-                <a:sym typeface="Courier New" panose="02070309020205020404"/>
-              </a:rPr>
-              <a:t>1</a:t>
-            </a:r>
-            <a:r>
-              <a:rPr lang="en-GB" sz="1150">
-                <a:solidFill>
-                  <a:schemeClr val="dk1"/>
-                </a:solidFill>
-                <a:highlight>
-                  <a:srgbClr val="FFFFFF"/>
-                </a:highlight>
-                <a:latin typeface="Courier New" panose="02070309020205020404"/>
-                <a:ea typeface="Courier New" panose="02070309020205020404"/>
-                <a:cs typeface="Courier New" panose="02070309020205020404"/>
-                <a:sym typeface="Courier New" panose="02070309020205020404"/>
-              </a:rPr>
-              <a:t>, </a:t>
-            </a:r>
-            <a:r>
-              <a:rPr lang="en-GB" sz="1150">
-                <a:solidFill>
-                  <a:srgbClr val="FF0000"/>
-                </a:solidFill>
-                <a:highlight>
-                  <a:srgbClr val="FFFFFF"/>
-                </a:highlight>
-                <a:latin typeface="Courier New" panose="02070309020205020404"/>
-                <a:ea typeface="Courier New" panose="02070309020205020404"/>
-                <a:cs typeface="Courier New" panose="02070309020205020404"/>
-                <a:sym typeface="Courier New" panose="02070309020205020404"/>
-              </a:rPr>
-              <a:t>2</a:t>
-            </a:r>
-            <a:r>
-              <a:rPr lang="en-GB" sz="1150">
-                <a:solidFill>
-                  <a:schemeClr val="dk1"/>
-                </a:solidFill>
-                <a:highlight>
-                  <a:srgbClr val="FFFFFF"/>
-                </a:highlight>
-                <a:latin typeface="Courier New" panose="02070309020205020404"/>
-                <a:ea typeface="Courier New" panose="02070309020205020404"/>
-                <a:cs typeface="Courier New" panose="02070309020205020404"/>
-                <a:sym typeface="Courier New" panose="02070309020205020404"/>
-              </a:rPr>
-              <a:t>, </a:t>
-            </a:r>
-            <a:r>
-              <a:rPr lang="en-GB" sz="1150">
-                <a:solidFill>
-                  <a:srgbClr val="FF0000"/>
-                </a:solidFill>
-                <a:highlight>
-                  <a:srgbClr val="FFFFFF"/>
-                </a:highlight>
-                <a:latin typeface="Courier New" panose="02070309020205020404"/>
-                <a:ea typeface="Courier New" panose="02070309020205020404"/>
-                <a:cs typeface="Courier New" panose="02070309020205020404"/>
-                <a:sym typeface="Courier New" panose="02070309020205020404"/>
-              </a:rPr>
-              <a:t>3</a:t>
-            </a:r>
-            <a:r>
-              <a:rPr lang="en-GB" sz="1150">
-                <a:solidFill>
-                  <a:schemeClr val="dk1"/>
-                </a:solidFill>
-                <a:highlight>
-                  <a:srgbClr val="FFFFFF"/>
-                </a:highlight>
-                <a:latin typeface="Courier New" panose="02070309020205020404"/>
-                <a:ea typeface="Courier New" panose="02070309020205020404"/>
-                <a:cs typeface="Courier New" panose="02070309020205020404"/>
-                <a:sym typeface="Courier New" panose="02070309020205020404"/>
-              </a:rPr>
-              <a:t>, </a:t>
-            </a:r>
-            <a:r>
-              <a:rPr lang="en-GB" sz="1150">
-                <a:solidFill>
-                  <a:srgbClr val="FF0000"/>
-                </a:solidFill>
-                <a:highlight>
-                  <a:srgbClr val="FFFFFF"/>
-                </a:highlight>
-                <a:latin typeface="Courier New" panose="02070309020205020404"/>
-                <a:ea typeface="Courier New" panose="02070309020205020404"/>
-                <a:cs typeface="Courier New" panose="02070309020205020404"/>
-                <a:sym typeface="Courier New" panose="02070309020205020404"/>
-              </a:rPr>
-              <a:t>4</a:t>
-            </a:r>
-            <a:r>
-              <a:rPr lang="en-GB" sz="1150">
-                <a:solidFill>
-                  <a:schemeClr val="dk1"/>
-                </a:solidFill>
-                <a:highlight>
-                  <a:srgbClr val="FFFFFF"/>
-                </a:highlight>
-                <a:latin typeface="Courier New" panose="02070309020205020404"/>
-                <a:ea typeface="Courier New" panose="02070309020205020404"/>
-                <a:cs typeface="Courier New" panose="02070309020205020404"/>
-                <a:sym typeface="Courier New" panose="02070309020205020404"/>
-              </a:rPr>
-              <a:t>], [</a:t>
-            </a:r>
-            <a:r>
-              <a:rPr lang="en-GB" sz="1150">
-                <a:solidFill>
-                  <a:srgbClr val="FF0000"/>
-                </a:solidFill>
-                <a:highlight>
-                  <a:srgbClr val="FFFFFF"/>
-                </a:highlight>
-                <a:latin typeface="Courier New" panose="02070309020205020404"/>
-                <a:ea typeface="Courier New" panose="02070309020205020404"/>
-                <a:cs typeface="Courier New" panose="02070309020205020404"/>
-                <a:sym typeface="Courier New" panose="02070309020205020404"/>
-              </a:rPr>
-              <a:t>5</a:t>
-            </a:r>
-            <a:r>
-              <a:rPr lang="en-GB" sz="1150">
-                <a:solidFill>
-                  <a:schemeClr val="dk1"/>
-                </a:solidFill>
-                <a:highlight>
-                  <a:srgbClr val="FFFFFF"/>
-                </a:highlight>
-                <a:latin typeface="Courier New" panose="02070309020205020404"/>
-                <a:ea typeface="Courier New" panose="02070309020205020404"/>
-                <a:cs typeface="Courier New" panose="02070309020205020404"/>
-                <a:sym typeface="Courier New" panose="02070309020205020404"/>
-              </a:rPr>
-              <a:t>, </a:t>
-            </a:r>
-            <a:r>
-              <a:rPr lang="en-GB" sz="1150">
-                <a:solidFill>
-                  <a:srgbClr val="FF0000"/>
-                </a:solidFill>
-                <a:highlight>
-                  <a:srgbClr val="FFFFFF"/>
-                </a:highlight>
-                <a:latin typeface="Courier New" panose="02070309020205020404"/>
-                <a:ea typeface="Courier New" panose="02070309020205020404"/>
-                <a:cs typeface="Courier New" panose="02070309020205020404"/>
-                <a:sym typeface="Courier New" panose="02070309020205020404"/>
-              </a:rPr>
-              <a:t>6</a:t>
-            </a:r>
-            <a:r>
-              <a:rPr lang="en-GB" sz="1150">
-                <a:solidFill>
-                  <a:schemeClr val="dk1"/>
-                </a:solidFill>
-                <a:highlight>
-                  <a:srgbClr val="FFFFFF"/>
-                </a:highlight>
-                <a:latin typeface="Courier New" panose="02070309020205020404"/>
-                <a:ea typeface="Courier New" panose="02070309020205020404"/>
-                <a:cs typeface="Courier New" panose="02070309020205020404"/>
-                <a:sym typeface="Courier New" panose="02070309020205020404"/>
-              </a:rPr>
-              <a:t>, </a:t>
-            </a:r>
-            <a:r>
-              <a:rPr lang="en-GB" sz="1150">
-                <a:solidFill>
-                  <a:srgbClr val="FF0000"/>
-                </a:solidFill>
-                <a:highlight>
-                  <a:srgbClr val="FFFFFF"/>
-                </a:highlight>
-                <a:latin typeface="Courier New" panose="02070309020205020404"/>
-                <a:ea typeface="Courier New" panose="02070309020205020404"/>
-                <a:cs typeface="Courier New" panose="02070309020205020404"/>
-                <a:sym typeface="Courier New" panose="02070309020205020404"/>
-              </a:rPr>
-              <a:t>7</a:t>
-            </a:r>
-            <a:r>
-              <a:rPr lang="en-GB" sz="1150">
-                <a:solidFill>
-                  <a:schemeClr val="dk1"/>
-                </a:solidFill>
-                <a:highlight>
-                  <a:srgbClr val="FFFFFF"/>
-                </a:highlight>
-                <a:latin typeface="Courier New" panose="02070309020205020404"/>
-                <a:ea typeface="Courier New" panose="02070309020205020404"/>
-                <a:cs typeface="Courier New" panose="02070309020205020404"/>
-                <a:sym typeface="Courier New" panose="02070309020205020404"/>
-              </a:rPr>
-              <a:t>, </a:t>
-            </a:r>
-            <a:r>
-              <a:rPr lang="en-GB" sz="1150">
-                <a:solidFill>
-                  <a:srgbClr val="FF0000"/>
-                </a:solidFill>
-                <a:highlight>
-                  <a:srgbClr val="FFFFFF"/>
-                </a:highlight>
-                <a:latin typeface="Courier New" panose="02070309020205020404"/>
-                <a:ea typeface="Courier New" panose="02070309020205020404"/>
-                <a:cs typeface="Courier New" panose="02070309020205020404"/>
-                <a:sym typeface="Courier New" panose="02070309020205020404"/>
-              </a:rPr>
-              <a:t>8</a:t>
-            </a:r>
-            <a:r>
-              <a:rPr lang="en-GB" sz="1150">
-                <a:solidFill>
-                  <a:schemeClr val="dk1"/>
-                </a:solidFill>
-                <a:highlight>
-                  <a:srgbClr val="FFFFFF"/>
-                </a:highlight>
-                <a:latin typeface="Courier New" panose="02070309020205020404"/>
-                <a:ea typeface="Courier New" panose="02070309020205020404"/>
-                <a:cs typeface="Courier New" panose="02070309020205020404"/>
-                <a:sym typeface="Courier New" panose="02070309020205020404"/>
-              </a:rPr>
-              <a:t>]])</a:t>
-            </a:r>
-            <a:endParaRPr sz="1150">
-              <a:solidFill>
-                <a:schemeClr val="dk1"/>
-              </a:solidFill>
-              <a:highlight>
-                <a:srgbClr val="FFFFFF"/>
-              </a:highlight>
-              <a:latin typeface="Courier New" panose="02070309020205020404"/>
-              <a:ea typeface="Courier New" panose="02070309020205020404"/>
-              <a:cs typeface="Courier New" panose="02070309020205020404"/>
-              <a:sym typeface="Courier New" panose="02070309020205020404"/>
-            </a:endParaRPr>
-          </a:p>
-          <a:p>
-            <a:pPr marL="0" lvl="0" indent="0" algn="l" rtl="0">
-              <a:spcBef>
-                <a:spcPts val="1200"/>
-              </a:spcBef>
-              <a:spcAft>
-                <a:spcPts val="0"/>
-              </a:spcAft>
-              <a:buClr>
-                <a:schemeClr val="dk1"/>
-              </a:buClr>
-              <a:buSzPts val="1100"/>
-              <a:buFont typeface="Arial" panose="020B0604020202020204"/>
-              <a:buNone/>
-            </a:pPr>
-            <a:endParaRPr sz="1100">
-              <a:solidFill>
-                <a:schemeClr val="dk1"/>
-              </a:solidFill>
             </a:endParaRPr>
           </a:p>
           <a:p>
@@ -32117,7 +32092,7 @@
         </p:spPr>
         <p:txBody>
           <a:bodyPr spcFirstLastPara="1" wrap="square" lIns="91425" tIns="91425" rIns="91425" bIns="91425" anchor="t" anchorCtr="0">
-            <a:normAutofit fontScale="40000" lnSpcReduction="10000"/>
+            <a:normAutofit fontScale="60000" lnSpcReduction="10000"/>
           </a:bodyPr>
           <a:lstStyle/>
           <a:p>
@@ -32136,10 +32111,10 @@
               <a:buNone/>
             </a:pPr>
             <a:r>
-              <a:rPr lang="en-GB"/>
+              <a:rPr lang="en-GB" baseline="-25000"/>
               <a:t>import numpy as np</a:t>
             </a:r>
-            <a:endParaRPr lang="en-GB"/>
+            <a:endParaRPr lang="en-GB" baseline="-25000"/>
           </a:p>
           <a:p>
             <a:pPr marL="0" lvl="0" indent="0" algn="l" rtl="0">
@@ -32157,10 +32132,10 @@
               <a:buNone/>
             </a:pPr>
             <a:r>
-              <a:rPr lang="en-GB"/>
+              <a:rPr lang="en-GB" baseline="-25000"/>
               <a:t>arr = np.array([1, 2, 3, 4, 5])</a:t>
             </a:r>
-            <a:endParaRPr lang="en-GB"/>
+            <a:endParaRPr lang="en-GB" baseline="-25000"/>
           </a:p>
           <a:p>
             <a:pPr marL="0" lvl="0" indent="0" algn="l" rtl="0">
@@ -32178,10 +32153,10 @@
               <a:buNone/>
             </a:pPr>
             <a:r>
-              <a:rPr lang="en-GB"/>
+              <a:rPr lang="en-GB" baseline="-25000"/>
               <a:t># Minimum and maximum</a:t>
             </a:r>
-            <a:endParaRPr lang="en-GB"/>
+            <a:endParaRPr lang="en-GB" baseline="-25000"/>
           </a:p>
           <a:p>
             <a:pPr marL="0" lvl="0" indent="0" algn="l" rtl="0">
@@ -32199,10 +32174,10 @@
               <a:buNone/>
             </a:pPr>
             <a:r>
-              <a:rPr lang="en-GB"/>
+              <a:rPr lang="en-GB" baseline="-25000"/>
               <a:t>result_min = np.min(arr)</a:t>
             </a:r>
-            <a:endParaRPr lang="en-GB"/>
+            <a:endParaRPr lang="en-GB" baseline="-25000"/>
           </a:p>
           <a:p>
             <a:pPr marL="0" lvl="0" indent="0" algn="l" rtl="0">
@@ -32220,10 +32195,10 @@
               <a:buNone/>
             </a:pPr>
             <a:r>
-              <a:rPr lang="en-GB"/>
+              <a:rPr lang="en-GB" baseline="-25000"/>
               <a:t>result_max = np.max(arr)</a:t>
             </a:r>
-            <a:endParaRPr lang="en-GB"/>
+            <a:endParaRPr lang="en-GB" baseline="-25000"/>
           </a:p>
           <a:p>
             <a:pPr marL="0" lvl="0" indent="0" algn="l" rtl="0">
@@ -32241,10 +32216,10 @@
               <a:buNone/>
             </a:pPr>
             <a:r>
-              <a:rPr lang="en-GB"/>
+              <a:rPr lang="en-GB" baseline="-25000"/>
               <a:t># Sum and product</a:t>
             </a:r>
-            <a:endParaRPr lang="en-GB"/>
+            <a:endParaRPr lang="en-GB" baseline="-25000"/>
           </a:p>
           <a:p>
             <a:pPr marL="0" lvl="0" indent="0" algn="l" rtl="0">
@@ -32262,10 +32237,10 @@
               <a:buNone/>
             </a:pPr>
             <a:r>
-              <a:rPr lang="en-GB"/>
+              <a:rPr lang="en-GB" baseline="-25000"/>
               <a:t>result_sum = np.sum(arr)</a:t>
             </a:r>
-            <a:endParaRPr lang="en-GB"/>
+            <a:endParaRPr lang="en-GB" baseline="-25000"/>
           </a:p>
           <a:p>
             <a:pPr marL="0" lvl="0" indent="0" algn="l" rtl="0">
@@ -32283,10 +32258,10 @@
               <a:buNone/>
             </a:pPr>
             <a:r>
-              <a:rPr lang="en-GB"/>
+              <a:rPr lang="en-GB" baseline="-25000"/>
               <a:t>result_product = np.prod(arr)</a:t>
             </a:r>
-            <a:endParaRPr lang="en-GB"/>
+            <a:endParaRPr lang="en-GB" baseline="-25000"/>
           </a:p>
           <a:p>
             <a:pPr marL="0" lvl="0" indent="0" algn="l" rtl="0">
@@ -32304,10 +32279,10 @@
               <a:buNone/>
             </a:pPr>
             <a:r>
-              <a:rPr lang="en-GB"/>
+              <a:rPr lang="en-GB" baseline="-25000"/>
               <a:t># Mean and median</a:t>
             </a:r>
-            <a:endParaRPr lang="en-GB"/>
+            <a:endParaRPr lang="en-GB" baseline="-25000"/>
           </a:p>
           <a:p>
             <a:pPr marL="0" lvl="0" indent="0" algn="l" rtl="0">
@@ -32325,10 +32300,10 @@
               <a:buNone/>
             </a:pPr>
             <a:r>
-              <a:rPr lang="en-GB"/>
+              <a:rPr lang="en-GB" baseline="-25000"/>
               <a:t>result_mean = np.mean(arr)</a:t>
             </a:r>
-            <a:endParaRPr lang="en-GB"/>
+            <a:endParaRPr lang="en-GB" baseline="-25000"/>
           </a:p>
           <a:p>
             <a:pPr marL="0" lvl="0" indent="0" algn="l" rtl="0">
@@ -32346,10 +32321,10 @@
               <a:buNone/>
             </a:pPr>
             <a:r>
-              <a:rPr lang="en-GB"/>
+              <a:rPr lang="en-GB" baseline="-25000"/>
               <a:t>result_median = np.median(arr)</a:t>
             </a:r>
-            <a:endParaRPr lang="en-GB"/>
+            <a:endParaRPr lang="en-GB" baseline="-25000"/>
           </a:p>
           <a:p>
             <a:pPr marL="0" lvl="0" indent="0" algn="l" rtl="0">
@@ -32367,10 +32342,10 @@
               <a:buNone/>
             </a:pPr>
             <a:r>
-              <a:rPr lang="en-GB"/>
+              <a:rPr lang="en-GB" baseline="-25000"/>
               <a:t># Variance and standard deviation</a:t>
             </a:r>
-            <a:endParaRPr lang="en-GB"/>
+            <a:endParaRPr lang="en-GB" baseline="-25000"/>
           </a:p>
           <a:p>
             <a:pPr marL="0" lvl="0" indent="0" algn="l" rtl="0">
@@ -32388,10 +32363,10 @@
               <a:buNone/>
             </a:pPr>
             <a:r>
-              <a:rPr lang="en-GB"/>
+              <a:rPr lang="en-GB" baseline="-25000"/>
               <a:t>result_var = np.var(arr)</a:t>
             </a:r>
-            <a:endParaRPr lang="en-GB"/>
+            <a:endParaRPr lang="en-GB" baseline="-25000"/>
           </a:p>
           <a:p>
             <a:pPr marL="0" lvl="0" indent="0" algn="l" rtl="0">
@@ -32404,10 +32379,10 @@
               <a:buNone/>
             </a:pPr>
             <a:r>
-              <a:rPr lang="en-GB"/>
+              <a:rPr lang="en-GB" baseline="-25000"/>
               <a:t>result_std = np.std(arr)</a:t>
             </a:r>
-            <a:endParaRPr lang="en-GB"/>
+            <a:endParaRPr lang="en-GB" baseline="-25000"/>
           </a:p>
         </p:txBody>
       </p:sp>
@@ -34850,7 +34825,7 @@
       </p:sp>
       <p:sp>
         <p:nvSpPr>
-          <p:cNvPr id="1" name="Text Box 0"/>
+          <p:cNvPr id="2" name="Text Box 1"/>
           <p:cNvSpPr txBox="1"/>
           <p:nvPr/>
         </p:nvSpPr>
@@ -35317,7 +35292,7 @@
       </p:sp>
       <p:sp>
         <p:nvSpPr>
-          <p:cNvPr id="1" name="Text Box 0"/>
+          <p:cNvPr id="2" name="Text Box 1"/>
           <p:cNvSpPr txBox="1"/>
           <p:nvPr/>
         </p:nvSpPr>
@@ -36442,7 +36417,7 @@
       </p:sp>
       <p:sp>
         <p:nvSpPr>
-          <p:cNvPr id="1" name="Text Box 0"/>
+          <p:cNvPr id="4" name="Text Box 3"/>
           <p:cNvSpPr txBox="1"/>
           <p:nvPr/>
         </p:nvSpPr>
@@ -36900,6 +36875,1014 @@
         </p:blipFill>
         <p:spPr>
           <a:xfrm>
+            <a:off x="0" y="121920"/>
+            <a:ext cx="5334000" cy="1828800"/>
+          </a:xfrm>
+          <a:prstGeom prst="rect">
+            <a:avLst/>
+          </a:prstGeom>
+        </p:spPr>
+      </p:pic>
+      <p:pic>
+        <p:nvPicPr>
+          <p:cNvPr id="5" name="Picture 4"/>
+          <p:cNvPicPr/>
+          <p:nvPr/>
+        </p:nvPicPr>
+        <p:blipFill>
+          <a:blip r:embed="rId2"/>
+          <a:stretch>
+            <a:fillRect/>
+          </a:stretch>
+        </p:blipFill>
+        <p:spPr>
+          <a:xfrm>
+            <a:off x="0" y="2301875"/>
+            <a:ext cx="8830945" cy="2778760"/>
+          </a:xfrm>
+          <a:prstGeom prst="rect">
+            <a:avLst/>
+          </a:prstGeom>
+        </p:spPr>
+      </p:pic>
+    </p:spTree>
+  </p:cSld>
+  <p:clrMapOvr>
+    <a:masterClrMapping/>
+  </p:clrMapOvr>
+</p:sld>
+</file>
+
+<file path=ppt/slides/slide6.xml><?xml version="1.0" encoding="utf-8"?>
+<p:sld xmlns:a="http://schemas.openxmlformats.org/drawingml/2006/main" xmlns:r="http://schemas.openxmlformats.org/officeDocument/2006/relationships" xmlns:p="http://schemas.openxmlformats.org/presentationml/2006/main">
+  <p:cSld>
+    <p:spTree>
+      <p:nvGrpSpPr>
+        <p:cNvPr id="82" name="Shape 82"/>
+        <p:cNvGrpSpPr/>
+        <p:nvPr/>
+      </p:nvGrpSpPr>
+      <p:grpSpPr>
+        <a:xfrm>
+          <a:off x="0" y="0"/>
+          <a:ext cx="0" cy="0"/>
+          <a:chOff x="0" y="0"/>
+          <a:chExt cx="0" cy="0"/>
+        </a:xfrm>
+      </p:grpSpPr>
+      <p:sp>
+        <p:nvSpPr>
+          <p:cNvPr id="83" name="Google Shape;83;p18"/>
+          <p:cNvSpPr txBox="1"/>
+          <p:nvPr>
+            <p:ph type="title"/>
+          </p:nvPr>
+        </p:nvSpPr>
+        <p:spPr>
+          <a:xfrm>
+            <a:off x="311700" y="445025"/>
+            <a:ext cx="8520600" cy="572700"/>
+          </a:xfrm>
+          <a:prstGeom prst="rect">
+            <a:avLst/>
+          </a:prstGeom>
+        </p:spPr>
+        <p:txBody>
+          <a:bodyPr spcFirstLastPara="1" wrap="square" lIns="91425" tIns="91425" rIns="91425" bIns="91425" anchor="t" anchorCtr="0">
+            <a:normAutofit fontScale="90000"/>
+          </a:bodyPr>
+          <a:lstStyle/>
+          <a:p>
+            <a:pPr marL="0" lvl="0" indent="0" algn="l" rtl="0">
+              <a:lnSpc>
+                <a:spcPct val="115000"/>
+              </a:lnSpc>
+              <a:spcBef>
+                <a:spcPts val="800"/>
+              </a:spcBef>
+              <a:spcAft>
+                <a:spcPts val="0"/>
+              </a:spcAft>
+              <a:buClr>
+                <a:schemeClr val="dk1"/>
+              </a:buClr>
+              <a:buSzPct val="46000"/>
+              <a:buFont typeface="Arial" panose="020B0604020202020204"/>
+              <a:buNone/>
+            </a:pPr>
+            <a:r>
+              <a:rPr lang="en-GB" sz="2400">
+                <a:highlight>
+                  <a:srgbClr val="FFFFFF"/>
+                </a:highlight>
+              </a:rPr>
+              <a:t>Create a NumPy ndarray Object</a:t>
+            </a:r>
+            <a:endParaRPr sz="2400">
+              <a:highlight>
+                <a:srgbClr val="FFFFFF"/>
+              </a:highlight>
+            </a:endParaRPr>
+          </a:p>
+          <a:p>
+            <a:pPr marL="0" lvl="0" indent="0" algn="l" rtl="0">
+              <a:spcBef>
+                <a:spcPts val="800"/>
+              </a:spcBef>
+              <a:spcAft>
+                <a:spcPts val="0"/>
+              </a:spcAft>
+              <a:buNone/>
+            </a:pPr>
+          </a:p>
+        </p:txBody>
+      </p:sp>
+      <p:sp>
+        <p:nvSpPr>
+          <p:cNvPr id="84" name="Google Shape;84;p18"/>
+          <p:cNvSpPr txBox="1"/>
+          <p:nvPr>
+            <p:ph type="body" idx="1"/>
+          </p:nvPr>
+        </p:nvSpPr>
+        <p:spPr>
+          <a:xfrm>
+            <a:off x="257090" y="1152475"/>
+            <a:ext cx="8520600" cy="3416400"/>
+          </a:xfrm>
+          <a:prstGeom prst="rect">
+            <a:avLst/>
+          </a:prstGeom>
+        </p:spPr>
+        <p:txBody>
+          <a:bodyPr spcFirstLastPara="1" wrap="square" lIns="91425" tIns="91425" rIns="91425" bIns="91425" anchor="t" anchorCtr="0">
+            <a:normAutofit/>
+          </a:bodyPr>
+          <a:lstStyle/>
+          <a:p>
+            <a:pPr marL="0" lvl="0" indent="0" algn="l" rtl="0">
+              <a:spcBef>
+                <a:spcPts val="1400"/>
+              </a:spcBef>
+              <a:spcAft>
+                <a:spcPts val="0"/>
+              </a:spcAft>
+              <a:buClr>
+                <a:schemeClr val="dk1"/>
+              </a:buClr>
+              <a:buSzPts val="1100"/>
+              <a:buFont typeface="Arial" panose="020B0604020202020204"/>
+              <a:buNone/>
+            </a:pPr>
+            <a:r>
+              <a:rPr lang="en-GB" sz="1150">
+                <a:solidFill>
+                  <a:schemeClr val="dk1"/>
+                </a:solidFill>
+                <a:highlight>
+                  <a:srgbClr val="FFFFFF"/>
+                </a:highlight>
+                <a:latin typeface="Verdana" panose="020B0604030504040204"/>
+                <a:ea typeface="Verdana" panose="020B0604030504040204"/>
+                <a:cs typeface="Verdana" panose="020B0604030504040204"/>
+                <a:sym typeface="Verdana" panose="020B0604030504040204"/>
+              </a:rPr>
+              <a:t>NumPy is used to work with arrays. The array object in NumPy is called </a:t>
+            </a:r>
+            <a:r>
+              <a:rPr lang="en-GB" sz="1200">
+                <a:solidFill>
+                  <a:srgbClr val="DC143C"/>
+                </a:solidFill>
+                <a:highlight>
+                  <a:srgbClr val="FFFFFF"/>
+                </a:highlight>
+                <a:latin typeface="Courier New" panose="02070309020205020404"/>
+                <a:ea typeface="Courier New" panose="02070309020205020404"/>
+                <a:cs typeface="Courier New" panose="02070309020205020404"/>
+                <a:sym typeface="Courier New" panose="02070309020205020404"/>
+              </a:rPr>
+              <a:t>ndarray</a:t>
+            </a:r>
+            <a:r>
+              <a:rPr lang="en-GB" sz="1150">
+                <a:solidFill>
+                  <a:schemeClr val="dk1"/>
+                </a:solidFill>
+                <a:highlight>
+                  <a:srgbClr val="FFFFFF"/>
+                </a:highlight>
+                <a:latin typeface="Verdana" panose="020B0604030504040204"/>
+                <a:ea typeface="Verdana" panose="020B0604030504040204"/>
+                <a:cs typeface="Verdana" panose="020B0604030504040204"/>
+                <a:sym typeface="Verdana" panose="020B0604030504040204"/>
+              </a:rPr>
+              <a:t>.</a:t>
+            </a:r>
+            <a:endParaRPr sz="1150">
+              <a:solidFill>
+                <a:schemeClr val="dk1"/>
+              </a:solidFill>
+              <a:highlight>
+                <a:srgbClr val="FFFFFF"/>
+              </a:highlight>
+              <a:latin typeface="Verdana" panose="020B0604030504040204"/>
+              <a:ea typeface="Verdana" panose="020B0604030504040204"/>
+              <a:cs typeface="Verdana" panose="020B0604030504040204"/>
+              <a:sym typeface="Verdana" panose="020B0604030504040204"/>
+            </a:endParaRPr>
+          </a:p>
+          <a:p>
+            <a:pPr marL="0" lvl="0" indent="0" algn="l" rtl="0">
+              <a:spcBef>
+                <a:spcPts val="1400"/>
+              </a:spcBef>
+              <a:spcAft>
+                <a:spcPts val="0"/>
+              </a:spcAft>
+              <a:buClr>
+                <a:schemeClr val="dk1"/>
+              </a:buClr>
+              <a:buSzPts val="1100"/>
+              <a:buFont typeface="Arial" panose="020B0604020202020204"/>
+              <a:buNone/>
+            </a:pPr>
+            <a:r>
+              <a:rPr lang="en-GB" sz="1150">
+                <a:solidFill>
+                  <a:schemeClr val="dk1"/>
+                </a:solidFill>
+                <a:highlight>
+                  <a:srgbClr val="FFFFFF"/>
+                </a:highlight>
+                <a:latin typeface="Verdana" panose="020B0604030504040204"/>
+                <a:ea typeface="Verdana" panose="020B0604030504040204"/>
+                <a:cs typeface="Verdana" panose="020B0604030504040204"/>
+                <a:sym typeface="Verdana" panose="020B0604030504040204"/>
+              </a:rPr>
+              <a:t>We can create a NumPy </a:t>
+            </a:r>
+            <a:r>
+              <a:rPr lang="en-GB" sz="1200">
+                <a:solidFill>
+                  <a:srgbClr val="DC143C"/>
+                </a:solidFill>
+                <a:highlight>
+                  <a:srgbClr val="FFFFFF"/>
+                </a:highlight>
+                <a:latin typeface="Courier New" panose="02070309020205020404"/>
+                <a:ea typeface="Courier New" panose="02070309020205020404"/>
+                <a:cs typeface="Courier New" panose="02070309020205020404"/>
+                <a:sym typeface="Courier New" panose="02070309020205020404"/>
+              </a:rPr>
+              <a:t>ndarray</a:t>
+            </a:r>
+            <a:r>
+              <a:rPr lang="en-GB" sz="1150">
+                <a:solidFill>
+                  <a:schemeClr val="dk1"/>
+                </a:solidFill>
+                <a:highlight>
+                  <a:srgbClr val="FFFFFF"/>
+                </a:highlight>
+                <a:latin typeface="Verdana" panose="020B0604030504040204"/>
+                <a:ea typeface="Verdana" panose="020B0604030504040204"/>
+                <a:cs typeface="Verdana" panose="020B0604030504040204"/>
+                <a:sym typeface="Verdana" panose="020B0604030504040204"/>
+              </a:rPr>
+              <a:t> object by using the </a:t>
+            </a:r>
+            <a:r>
+              <a:rPr lang="en-GB" sz="1200">
+                <a:solidFill>
+                  <a:srgbClr val="DC143C"/>
+                </a:solidFill>
+                <a:highlight>
+                  <a:srgbClr val="FFFFFF"/>
+                </a:highlight>
+                <a:latin typeface="Courier New" panose="02070309020205020404"/>
+                <a:ea typeface="Courier New" panose="02070309020205020404"/>
+                <a:cs typeface="Courier New" panose="02070309020205020404"/>
+                <a:sym typeface="Courier New" panose="02070309020205020404"/>
+              </a:rPr>
+              <a:t>array()</a:t>
+            </a:r>
+            <a:r>
+              <a:rPr lang="en-GB" sz="1150">
+                <a:solidFill>
+                  <a:schemeClr val="dk1"/>
+                </a:solidFill>
+                <a:highlight>
+                  <a:srgbClr val="FFFFFF"/>
+                </a:highlight>
+                <a:latin typeface="Verdana" panose="020B0604030504040204"/>
+                <a:ea typeface="Verdana" panose="020B0604030504040204"/>
+                <a:cs typeface="Verdana" panose="020B0604030504040204"/>
+                <a:sym typeface="Verdana" panose="020B0604030504040204"/>
+              </a:rPr>
+              <a:t> function.</a:t>
+            </a:r>
+            <a:endParaRPr sz="1150">
+              <a:solidFill>
+                <a:schemeClr val="dk1"/>
+              </a:solidFill>
+              <a:highlight>
+                <a:srgbClr val="FFFFFF"/>
+              </a:highlight>
+              <a:latin typeface="Verdana" panose="020B0604030504040204"/>
+              <a:ea typeface="Verdana" panose="020B0604030504040204"/>
+              <a:cs typeface="Verdana" panose="020B0604030504040204"/>
+              <a:sym typeface="Verdana" panose="020B0604030504040204"/>
+            </a:endParaRPr>
+          </a:p>
+          <a:p>
+            <a:pPr marL="0" lvl="0" indent="0" algn="l" rtl="0">
+              <a:spcBef>
+                <a:spcPts val="1400"/>
+              </a:spcBef>
+              <a:spcAft>
+                <a:spcPts val="0"/>
+              </a:spcAft>
+              <a:buClr>
+                <a:schemeClr val="dk1"/>
+              </a:buClr>
+              <a:buSzPts val="1100"/>
+              <a:buFont typeface="Arial" panose="020B0604020202020204"/>
+              <a:buNone/>
+            </a:pPr>
+            <a:r>
+              <a:rPr lang="en-GB" sz="1150">
+                <a:solidFill>
+                  <a:srgbClr val="0000CD"/>
+                </a:solidFill>
+                <a:highlight>
+                  <a:srgbClr val="FFFFFF"/>
+                </a:highlight>
+                <a:latin typeface="Courier New" panose="02070309020205020404"/>
+                <a:ea typeface="Courier New" panose="02070309020205020404"/>
+                <a:cs typeface="Courier New" panose="02070309020205020404"/>
+                <a:sym typeface="Courier New" panose="02070309020205020404"/>
+              </a:rPr>
+              <a:t>import</a:t>
+            </a:r>
+            <a:r>
+              <a:rPr lang="en-GB" sz="1150">
+                <a:solidFill>
+                  <a:schemeClr val="dk1"/>
+                </a:solidFill>
+                <a:highlight>
+                  <a:srgbClr val="FFFFFF"/>
+                </a:highlight>
+                <a:latin typeface="Courier New" panose="02070309020205020404"/>
+                <a:ea typeface="Courier New" panose="02070309020205020404"/>
+                <a:cs typeface="Courier New" panose="02070309020205020404"/>
+                <a:sym typeface="Courier New" panose="02070309020205020404"/>
+              </a:rPr>
+              <a:t> numpy </a:t>
+            </a:r>
+            <a:r>
+              <a:rPr lang="en-GB" sz="1150">
+                <a:solidFill>
+                  <a:srgbClr val="0000CD"/>
+                </a:solidFill>
+                <a:highlight>
+                  <a:srgbClr val="FFFFFF"/>
+                </a:highlight>
+                <a:latin typeface="Courier New" panose="02070309020205020404"/>
+                <a:ea typeface="Courier New" panose="02070309020205020404"/>
+                <a:cs typeface="Courier New" panose="02070309020205020404"/>
+                <a:sym typeface="Courier New" panose="02070309020205020404"/>
+              </a:rPr>
+              <a:t>as</a:t>
+            </a:r>
+            <a:r>
+              <a:rPr lang="en-GB" sz="1150">
+                <a:solidFill>
+                  <a:schemeClr val="dk1"/>
+                </a:solidFill>
+                <a:highlight>
+                  <a:srgbClr val="FFFFFF"/>
+                </a:highlight>
+                <a:latin typeface="Courier New" panose="02070309020205020404"/>
+                <a:ea typeface="Courier New" panose="02070309020205020404"/>
+                <a:cs typeface="Courier New" panose="02070309020205020404"/>
+                <a:sym typeface="Courier New" panose="02070309020205020404"/>
+              </a:rPr>
+              <a:t> np</a:t>
+            </a:r>
+            <a:endParaRPr sz="1100">
+              <a:solidFill>
+                <a:schemeClr val="dk1"/>
+              </a:solidFill>
+            </a:endParaRPr>
+          </a:p>
+          <a:p>
+            <a:pPr marL="0" lvl="0" indent="0" algn="l" rtl="0">
+              <a:spcBef>
+                <a:spcPts val="1200"/>
+              </a:spcBef>
+              <a:spcAft>
+                <a:spcPts val="0"/>
+              </a:spcAft>
+              <a:buClr>
+                <a:schemeClr val="dk1"/>
+              </a:buClr>
+              <a:buSzPts val="1100"/>
+              <a:buFont typeface="Arial" panose="020B0604020202020204"/>
+              <a:buNone/>
+            </a:pPr>
+            <a:r>
+              <a:rPr lang="en-GB" sz="1150">
+                <a:solidFill>
+                  <a:schemeClr val="dk1"/>
+                </a:solidFill>
+                <a:highlight>
+                  <a:srgbClr val="FFFFFF"/>
+                </a:highlight>
+                <a:latin typeface="Courier New" panose="02070309020205020404"/>
+                <a:ea typeface="Courier New" panose="02070309020205020404"/>
+                <a:cs typeface="Courier New" panose="02070309020205020404"/>
+                <a:sym typeface="Courier New" panose="02070309020205020404"/>
+              </a:rPr>
+              <a:t>arr = np.array([</a:t>
+            </a:r>
+            <a:r>
+              <a:rPr lang="en-GB" sz="1150">
+                <a:solidFill>
+                  <a:srgbClr val="FF0000"/>
+                </a:solidFill>
+                <a:highlight>
+                  <a:srgbClr val="FFFFFF"/>
+                </a:highlight>
+                <a:latin typeface="Courier New" panose="02070309020205020404"/>
+                <a:ea typeface="Courier New" panose="02070309020205020404"/>
+                <a:cs typeface="Courier New" panose="02070309020205020404"/>
+                <a:sym typeface="Courier New" panose="02070309020205020404"/>
+              </a:rPr>
+              <a:t>1</a:t>
+            </a:r>
+            <a:r>
+              <a:rPr lang="en-GB" sz="1150">
+                <a:solidFill>
+                  <a:schemeClr val="dk1"/>
+                </a:solidFill>
+                <a:highlight>
+                  <a:srgbClr val="FFFFFF"/>
+                </a:highlight>
+                <a:latin typeface="Courier New" panose="02070309020205020404"/>
+                <a:ea typeface="Courier New" panose="02070309020205020404"/>
+                <a:cs typeface="Courier New" panose="02070309020205020404"/>
+                <a:sym typeface="Courier New" panose="02070309020205020404"/>
+              </a:rPr>
+              <a:t>, </a:t>
+            </a:r>
+            <a:r>
+              <a:rPr lang="en-GB" sz="1150">
+                <a:solidFill>
+                  <a:srgbClr val="FF0000"/>
+                </a:solidFill>
+                <a:highlight>
+                  <a:srgbClr val="FFFFFF"/>
+                </a:highlight>
+                <a:latin typeface="Courier New" panose="02070309020205020404"/>
+                <a:ea typeface="Courier New" panose="02070309020205020404"/>
+                <a:cs typeface="Courier New" panose="02070309020205020404"/>
+                <a:sym typeface="Courier New" panose="02070309020205020404"/>
+              </a:rPr>
+              <a:t>2</a:t>
+            </a:r>
+            <a:r>
+              <a:rPr lang="en-GB" sz="1150">
+                <a:solidFill>
+                  <a:schemeClr val="dk1"/>
+                </a:solidFill>
+                <a:highlight>
+                  <a:srgbClr val="FFFFFF"/>
+                </a:highlight>
+                <a:latin typeface="Courier New" panose="02070309020205020404"/>
+                <a:ea typeface="Courier New" panose="02070309020205020404"/>
+                <a:cs typeface="Courier New" panose="02070309020205020404"/>
+                <a:sym typeface="Courier New" panose="02070309020205020404"/>
+              </a:rPr>
+              <a:t>, </a:t>
+            </a:r>
+            <a:r>
+              <a:rPr lang="en-GB" sz="1150">
+                <a:solidFill>
+                  <a:srgbClr val="FF0000"/>
+                </a:solidFill>
+                <a:highlight>
+                  <a:srgbClr val="FFFFFF"/>
+                </a:highlight>
+                <a:latin typeface="Courier New" panose="02070309020205020404"/>
+                <a:ea typeface="Courier New" panose="02070309020205020404"/>
+                <a:cs typeface="Courier New" panose="02070309020205020404"/>
+                <a:sym typeface="Courier New" panose="02070309020205020404"/>
+              </a:rPr>
+              <a:t>3</a:t>
+            </a:r>
+            <a:r>
+              <a:rPr lang="en-GB" sz="1150">
+                <a:solidFill>
+                  <a:schemeClr val="dk1"/>
+                </a:solidFill>
+                <a:highlight>
+                  <a:srgbClr val="FFFFFF"/>
+                </a:highlight>
+                <a:latin typeface="Courier New" panose="02070309020205020404"/>
+                <a:ea typeface="Courier New" panose="02070309020205020404"/>
+                <a:cs typeface="Courier New" panose="02070309020205020404"/>
+                <a:sym typeface="Courier New" panose="02070309020205020404"/>
+              </a:rPr>
+              <a:t>, </a:t>
+            </a:r>
+            <a:r>
+              <a:rPr lang="en-GB" sz="1150">
+                <a:solidFill>
+                  <a:srgbClr val="FF0000"/>
+                </a:solidFill>
+                <a:highlight>
+                  <a:srgbClr val="FFFFFF"/>
+                </a:highlight>
+                <a:latin typeface="Courier New" panose="02070309020205020404"/>
+                <a:ea typeface="Courier New" panose="02070309020205020404"/>
+                <a:cs typeface="Courier New" panose="02070309020205020404"/>
+                <a:sym typeface="Courier New" panose="02070309020205020404"/>
+              </a:rPr>
+              <a:t>4</a:t>
+            </a:r>
+            <a:r>
+              <a:rPr lang="en-GB" sz="1150">
+                <a:solidFill>
+                  <a:schemeClr val="dk1"/>
+                </a:solidFill>
+                <a:highlight>
+                  <a:srgbClr val="FFFFFF"/>
+                </a:highlight>
+                <a:latin typeface="Courier New" panose="02070309020205020404"/>
+                <a:ea typeface="Courier New" panose="02070309020205020404"/>
+                <a:cs typeface="Courier New" panose="02070309020205020404"/>
+                <a:sym typeface="Courier New" panose="02070309020205020404"/>
+              </a:rPr>
+              <a:t>, </a:t>
+            </a:r>
+            <a:r>
+              <a:rPr lang="en-GB" sz="1150">
+                <a:solidFill>
+                  <a:srgbClr val="FF0000"/>
+                </a:solidFill>
+                <a:highlight>
+                  <a:srgbClr val="FFFFFF"/>
+                </a:highlight>
+                <a:latin typeface="Courier New" panose="02070309020205020404"/>
+                <a:ea typeface="Courier New" panose="02070309020205020404"/>
+                <a:cs typeface="Courier New" panose="02070309020205020404"/>
+                <a:sym typeface="Courier New" panose="02070309020205020404"/>
+              </a:rPr>
+              <a:t>5</a:t>
+            </a:r>
+            <a:r>
+              <a:rPr lang="en-GB" sz="1150">
+                <a:solidFill>
+                  <a:schemeClr val="dk1"/>
+                </a:solidFill>
+                <a:highlight>
+                  <a:srgbClr val="FFFFFF"/>
+                </a:highlight>
+                <a:latin typeface="Courier New" panose="02070309020205020404"/>
+                <a:ea typeface="Courier New" panose="02070309020205020404"/>
+                <a:cs typeface="Courier New" panose="02070309020205020404"/>
+                <a:sym typeface="Courier New" panose="02070309020205020404"/>
+              </a:rPr>
+              <a:t>])</a:t>
+            </a:r>
+            <a:endParaRPr sz="1100">
+              <a:solidFill>
+                <a:schemeClr val="dk1"/>
+              </a:solidFill>
+            </a:endParaRPr>
+          </a:p>
+          <a:p>
+            <a:pPr marL="0" lvl="0" indent="0" algn="l" rtl="0">
+              <a:spcBef>
+                <a:spcPts val="1200"/>
+              </a:spcBef>
+              <a:spcAft>
+                <a:spcPts val="0"/>
+              </a:spcAft>
+              <a:buClr>
+                <a:schemeClr val="dk1"/>
+              </a:buClr>
+              <a:buSzPts val="1100"/>
+              <a:buFont typeface="Arial" panose="020B0604020202020204"/>
+              <a:buNone/>
+            </a:pPr>
+            <a:r>
+              <a:rPr lang="en-GB" sz="1150">
+                <a:solidFill>
+                  <a:srgbClr val="0000CD"/>
+                </a:solidFill>
+                <a:highlight>
+                  <a:srgbClr val="FFFFFF"/>
+                </a:highlight>
+                <a:latin typeface="Courier New" panose="02070309020205020404"/>
+                <a:ea typeface="Courier New" panose="02070309020205020404"/>
+                <a:cs typeface="Courier New" panose="02070309020205020404"/>
+                <a:sym typeface="Courier New" panose="02070309020205020404"/>
+              </a:rPr>
+              <a:t>print</a:t>
+            </a:r>
+            <a:r>
+              <a:rPr lang="en-GB" sz="1150">
+                <a:solidFill>
+                  <a:schemeClr val="dk1"/>
+                </a:solidFill>
+                <a:highlight>
+                  <a:srgbClr val="FFFFFF"/>
+                </a:highlight>
+                <a:latin typeface="Courier New" panose="02070309020205020404"/>
+                <a:ea typeface="Courier New" panose="02070309020205020404"/>
+                <a:cs typeface="Courier New" panose="02070309020205020404"/>
+                <a:sym typeface="Courier New" panose="02070309020205020404"/>
+              </a:rPr>
+              <a:t>(arr)</a:t>
+            </a:r>
+            <a:endParaRPr sz="1100">
+              <a:solidFill>
+                <a:schemeClr val="dk1"/>
+              </a:solidFill>
+            </a:endParaRPr>
+          </a:p>
+          <a:p>
+            <a:pPr marL="0" lvl="0" indent="0" algn="l" rtl="0">
+              <a:spcBef>
+                <a:spcPts val="1200"/>
+              </a:spcBef>
+              <a:spcAft>
+                <a:spcPts val="0"/>
+              </a:spcAft>
+              <a:buNone/>
+            </a:pPr>
+            <a:r>
+              <a:rPr lang="en-GB" sz="1150">
+                <a:solidFill>
+                  <a:srgbClr val="0000CD"/>
+                </a:solidFill>
+                <a:highlight>
+                  <a:srgbClr val="FFFFFF"/>
+                </a:highlight>
+                <a:latin typeface="Courier New" panose="02070309020205020404"/>
+                <a:ea typeface="Courier New" panose="02070309020205020404"/>
+                <a:cs typeface="Courier New" panose="02070309020205020404"/>
+                <a:sym typeface="Courier New" panose="02070309020205020404"/>
+              </a:rPr>
+              <a:t>print</a:t>
+            </a:r>
+            <a:r>
+              <a:rPr lang="en-GB" sz="1150">
+                <a:solidFill>
+                  <a:schemeClr val="dk1"/>
+                </a:solidFill>
+                <a:highlight>
+                  <a:srgbClr val="FFFFFF"/>
+                </a:highlight>
+                <a:latin typeface="Courier New" panose="02070309020205020404"/>
+                <a:ea typeface="Courier New" panose="02070309020205020404"/>
+                <a:cs typeface="Courier New" panose="02070309020205020404"/>
+                <a:sym typeface="Courier New" panose="02070309020205020404"/>
+              </a:rPr>
+              <a:t>(</a:t>
+            </a:r>
+            <a:r>
+              <a:rPr lang="en-GB" sz="1150">
+                <a:solidFill>
+                  <a:srgbClr val="0000CD"/>
+                </a:solidFill>
+                <a:highlight>
+                  <a:srgbClr val="FFFFFF"/>
+                </a:highlight>
+                <a:latin typeface="Courier New" panose="02070309020205020404"/>
+                <a:ea typeface="Courier New" panose="02070309020205020404"/>
+                <a:cs typeface="Courier New" panose="02070309020205020404"/>
+                <a:sym typeface="Courier New" panose="02070309020205020404"/>
+              </a:rPr>
+              <a:t>type</a:t>
+            </a:r>
+            <a:r>
+              <a:rPr lang="en-GB" sz="1150">
+                <a:solidFill>
+                  <a:schemeClr val="dk1"/>
+                </a:solidFill>
+                <a:highlight>
+                  <a:srgbClr val="FFFFFF"/>
+                </a:highlight>
+                <a:latin typeface="Courier New" panose="02070309020205020404"/>
+                <a:ea typeface="Courier New" panose="02070309020205020404"/>
+                <a:cs typeface="Courier New" panose="02070309020205020404"/>
+                <a:sym typeface="Courier New" panose="02070309020205020404"/>
+              </a:rPr>
+              <a:t>(arr))</a:t>
+            </a:r>
+            <a:endParaRPr sz="1150">
+              <a:solidFill>
+                <a:schemeClr val="dk1"/>
+              </a:solidFill>
+              <a:highlight>
+                <a:srgbClr val="FFFFFF"/>
+              </a:highlight>
+              <a:latin typeface="Courier New" panose="02070309020205020404"/>
+              <a:ea typeface="Courier New" panose="02070309020205020404"/>
+              <a:cs typeface="Courier New" panose="02070309020205020404"/>
+              <a:sym typeface="Courier New" panose="02070309020205020404"/>
+            </a:endParaRPr>
+          </a:p>
+          <a:p>
+            <a:pPr marL="0" lvl="0" indent="0" algn="l" rtl="0">
+              <a:spcBef>
+                <a:spcPts val="1200"/>
+              </a:spcBef>
+              <a:spcAft>
+                <a:spcPts val="0"/>
+              </a:spcAft>
+              <a:buNone/>
+            </a:pPr>
+            <a:r>
+              <a:rPr lang="en-GB" sz="1150">
+                <a:solidFill>
+                  <a:schemeClr val="dk1"/>
+                </a:solidFill>
+                <a:highlight>
+                  <a:srgbClr val="FFFFCC"/>
+                </a:highlight>
+                <a:latin typeface="Verdana" panose="020B0604030504040204"/>
+                <a:ea typeface="Verdana" panose="020B0604030504040204"/>
+                <a:cs typeface="Verdana" panose="020B0604030504040204"/>
+                <a:sym typeface="Verdana" panose="020B0604030504040204"/>
+              </a:rPr>
+              <a:t>type(): This built-in Python function tells us the type of the object passed to it. Like in above code it shows that </a:t>
+            </a:r>
+            <a:r>
+              <a:rPr lang="en-GB" sz="1200">
+                <a:solidFill>
+                  <a:srgbClr val="DC143C"/>
+                </a:solidFill>
+                <a:latin typeface="Courier New" panose="02070309020205020404"/>
+                <a:ea typeface="Courier New" panose="02070309020205020404"/>
+                <a:cs typeface="Courier New" panose="02070309020205020404"/>
+                <a:sym typeface="Courier New" panose="02070309020205020404"/>
+              </a:rPr>
+              <a:t>arr</a:t>
+            </a:r>
+            <a:r>
+              <a:rPr lang="en-GB" sz="1150">
+                <a:solidFill>
+                  <a:schemeClr val="dk1"/>
+                </a:solidFill>
+                <a:highlight>
+                  <a:srgbClr val="FFFFCC"/>
+                </a:highlight>
+                <a:latin typeface="Verdana" panose="020B0604030504040204"/>
+                <a:ea typeface="Verdana" panose="020B0604030504040204"/>
+                <a:cs typeface="Verdana" panose="020B0604030504040204"/>
+                <a:sym typeface="Verdana" panose="020B0604030504040204"/>
+              </a:rPr>
+              <a:t> is </a:t>
+            </a:r>
+            <a:r>
+              <a:rPr lang="en-GB" sz="1200">
+                <a:solidFill>
+                  <a:srgbClr val="DC143C"/>
+                </a:solidFill>
+                <a:latin typeface="Courier New" panose="02070309020205020404"/>
+                <a:ea typeface="Courier New" panose="02070309020205020404"/>
+                <a:cs typeface="Courier New" panose="02070309020205020404"/>
+                <a:sym typeface="Courier New" panose="02070309020205020404"/>
+              </a:rPr>
+              <a:t>numpy.ndarray</a:t>
+            </a:r>
+            <a:r>
+              <a:rPr lang="en-GB" sz="1150">
+                <a:solidFill>
+                  <a:schemeClr val="dk1"/>
+                </a:solidFill>
+                <a:highlight>
+                  <a:srgbClr val="FFFFCC"/>
+                </a:highlight>
+                <a:latin typeface="Verdana" panose="020B0604030504040204"/>
+                <a:ea typeface="Verdana" panose="020B0604030504040204"/>
+                <a:cs typeface="Verdana" panose="020B0604030504040204"/>
+                <a:sym typeface="Verdana" panose="020B0604030504040204"/>
+              </a:rPr>
+              <a:t> type.</a:t>
+            </a:r>
+            <a:endParaRPr sz="1150">
+              <a:solidFill>
+                <a:schemeClr val="dk1"/>
+              </a:solidFill>
+              <a:highlight>
+                <a:srgbClr val="FFFFCC"/>
+              </a:highlight>
+              <a:latin typeface="Verdana" panose="020B0604030504040204"/>
+              <a:ea typeface="Verdana" panose="020B0604030504040204"/>
+              <a:cs typeface="Verdana" panose="020B0604030504040204"/>
+              <a:sym typeface="Verdana" panose="020B0604030504040204"/>
+            </a:endParaRPr>
+          </a:p>
+          <a:p>
+            <a:pPr marL="0" lvl="0" indent="0" algn="l" rtl="0">
+              <a:spcBef>
+                <a:spcPts val="1200"/>
+              </a:spcBef>
+              <a:spcAft>
+                <a:spcPts val="1200"/>
+              </a:spcAft>
+              <a:buNone/>
+            </a:pPr>
+            <a:r>
+              <a:rPr lang="en-GB" sz="1150">
+                <a:solidFill>
+                  <a:schemeClr val="dk1"/>
+                </a:solidFill>
+                <a:highlight>
+                  <a:srgbClr val="FFFFFF"/>
+                </a:highlight>
+                <a:latin typeface="Verdana" panose="020B0604030504040204"/>
+                <a:ea typeface="Verdana" panose="020B0604030504040204"/>
+                <a:cs typeface="Verdana" panose="020B0604030504040204"/>
+                <a:sym typeface="Verdana" panose="020B0604030504040204"/>
+              </a:rPr>
+              <a:t>To create an </a:t>
+            </a:r>
+            <a:r>
+              <a:rPr lang="en-GB" sz="1200">
+                <a:solidFill>
+                  <a:srgbClr val="DC143C"/>
+                </a:solidFill>
+                <a:latin typeface="Courier New" panose="02070309020205020404"/>
+                <a:ea typeface="Courier New" panose="02070309020205020404"/>
+                <a:cs typeface="Courier New" panose="02070309020205020404"/>
+                <a:sym typeface="Courier New" panose="02070309020205020404"/>
+              </a:rPr>
+              <a:t>ndarray</a:t>
+            </a:r>
+            <a:r>
+              <a:rPr lang="en-GB" sz="1150">
+                <a:solidFill>
+                  <a:schemeClr val="dk1"/>
+                </a:solidFill>
+                <a:highlight>
+                  <a:srgbClr val="FFFFFF"/>
+                </a:highlight>
+                <a:latin typeface="Verdana" panose="020B0604030504040204"/>
+                <a:ea typeface="Verdana" panose="020B0604030504040204"/>
+                <a:cs typeface="Verdana" panose="020B0604030504040204"/>
+                <a:sym typeface="Verdana" panose="020B0604030504040204"/>
+              </a:rPr>
+              <a:t>, we can pass a list, tuple or any array-like object into the </a:t>
+            </a:r>
+            <a:r>
+              <a:rPr lang="en-GB" sz="1200">
+                <a:solidFill>
+                  <a:srgbClr val="DC143C"/>
+                </a:solidFill>
+                <a:latin typeface="Courier New" panose="02070309020205020404"/>
+                <a:ea typeface="Courier New" panose="02070309020205020404"/>
+                <a:cs typeface="Courier New" panose="02070309020205020404"/>
+                <a:sym typeface="Courier New" panose="02070309020205020404"/>
+              </a:rPr>
+              <a:t>array()</a:t>
+            </a:r>
+            <a:r>
+              <a:rPr lang="en-GB" sz="1150">
+                <a:solidFill>
+                  <a:schemeClr val="dk1"/>
+                </a:solidFill>
+                <a:highlight>
+                  <a:srgbClr val="FFFFFF"/>
+                </a:highlight>
+                <a:latin typeface="Verdana" panose="020B0604030504040204"/>
+                <a:ea typeface="Verdana" panose="020B0604030504040204"/>
+                <a:cs typeface="Verdana" panose="020B0604030504040204"/>
+                <a:sym typeface="Verdana" panose="020B0604030504040204"/>
+              </a:rPr>
+              <a:t> method, and it will be converted into an </a:t>
+            </a:r>
+            <a:r>
+              <a:rPr lang="en-GB" sz="1200">
+                <a:solidFill>
+                  <a:srgbClr val="DC143C"/>
+                </a:solidFill>
+                <a:latin typeface="Courier New" panose="02070309020205020404"/>
+                <a:ea typeface="Courier New" panose="02070309020205020404"/>
+                <a:cs typeface="Courier New" panose="02070309020205020404"/>
+                <a:sym typeface="Courier New" panose="02070309020205020404"/>
+              </a:rPr>
+              <a:t>ndarray</a:t>
+            </a:r>
+            <a:r>
+              <a:rPr lang="en-GB" sz="1150">
+                <a:solidFill>
+                  <a:schemeClr val="dk1"/>
+                </a:solidFill>
+                <a:highlight>
+                  <a:srgbClr val="FFFFFF"/>
+                </a:highlight>
+                <a:latin typeface="Verdana" panose="020B0604030504040204"/>
+                <a:ea typeface="Verdana" panose="020B0604030504040204"/>
+                <a:cs typeface="Verdana" panose="020B0604030504040204"/>
+                <a:sym typeface="Verdana" panose="020B0604030504040204"/>
+              </a:rPr>
+              <a:t>:</a:t>
+            </a:r>
+            <a:endParaRPr sz="1150">
+              <a:solidFill>
+                <a:schemeClr val="dk1"/>
+              </a:solidFill>
+              <a:highlight>
+                <a:srgbClr val="FFFFCC"/>
+              </a:highlight>
+              <a:latin typeface="Verdana" panose="020B0604030504040204"/>
+              <a:ea typeface="Verdana" panose="020B0604030504040204"/>
+              <a:cs typeface="Verdana" panose="020B0604030504040204"/>
+              <a:sym typeface="Verdana" panose="020B0604030504040204"/>
+            </a:endParaRPr>
+          </a:p>
+        </p:txBody>
+      </p:sp>
+    </p:spTree>
+  </p:cSld>
+  <p:clrMapOvr>
+    <a:masterClrMapping/>
+  </p:clrMapOvr>
+</p:sld>
+</file>
+
+<file path=ppt/slides/slide60.xml><?xml version="1.0" encoding="utf-8"?>
+<p:sld xmlns:a="http://schemas.openxmlformats.org/drawingml/2006/main" xmlns:r="http://schemas.openxmlformats.org/officeDocument/2006/relationships" xmlns:p="http://schemas.openxmlformats.org/presentationml/2006/main">
+  <p:cSld>
+    <p:spTree>
+      <p:nvGrpSpPr>
+        <p:cNvPr id="1" name=""/>
+        <p:cNvGrpSpPr/>
+        <p:nvPr/>
+      </p:nvGrpSpPr>
+      <p:grpSpPr/>
+      <p:pic>
+        <p:nvPicPr>
+          <p:cNvPr id="6" name="Picture 5" descr="Representation-of-digital-image-processing"/>
+          <p:cNvPicPr>
+            <a:picLocks noChangeAspect="1"/>
+          </p:cNvPicPr>
+          <p:nvPr/>
+        </p:nvPicPr>
+        <p:blipFill>
+          <a:blip r:embed="rId1"/>
+          <a:stretch>
+            <a:fillRect/>
+          </a:stretch>
+        </p:blipFill>
+        <p:spPr>
+          <a:xfrm>
+            <a:off x="311785" y="382905"/>
+            <a:ext cx="7401560" cy="3674745"/>
+          </a:xfrm>
+          <a:prstGeom prst="rect">
+            <a:avLst/>
+          </a:prstGeom>
+        </p:spPr>
+      </p:pic>
+    </p:spTree>
+  </p:cSld>
+  <p:clrMapOvr>
+    <a:masterClrMapping/>
+  </p:clrMapOvr>
+</p:sld>
+</file>
+
+<file path=ppt/slides/slide61.xml><?xml version="1.0" encoding="utf-8"?>
+<p:sld xmlns:a="http://schemas.openxmlformats.org/drawingml/2006/main" xmlns:r="http://schemas.openxmlformats.org/officeDocument/2006/relationships" xmlns:p="http://schemas.openxmlformats.org/presentationml/2006/main">
+  <p:cSld>
+    <p:spTree>
+      <p:nvGrpSpPr>
+        <p:cNvPr id="1" name=""/>
+        <p:cNvGrpSpPr/>
+        <p:nvPr/>
+      </p:nvGrpSpPr>
+      <p:grpSpPr/>
+      <p:pic>
+        <p:nvPicPr>
+          <p:cNvPr id="4" name="Picture 3"/>
+          <p:cNvPicPr/>
+          <p:nvPr/>
+        </p:nvPicPr>
+        <p:blipFill>
+          <a:blip r:embed="rId1"/>
+          <a:stretch>
+            <a:fillRect/>
+          </a:stretch>
+        </p:blipFill>
+        <p:spPr>
+          <a:xfrm>
             <a:off x="332740" y="934085"/>
             <a:ext cx="4319270" cy="3067050"/>
           </a:xfrm>
@@ -37097,911 +38080,7 @@
 </p:sld>
 </file>
 
-<file path=ppt/slides/slide6.xml><?xml version="1.0" encoding="utf-8"?>
-<p:sld xmlns:a="http://schemas.openxmlformats.org/drawingml/2006/main" xmlns:r="http://schemas.openxmlformats.org/officeDocument/2006/relationships" xmlns:p="http://schemas.openxmlformats.org/presentationml/2006/main">
-  <p:cSld>
-    <p:spTree>
-      <p:nvGrpSpPr>
-        <p:cNvPr id="82" name="Shape 82"/>
-        <p:cNvGrpSpPr/>
-        <p:nvPr/>
-      </p:nvGrpSpPr>
-      <p:grpSpPr>
-        <a:xfrm>
-          <a:off x="0" y="0"/>
-          <a:ext cx="0" cy="0"/>
-          <a:chOff x="0" y="0"/>
-          <a:chExt cx="0" cy="0"/>
-        </a:xfrm>
-      </p:grpSpPr>
-      <p:sp>
-        <p:nvSpPr>
-          <p:cNvPr id="83" name="Google Shape;83;p18"/>
-          <p:cNvSpPr txBox="1"/>
-          <p:nvPr>
-            <p:ph type="title"/>
-          </p:nvPr>
-        </p:nvSpPr>
-        <p:spPr>
-          <a:xfrm>
-            <a:off x="311700" y="445025"/>
-            <a:ext cx="8520600" cy="572700"/>
-          </a:xfrm>
-          <a:prstGeom prst="rect">
-            <a:avLst/>
-          </a:prstGeom>
-        </p:spPr>
-        <p:txBody>
-          <a:bodyPr spcFirstLastPara="1" wrap="square" lIns="91425" tIns="91425" rIns="91425" bIns="91425" anchor="t" anchorCtr="0">
-            <a:normAutofit fontScale="90000"/>
-          </a:bodyPr>
-          <a:lstStyle/>
-          <a:p>
-            <a:pPr marL="0" lvl="0" indent="0" algn="l" rtl="0">
-              <a:lnSpc>
-                <a:spcPct val="115000"/>
-              </a:lnSpc>
-              <a:spcBef>
-                <a:spcPts val="800"/>
-              </a:spcBef>
-              <a:spcAft>
-                <a:spcPts val="0"/>
-              </a:spcAft>
-              <a:buClr>
-                <a:schemeClr val="dk1"/>
-              </a:buClr>
-              <a:buSzPct val="46000"/>
-              <a:buFont typeface="Arial" panose="020B0604020202020204"/>
-              <a:buNone/>
-            </a:pPr>
-            <a:r>
-              <a:rPr lang="en-GB" sz="2400">
-                <a:highlight>
-                  <a:srgbClr val="FFFFFF"/>
-                </a:highlight>
-              </a:rPr>
-              <a:t>Create a NumPy ndarray Object</a:t>
-            </a:r>
-            <a:endParaRPr sz="2400">
-              <a:highlight>
-                <a:srgbClr val="FFFFFF"/>
-              </a:highlight>
-            </a:endParaRPr>
-          </a:p>
-          <a:p>
-            <a:pPr marL="0" lvl="0" indent="0" algn="l" rtl="0">
-              <a:spcBef>
-                <a:spcPts val="800"/>
-              </a:spcBef>
-              <a:spcAft>
-                <a:spcPts val="0"/>
-              </a:spcAft>
-              <a:buNone/>
-            </a:pPr>
-          </a:p>
-        </p:txBody>
-      </p:sp>
-      <p:sp>
-        <p:nvSpPr>
-          <p:cNvPr id="84" name="Google Shape;84;p18"/>
-          <p:cNvSpPr txBox="1"/>
-          <p:nvPr>
-            <p:ph type="body" idx="1"/>
-          </p:nvPr>
-        </p:nvSpPr>
-        <p:spPr>
-          <a:xfrm>
-            <a:off x="311700" y="1152475"/>
-            <a:ext cx="8520600" cy="3416400"/>
-          </a:xfrm>
-          <a:prstGeom prst="rect">
-            <a:avLst/>
-          </a:prstGeom>
-        </p:spPr>
-        <p:txBody>
-          <a:bodyPr spcFirstLastPara="1" wrap="square" lIns="91425" tIns="91425" rIns="91425" bIns="91425" anchor="t" anchorCtr="0">
-            <a:normAutofit/>
-          </a:bodyPr>
-          <a:lstStyle/>
-          <a:p>
-            <a:pPr marL="0" lvl="0" indent="0" algn="l" rtl="0">
-              <a:spcBef>
-                <a:spcPts val="1400"/>
-              </a:spcBef>
-              <a:spcAft>
-                <a:spcPts val="0"/>
-              </a:spcAft>
-              <a:buClr>
-                <a:schemeClr val="dk1"/>
-              </a:buClr>
-              <a:buSzPts val="1100"/>
-              <a:buFont typeface="Arial" panose="020B0604020202020204"/>
-              <a:buNone/>
-            </a:pPr>
-            <a:r>
-              <a:rPr lang="en-GB" sz="1150">
-                <a:solidFill>
-                  <a:schemeClr val="dk1"/>
-                </a:solidFill>
-                <a:highlight>
-                  <a:srgbClr val="FFFFFF"/>
-                </a:highlight>
-                <a:latin typeface="Verdana" panose="020B0604030504040204"/>
-                <a:ea typeface="Verdana" panose="020B0604030504040204"/>
-                <a:cs typeface="Verdana" panose="020B0604030504040204"/>
-                <a:sym typeface="Verdana" panose="020B0604030504040204"/>
-              </a:rPr>
-              <a:t>NumPy is used to work with arrays. The array object in NumPy is called </a:t>
-            </a:r>
-            <a:r>
-              <a:rPr lang="en-GB" sz="1200">
-                <a:solidFill>
-                  <a:srgbClr val="DC143C"/>
-                </a:solidFill>
-                <a:highlight>
-                  <a:srgbClr val="FFFFFF"/>
-                </a:highlight>
-                <a:latin typeface="Courier New" panose="02070309020205020404"/>
-                <a:ea typeface="Courier New" panose="02070309020205020404"/>
-                <a:cs typeface="Courier New" panose="02070309020205020404"/>
-                <a:sym typeface="Courier New" panose="02070309020205020404"/>
-              </a:rPr>
-              <a:t>ndarray</a:t>
-            </a:r>
-            <a:r>
-              <a:rPr lang="en-GB" sz="1150">
-                <a:solidFill>
-                  <a:schemeClr val="dk1"/>
-                </a:solidFill>
-                <a:highlight>
-                  <a:srgbClr val="FFFFFF"/>
-                </a:highlight>
-                <a:latin typeface="Verdana" panose="020B0604030504040204"/>
-                <a:ea typeface="Verdana" panose="020B0604030504040204"/>
-                <a:cs typeface="Verdana" panose="020B0604030504040204"/>
-                <a:sym typeface="Verdana" panose="020B0604030504040204"/>
-              </a:rPr>
-              <a:t>.</a:t>
-            </a:r>
-            <a:endParaRPr sz="1150">
-              <a:solidFill>
-                <a:schemeClr val="dk1"/>
-              </a:solidFill>
-              <a:highlight>
-                <a:srgbClr val="FFFFFF"/>
-              </a:highlight>
-              <a:latin typeface="Verdana" panose="020B0604030504040204"/>
-              <a:ea typeface="Verdana" panose="020B0604030504040204"/>
-              <a:cs typeface="Verdana" panose="020B0604030504040204"/>
-              <a:sym typeface="Verdana" panose="020B0604030504040204"/>
-            </a:endParaRPr>
-          </a:p>
-          <a:p>
-            <a:pPr marL="0" lvl="0" indent="0" algn="l" rtl="0">
-              <a:spcBef>
-                <a:spcPts val="1400"/>
-              </a:spcBef>
-              <a:spcAft>
-                <a:spcPts val="0"/>
-              </a:spcAft>
-              <a:buClr>
-                <a:schemeClr val="dk1"/>
-              </a:buClr>
-              <a:buSzPts val="1100"/>
-              <a:buFont typeface="Arial" panose="020B0604020202020204"/>
-              <a:buNone/>
-            </a:pPr>
-            <a:r>
-              <a:rPr lang="en-GB" sz="1150">
-                <a:solidFill>
-                  <a:schemeClr val="dk1"/>
-                </a:solidFill>
-                <a:highlight>
-                  <a:srgbClr val="FFFFFF"/>
-                </a:highlight>
-                <a:latin typeface="Verdana" panose="020B0604030504040204"/>
-                <a:ea typeface="Verdana" panose="020B0604030504040204"/>
-                <a:cs typeface="Verdana" panose="020B0604030504040204"/>
-                <a:sym typeface="Verdana" panose="020B0604030504040204"/>
-              </a:rPr>
-              <a:t>We can create a NumPy </a:t>
-            </a:r>
-            <a:r>
-              <a:rPr lang="en-GB" sz="1200">
-                <a:solidFill>
-                  <a:srgbClr val="DC143C"/>
-                </a:solidFill>
-                <a:highlight>
-                  <a:srgbClr val="FFFFFF"/>
-                </a:highlight>
-                <a:latin typeface="Courier New" panose="02070309020205020404"/>
-                <a:ea typeface="Courier New" panose="02070309020205020404"/>
-                <a:cs typeface="Courier New" panose="02070309020205020404"/>
-                <a:sym typeface="Courier New" panose="02070309020205020404"/>
-              </a:rPr>
-              <a:t>ndarray</a:t>
-            </a:r>
-            <a:r>
-              <a:rPr lang="en-GB" sz="1150">
-                <a:solidFill>
-                  <a:schemeClr val="dk1"/>
-                </a:solidFill>
-                <a:highlight>
-                  <a:srgbClr val="FFFFFF"/>
-                </a:highlight>
-                <a:latin typeface="Verdana" panose="020B0604030504040204"/>
-                <a:ea typeface="Verdana" panose="020B0604030504040204"/>
-                <a:cs typeface="Verdana" panose="020B0604030504040204"/>
-                <a:sym typeface="Verdana" panose="020B0604030504040204"/>
-              </a:rPr>
-              <a:t> object by using the </a:t>
-            </a:r>
-            <a:r>
-              <a:rPr lang="en-GB" sz="1200">
-                <a:solidFill>
-                  <a:srgbClr val="DC143C"/>
-                </a:solidFill>
-                <a:highlight>
-                  <a:srgbClr val="FFFFFF"/>
-                </a:highlight>
-                <a:latin typeface="Courier New" panose="02070309020205020404"/>
-                <a:ea typeface="Courier New" panose="02070309020205020404"/>
-                <a:cs typeface="Courier New" panose="02070309020205020404"/>
-                <a:sym typeface="Courier New" panose="02070309020205020404"/>
-              </a:rPr>
-              <a:t>array()</a:t>
-            </a:r>
-            <a:r>
-              <a:rPr lang="en-GB" sz="1150">
-                <a:solidFill>
-                  <a:schemeClr val="dk1"/>
-                </a:solidFill>
-                <a:highlight>
-                  <a:srgbClr val="FFFFFF"/>
-                </a:highlight>
-                <a:latin typeface="Verdana" panose="020B0604030504040204"/>
-                <a:ea typeface="Verdana" panose="020B0604030504040204"/>
-                <a:cs typeface="Verdana" panose="020B0604030504040204"/>
-                <a:sym typeface="Verdana" panose="020B0604030504040204"/>
-              </a:rPr>
-              <a:t> function.</a:t>
-            </a:r>
-            <a:endParaRPr sz="1150">
-              <a:solidFill>
-                <a:schemeClr val="dk1"/>
-              </a:solidFill>
-              <a:highlight>
-                <a:srgbClr val="FFFFFF"/>
-              </a:highlight>
-              <a:latin typeface="Verdana" panose="020B0604030504040204"/>
-              <a:ea typeface="Verdana" panose="020B0604030504040204"/>
-              <a:cs typeface="Verdana" panose="020B0604030504040204"/>
-              <a:sym typeface="Verdana" panose="020B0604030504040204"/>
-            </a:endParaRPr>
-          </a:p>
-          <a:p>
-            <a:pPr marL="0" lvl="0" indent="0" algn="l" rtl="0">
-              <a:spcBef>
-                <a:spcPts val="1400"/>
-              </a:spcBef>
-              <a:spcAft>
-                <a:spcPts val="0"/>
-              </a:spcAft>
-              <a:buClr>
-                <a:schemeClr val="dk1"/>
-              </a:buClr>
-              <a:buSzPts val="1100"/>
-              <a:buFont typeface="Arial" panose="020B0604020202020204"/>
-              <a:buNone/>
-            </a:pPr>
-            <a:r>
-              <a:rPr lang="en-GB" sz="1150">
-                <a:solidFill>
-                  <a:srgbClr val="0000CD"/>
-                </a:solidFill>
-                <a:highlight>
-                  <a:srgbClr val="FFFFFF"/>
-                </a:highlight>
-                <a:latin typeface="Courier New" panose="02070309020205020404"/>
-                <a:ea typeface="Courier New" panose="02070309020205020404"/>
-                <a:cs typeface="Courier New" panose="02070309020205020404"/>
-                <a:sym typeface="Courier New" panose="02070309020205020404"/>
-              </a:rPr>
-              <a:t>import</a:t>
-            </a:r>
-            <a:r>
-              <a:rPr lang="en-GB" sz="1150">
-                <a:solidFill>
-                  <a:schemeClr val="dk1"/>
-                </a:solidFill>
-                <a:highlight>
-                  <a:srgbClr val="FFFFFF"/>
-                </a:highlight>
-                <a:latin typeface="Courier New" panose="02070309020205020404"/>
-                <a:ea typeface="Courier New" panose="02070309020205020404"/>
-                <a:cs typeface="Courier New" panose="02070309020205020404"/>
-                <a:sym typeface="Courier New" panose="02070309020205020404"/>
-              </a:rPr>
-              <a:t> numpy </a:t>
-            </a:r>
-            <a:r>
-              <a:rPr lang="en-GB" sz="1150">
-                <a:solidFill>
-                  <a:srgbClr val="0000CD"/>
-                </a:solidFill>
-                <a:highlight>
-                  <a:srgbClr val="FFFFFF"/>
-                </a:highlight>
-                <a:latin typeface="Courier New" panose="02070309020205020404"/>
-                <a:ea typeface="Courier New" panose="02070309020205020404"/>
-                <a:cs typeface="Courier New" panose="02070309020205020404"/>
-                <a:sym typeface="Courier New" panose="02070309020205020404"/>
-              </a:rPr>
-              <a:t>as</a:t>
-            </a:r>
-            <a:r>
-              <a:rPr lang="en-GB" sz="1150">
-                <a:solidFill>
-                  <a:schemeClr val="dk1"/>
-                </a:solidFill>
-                <a:highlight>
-                  <a:srgbClr val="FFFFFF"/>
-                </a:highlight>
-                <a:latin typeface="Courier New" panose="02070309020205020404"/>
-                <a:ea typeface="Courier New" panose="02070309020205020404"/>
-                <a:cs typeface="Courier New" panose="02070309020205020404"/>
-                <a:sym typeface="Courier New" panose="02070309020205020404"/>
-              </a:rPr>
-              <a:t> np</a:t>
-            </a:r>
-            <a:endParaRPr sz="1100">
-              <a:solidFill>
-                <a:schemeClr val="dk1"/>
-              </a:solidFill>
-            </a:endParaRPr>
-          </a:p>
-          <a:p>
-            <a:pPr marL="0" lvl="0" indent="0" algn="l" rtl="0">
-              <a:spcBef>
-                <a:spcPts val="1200"/>
-              </a:spcBef>
-              <a:spcAft>
-                <a:spcPts val="0"/>
-              </a:spcAft>
-              <a:buClr>
-                <a:schemeClr val="dk1"/>
-              </a:buClr>
-              <a:buSzPts val="1100"/>
-              <a:buFont typeface="Arial" panose="020B0604020202020204"/>
-              <a:buNone/>
-            </a:pPr>
-            <a:r>
-              <a:rPr lang="en-GB" sz="1150">
-                <a:solidFill>
-                  <a:schemeClr val="dk1"/>
-                </a:solidFill>
-                <a:highlight>
-                  <a:srgbClr val="FFFFFF"/>
-                </a:highlight>
-                <a:latin typeface="Courier New" panose="02070309020205020404"/>
-                <a:ea typeface="Courier New" panose="02070309020205020404"/>
-                <a:cs typeface="Courier New" panose="02070309020205020404"/>
-                <a:sym typeface="Courier New" panose="02070309020205020404"/>
-              </a:rPr>
-              <a:t>arr = np.array([</a:t>
-            </a:r>
-            <a:r>
-              <a:rPr lang="en-GB" sz="1150">
-                <a:solidFill>
-                  <a:srgbClr val="FF0000"/>
-                </a:solidFill>
-                <a:highlight>
-                  <a:srgbClr val="FFFFFF"/>
-                </a:highlight>
-                <a:latin typeface="Courier New" panose="02070309020205020404"/>
-                <a:ea typeface="Courier New" panose="02070309020205020404"/>
-                <a:cs typeface="Courier New" panose="02070309020205020404"/>
-                <a:sym typeface="Courier New" panose="02070309020205020404"/>
-              </a:rPr>
-              <a:t>1</a:t>
-            </a:r>
-            <a:r>
-              <a:rPr lang="en-GB" sz="1150">
-                <a:solidFill>
-                  <a:schemeClr val="dk1"/>
-                </a:solidFill>
-                <a:highlight>
-                  <a:srgbClr val="FFFFFF"/>
-                </a:highlight>
-                <a:latin typeface="Courier New" panose="02070309020205020404"/>
-                <a:ea typeface="Courier New" panose="02070309020205020404"/>
-                <a:cs typeface="Courier New" panose="02070309020205020404"/>
-                <a:sym typeface="Courier New" panose="02070309020205020404"/>
-              </a:rPr>
-              <a:t>, </a:t>
-            </a:r>
-            <a:r>
-              <a:rPr lang="en-GB" sz="1150">
-                <a:solidFill>
-                  <a:srgbClr val="FF0000"/>
-                </a:solidFill>
-                <a:highlight>
-                  <a:srgbClr val="FFFFFF"/>
-                </a:highlight>
-                <a:latin typeface="Courier New" panose="02070309020205020404"/>
-                <a:ea typeface="Courier New" panose="02070309020205020404"/>
-                <a:cs typeface="Courier New" panose="02070309020205020404"/>
-                <a:sym typeface="Courier New" panose="02070309020205020404"/>
-              </a:rPr>
-              <a:t>2</a:t>
-            </a:r>
-            <a:r>
-              <a:rPr lang="en-GB" sz="1150">
-                <a:solidFill>
-                  <a:schemeClr val="dk1"/>
-                </a:solidFill>
-                <a:highlight>
-                  <a:srgbClr val="FFFFFF"/>
-                </a:highlight>
-                <a:latin typeface="Courier New" panose="02070309020205020404"/>
-                <a:ea typeface="Courier New" panose="02070309020205020404"/>
-                <a:cs typeface="Courier New" panose="02070309020205020404"/>
-                <a:sym typeface="Courier New" panose="02070309020205020404"/>
-              </a:rPr>
-              <a:t>, </a:t>
-            </a:r>
-            <a:r>
-              <a:rPr lang="en-GB" sz="1150">
-                <a:solidFill>
-                  <a:srgbClr val="FF0000"/>
-                </a:solidFill>
-                <a:highlight>
-                  <a:srgbClr val="FFFFFF"/>
-                </a:highlight>
-                <a:latin typeface="Courier New" panose="02070309020205020404"/>
-                <a:ea typeface="Courier New" panose="02070309020205020404"/>
-                <a:cs typeface="Courier New" panose="02070309020205020404"/>
-                <a:sym typeface="Courier New" panose="02070309020205020404"/>
-              </a:rPr>
-              <a:t>3</a:t>
-            </a:r>
-            <a:r>
-              <a:rPr lang="en-GB" sz="1150">
-                <a:solidFill>
-                  <a:schemeClr val="dk1"/>
-                </a:solidFill>
-                <a:highlight>
-                  <a:srgbClr val="FFFFFF"/>
-                </a:highlight>
-                <a:latin typeface="Courier New" panose="02070309020205020404"/>
-                <a:ea typeface="Courier New" panose="02070309020205020404"/>
-                <a:cs typeface="Courier New" panose="02070309020205020404"/>
-                <a:sym typeface="Courier New" panose="02070309020205020404"/>
-              </a:rPr>
-              <a:t>, </a:t>
-            </a:r>
-            <a:r>
-              <a:rPr lang="en-GB" sz="1150">
-                <a:solidFill>
-                  <a:srgbClr val="FF0000"/>
-                </a:solidFill>
-                <a:highlight>
-                  <a:srgbClr val="FFFFFF"/>
-                </a:highlight>
-                <a:latin typeface="Courier New" panose="02070309020205020404"/>
-                <a:ea typeface="Courier New" panose="02070309020205020404"/>
-                <a:cs typeface="Courier New" panose="02070309020205020404"/>
-                <a:sym typeface="Courier New" panose="02070309020205020404"/>
-              </a:rPr>
-              <a:t>4</a:t>
-            </a:r>
-            <a:r>
-              <a:rPr lang="en-GB" sz="1150">
-                <a:solidFill>
-                  <a:schemeClr val="dk1"/>
-                </a:solidFill>
-                <a:highlight>
-                  <a:srgbClr val="FFFFFF"/>
-                </a:highlight>
-                <a:latin typeface="Courier New" panose="02070309020205020404"/>
-                <a:ea typeface="Courier New" panose="02070309020205020404"/>
-                <a:cs typeface="Courier New" panose="02070309020205020404"/>
-                <a:sym typeface="Courier New" panose="02070309020205020404"/>
-              </a:rPr>
-              <a:t>, </a:t>
-            </a:r>
-            <a:r>
-              <a:rPr lang="en-GB" sz="1150">
-                <a:solidFill>
-                  <a:srgbClr val="FF0000"/>
-                </a:solidFill>
-                <a:highlight>
-                  <a:srgbClr val="FFFFFF"/>
-                </a:highlight>
-                <a:latin typeface="Courier New" panose="02070309020205020404"/>
-                <a:ea typeface="Courier New" panose="02070309020205020404"/>
-                <a:cs typeface="Courier New" panose="02070309020205020404"/>
-                <a:sym typeface="Courier New" panose="02070309020205020404"/>
-              </a:rPr>
-              <a:t>5</a:t>
-            </a:r>
-            <a:r>
-              <a:rPr lang="en-GB" sz="1150">
-                <a:solidFill>
-                  <a:schemeClr val="dk1"/>
-                </a:solidFill>
-                <a:highlight>
-                  <a:srgbClr val="FFFFFF"/>
-                </a:highlight>
-                <a:latin typeface="Courier New" panose="02070309020205020404"/>
-                <a:ea typeface="Courier New" panose="02070309020205020404"/>
-                <a:cs typeface="Courier New" panose="02070309020205020404"/>
-                <a:sym typeface="Courier New" panose="02070309020205020404"/>
-              </a:rPr>
-              <a:t>])</a:t>
-            </a:r>
-            <a:endParaRPr sz="1100">
-              <a:solidFill>
-                <a:schemeClr val="dk1"/>
-              </a:solidFill>
-            </a:endParaRPr>
-          </a:p>
-          <a:p>
-            <a:pPr marL="0" lvl="0" indent="0" algn="l" rtl="0">
-              <a:spcBef>
-                <a:spcPts val="1200"/>
-              </a:spcBef>
-              <a:spcAft>
-                <a:spcPts val="0"/>
-              </a:spcAft>
-              <a:buClr>
-                <a:schemeClr val="dk1"/>
-              </a:buClr>
-              <a:buSzPts val="1100"/>
-              <a:buFont typeface="Arial" panose="020B0604020202020204"/>
-              <a:buNone/>
-            </a:pPr>
-            <a:r>
-              <a:rPr lang="en-GB" sz="1150">
-                <a:solidFill>
-                  <a:srgbClr val="0000CD"/>
-                </a:solidFill>
-                <a:highlight>
-                  <a:srgbClr val="FFFFFF"/>
-                </a:highlight>
-                <a:latin typeface="Courier New" panose="02070309020205020404"/>
-                <a:ea typeface="Courier New" panose="02070309020205020404"/>
-                <a:cs typeface="Courier New" panose="02070309020205020404"/>
-                <a:sym typeface="Courier New" panose="02070309020205020404"/>
-              </a:rPr>
-              <a:t>print</a:t>
-            </a:r>
-            <a:r>
-              <a:rPr lang="en-GB" sz="1150">
-                <a:solidFill>
-                  <a:schemeClr val="dk1"/>
-                </a:solidFill>
-                <a:highlight>
-                  <a:srgbClr val="FFFFFF"/>
-                </a:highlight>
-                <a:latin typeface="Courier New" panose="02070309020205020404"/>
-                <a:ea typeface="Courier New" panose="02070309020205020404"/>
-                <a:cs typeface="Courier New" panose="02070309020205020404"/>
-                <a:sym typeface="Courier New" panose="02070309020205020404"/>
-              </a:rPr>
-              <a:t>(arr)</a:t>
-            </a:r>
-            <a:endParaRPr sz="1100">
-              <a:solidFill>
-                <a:schemeClr val="dk1"/>
-              </a:solidFill>
-            </a:endParaRPr>
-          </a:p>
-          <a:p>
-            <a:pPr marL="0" lvl="0" indent="0" algn="l" rtl="0">
-              <a:spcBef>
-                <a:spcPts val="1200"/>
-              </a:spcBef>
-              <a:spcAft>
-                <a:spcPts val="0"/>
-              </a:spcAft>
-              <a:buNone/>
-            </a:pPr>
-            <a:r>
-              <a:rPr lang="en-GB" sz="1150">
-                <a:solidFill>
-                  <a:srgbClr val="0000CD"/>
-                </a:solidFill>
-                <a:highlight>
-                  <a:srgbClr val="FFFFFF"/>
-                </a:highlight>
-                <a:latin typeface="Courier New" panose="02070309020205020404"/>
-                <a:ea typeface="Courier New" panose="02070309020205020404"/>
-                <a:cs typeface="Courier New" panose="02070309020205020404"/>
-                <a:sym typeface="Courier New" panose="02070309020205020404"/>
-              </a:rPr>
-              <a:t>print</a:t>
-            </a:r>
-            <a:r>
-              <a:rPr lang="en-GB" sz="1150">
-                <a:solidFill>
-                  <a:schemeClr val="dk1"/>
-                </a:solidFill>
-                <a:highlight>
-                  <a:srgbClr val="FFFFFF"/>
-                </a:highlight>
-                <a:latin typeface="Courier New" panose="02070309020205020404"/>
-                <a:ea typeface="Courier New" panose="02070309020205020404"/>
-                <a:cs typeface="Courier New" panose="02070309020205020404"/>
-                <a:sym typeface="Courier New" panose="02070309020205020404"/>
-              </a:rPr>
-              <a:t>(</a:t>
-            </a:r>
-            <a:r>
-              <a:rPr lang="en-GB" sz="1150">
-                <a:solidFill>
-                  <a:srgbClr val="0000CD"/>
-                </a:solidFill>
-                <a:highlight>
-                  <a:srgbClr val="FFFFFF"/>
-                </a:highlight>
-                <a:latin typeface="Courier New" panose="02070309020205020404"/>
-                <a:ea typeface="Courier New" panose="02070309020205020404"/>
-                <a:cs typeface="Courier New" panose="02070309020205020404"/>
-                <a:sym typeface="Courier New" panose="02070309020205020404"/>
-              </a:rPr>
-              <a:t>type</a:t>
-            </a:r>
-            <a:r>
-              <a:rPr lang="en-GB" sz="1150">
-                <a:solidFill>
-                  <a:schemeClr val="dk1"/>
-                </a:solidFill>
-                <a:highlight>
-                  <a:srgbClr val="FFFFFF"/>
-                </a:highlight>
-                <a:latin typeface="Courier New" panose="02070309020205020404"/>
-                <a:ea typeface="Courier New" panose="02070309020205020404"/>
-                <a:cs typeface="Courier New" panose="02070309020205020404"/>
-                <a:sym typeface="Courier New" panose="02070309020205020404"/>
-              </a:rPr>
-              <a:t>(arr))</a:t>
-            </a:r>
-            <a:endParaRPr sz="1150">
-              <a:solidFill>
-                <a:schemeClr val="dk1"/>
-              </a:solidFill>
-              <a:highlight>
-                <a:srgbClr val="FFFFFF"/>
-              </a:highlight>
-              <a:latin typeface="Courier New" panose="02070309020205020404"/>
-              <a:ea typeface="Courier New" panose="02070309020205020404"/>
-              <a:cs typeface="Courier New" panose="02070309020205020404"/>
-              <a:sym typeface="Courier New" panose="02070309020205020404"/>
-            </a:endParaRPr>
-          </a:p>
-          <a:p>
-            <a:pPr marL="0" lvl="0" indent="0" algn="l" rtl="0">
-              <a:spcBef>
-                <a:spcPts val="1200"/>
-              </a:spcBef>
-              <a:spcAft>
-                <a:spcPts val="0"/>
-              </a:spcAft>
-              <a:buNone/>
-            </a:pPr>
-            <a:r>
-              <a:rPr lang="en-GB" sz="1150">
-                <a:solidFill>
-                  <a:schemeClr val="dk1"/>
-                </a:solidFill>
-                <a:highlight>
-                  <a:srgbClr val="FFFFCC"/>
-                </a:highlight>
-                <a:latin typeface="Verdana" panose="020B0604030504040204"/>
-                <a:ea typeface="Verdana" panose="020B0604030504040204"/>
-                <a:cs typeface="Verdana" panose="020B0604030504040204"/>
-                <a:sym typeface="Verdana" panose="020B0604030504040204"/>
-              </a:rPr>
-              <a:t>type(): This built-in Python function tells us the type of the object passed to it. Like in above code it shows that </a:t>
-            </a:r>
-            <a:r>
-              <a:rPr lang="en-GB" sz="1200">
-                <a:solidFill>
-                  <a:srgbClr val="DC143C"/>
-                </a:solidFill>
-                <a:latin typeface="Courier New" panose="02070309020205020404"/>
-                <a:ea typeface="Courier New" panose="02070309020205020404"/>
-                <a:cs typeface="Courier New" panose="02070309020205020404"/>
-                <a:sym typeface="Courier New" panose="02070309020205020404"/>
-              </a:rPr>
-              <a:t>arr</a:t>
-            </a:r>
-            <a:r>
-              <a:rPr lang="en-GB" sz="1150">
-                <a:solidFill>
-                  <a:schemeClr val="dk1"/>
-                </a:solidFill>
-                <a:highlight>
-                  <a:srgbClr val="FFFFCC"/>
-                </a:highlight>
-                <a:latin typeface="Verdana" panose="020B0604030504040204"/>
-                <a:ea typeface="Verdana" panose="020B0604030504040204"/>
-                <a:cs typeface="Verdana" panose="020B0604030504040204"/>
-                <a:sym typeface="Verdana" panose="020B0604030504040204"/>
-              </a:rPr>
-              <a:t> is </a:t>
-            </a:r>
-            <a:r>
-              <a:rPr lang="en-GB" sz="1200">
-                <a:solidFill>
-                  <a:srgbClr val="DC143C"/>
-                </a:solidFill>
-                <a:latin typeface="Courier New" panose="02070309020205020404"/>
-                <a:ea typeface="Courier New" panose="02070309020205020404"/>
-                <a:cs typeface="Courier New" panose="02070309020205020404"/>
-                <a:sym typeface="Courier New" panose="02070309020205020404"/>
-              </a:rPr>
-              <a:t>numpy.ndarray</a:t>
-            </a:r>
-            <a:r>
-              <a:rPr lang="en-GB" sz="1150">
-                <a:solidFill>
-                  <a:schemeClr val="dk1"/>
-                </a:solidFill>
-                <a:highlight>
-                  <a:srgbClr val="FFFFCC"/>
-                </a:highlight>
-                <a:latin typeface="Verdana" panose="020B0604030504040204"/>
-                <a:ea typeface="Verdana" panose="020B0604030504040204"/>
-                <a:cs typeface="Verdana" panose="020B0604030504040204"/>
-                <a:sym typeface="Verdana" panose="020B0604030504040204"/>
-              </a:rPr>
-              <a:t> type.</a:t>
-            </a:r>
-            <a:endParaRPr sz="1150">
-              <a:solidFill>
-                <a:schemeClr val="dk1"/>
-              </a:solidFill>
-              <a:highlight>
-                <a:srgbClr val="FFFFCC"/>
-              </a:highlight>
-              <a:latin typeface="Verdana" panose="020B0604030504040204"/>
-              <a:ea typeface="Verdana" panose="020B0604030504040204"/>
-              <a:cs typeface="Verdana" panose="020B0604030504040204"/>
-              <a:sym typeface="Verdana" panose="020B0604030504040204"/>
-            </a:endParaRPr>
-          </a:p>
-          <a:p>
-            <a:pPr marL="0" lvl="0" indent="0" algn="l" rtl="0">
-              <a:spcBef>
-                <a:spcPts val="1200"/>
-              </a:spcBef>
-              <a:spcAft>
-                <a:spcPts val="1200"/>
-              </a:spcAft>
-              <a:buNone/>
-            </a:pPr>
-            <a:r>
-              <a:rPr lang="en-GB" sz="1150">
-                <a:solidFill>
-                  <a:schemeClr val="dk1"/>
-                </a:solidFill>
-                <a:highlight>
-                  <a:srgbClr val="FFFFFF"/>
-                </a:highlight>
-                <a:latin typeface="Verdana" panose="020B0604030504040204"/>
-                <a:ea typeface="Verdana" panose="020B0604030504040204"/>
-                <a:cs typeface="Verdana" panose="020B0604030504040204"/>
-                <a:sym typeface="Verdana" panose="020B0604030504040204"/>
-              </a:rPr>
-              <a:t>To create an </a:t>
-            </a:r>
-            <a:r>
-              <a:rPr lang="en-GB" sz="1200">
-                <a:solidFill>
-                  <a:srgbClr val="DC143C"/>
-                </a:solidFill>
-                <a:latin typeface="Courier New" panose="02070309020205020404"/>
-                <a:ea typeface="Courier New" panose="02070309020205020404"/>
-                <a:cs typeface="Courier New" panose="02070309020205020404"/>
-                <a:sym typeface="Courier New" panose="02070309020205020404"/>
-              </a:rPr>
-              <a:t>ndarray</a:t>
-            </a:r>
-            <a:r>
-              <a:rPr lang="en-GB" sz="1150">
-                <a:solidFill>
-                  <a:schemeClr val="dk1"/>
-                </a:solidFill>
-                <a:highlight>
-                  <a:srgbClr val="FFFFFF"/>
-                </a:highlight>
-                <a:latin typeface="Verdana" panose="020B0604030504040204"/>
-                <a:ea typeface="Verdana" panose="020B0604030504040204"/>
-                <a:cs typeface="Verdana" panose="020B0604030504040204"/>
-                <a:sym typeface="Verdana" panose="020B0604030504040204"/>
-              </a:rPr>
-              <a:t>, we can pass a list, tuple or any array-like object into the </a:t>
-            </a:r>
-            <a:r>
-              <a:rPr lang="en-GB" sz="1200">
-                <a:solidFill>
-                  <a:srgbClr val="DC143C"/>
-                </a:solidFill>
-                <a:latin typeface="Courier New" panose="02070309020205020404"/>
-                <a:ea typeface="Courier New" panose="02070309020205020404"/>
-                <a:cs typeface="Courier New" panose="02070309020205020404"/>
-                <a:sym typeface="Courier New" panose="02070309020205020404"/>
-              </a:rPr>
-              <a:t>array()</a:t>
-            </a:r>
-            <a:r>
-              <a:rPr lang="en-GB" sz="1150">
-                <a:solidFill>
-                  <a:schemeClr val="dk1"/>
-                </a:solidFill>
-                <a:highlight>
-                  <a:srgbClr val="FFFFFF"/>
-                </a:highlight>
-                <a:latin typeface="Verdana" panose="020B0604030504040204"/>
-                <a:ea typeface="Verdana" panose="020B0604030504040204"/>
-                <a:cs typeface="Verdana" panose="020B0604030504040204"/>
-                <a:sym typeface="Verdana" panose="020B0604030504040204"/>
-              </a:rPr>
-              <a:t> method, and it will be converted into an </a:t>
-            </a:r>
-            <a:r>
-              <a:rPr lang="en-GB" sz="1200">
-                <a:solidFill>
-                  <a:srgbClr val="DC143C"/>
-                </a:solidFill>
-                <a:latin typeface="Courier New" panose="02070309020205020404"/>
-                <a:ea typeface="Courier New" panose="02070309020205020404"/>
-                <a:cs typeface="Courier New" panose="02070309020205020404"/>
-                <a:sym typeface="Courier New" panose="02070309020205020404"/>
-              </a:rPr>
-              <a:t>ndarray</a:t>
-            </a:r>
-            <a:r>
-              <a:rPr lang="en-GB" sz="1150">
-                <a:solidFill>
-                  <a:schemeClr val="dk1"/>
-                </a:solidFill>
-                <a:highlight>
-                  <a:srgbClr val="FFFFFF"/>
-                </a:highlight>
-                <a:latin typeface="Verdana" panose="020B0604030504040204"/>
-                <a:ea typeface="Verdana" panose="020B0604030504040204"/>
-                <a:cs typeface="Verdana" panose="020B0604030504040204"/>
-                <a:sym typeface="Verdana" panose="020B0604030504040204"/>
-              </a:rPr>
-              <a:t>:</a:t>
-            </a:r>
-            <a:endParaRPr sz="1150">
-              <a:solidFill>
-                <a:schemeClr val="dk1"/>
-              </a:solidFill>
-              <a:highlight>
-                <a:srgbClr val="FFFFCC"/>
-              </a:highlight>
-              <a:latin typeface="Verdana" panose="020B0604030504040204"/>
-              <a:ea typeface="Verdana" panose="020B0604030504040204"/>
-              <a:cs typeface="Verdana" panose="020B0604030504040204"/>
-              <a:sym typeface="Verdana" panose="020B0604030504040204"/>
-            </a:endParaRPr>
-          </a:p>
-        </p:txBody>
-      </p:sp>
-    </p:spTree>
-  </p:cSld>
-  <p:clrMapOvr>
-    <a:masterClrMapping/>
-  </p:clrMapOvr>
-</p:sld>
-</file>
-
-<file path=ppt/slides/slide60.xml><?xml version="1.0" encoding="utf-8"?>
+<file path=ppt/slides/slide62.xml><?xml version="1.0" encoding="utf-8"?>
 <p:sld xmlns:a="http://schemas.openxmlformats.org/drawingml/2006/main" xmlns:r="http://schemas.openxmlformats.org/officeDocument/2006/relationships" xmlns:p="http://schemas.openxmlformats.org/presentationml/2006/main">
   <p:cSld>
     <p:spTree>
@@ -38102,7 +38181,7 @@
 </p:sld>
 </file>
 
-<file path=ppt/slides/slide61.xml><?xml version="1.0" encoding="utf-8"?>
+<file path=ppt/slides/slide63.xml><?xml version="1.0" encoding="utf-8"?>
 <p:sld xmlns:a="http://schemas.openxmlformats.org/drawingml/2006/main" xmlns:r="http://schemas.openxmlformats.org/officeDocument/2006/relationships" xmlns:p="http://schemas.openxmlformats.org/presentationml/2006/main">
   <p:cSld>
     <p:bg>
